--- a/powerpoint/Network Analysis - MLE Capstone Presentation_v06.pptx
+++ b/powerpoint/Network Analysis - MLE Capstone Presentation_v06.pptx
@@ -15,20 +15,20 @@
     <p:sldId id="261" r:id="rId6"/>
     <p:sldId id="275" r:id="rId7"/>
     <p:sldId id="273" r:id="rId8"/>
-    <p:sldId id="310" r:id="rId9"/>
-    <p:sldId id="289" r:id="rId10"/>
-    <p:sldId id="292" r:id="rId11"/>
-    <p:sldId id="290" r:id="rId12"/>
-    <p:sldId id="262" r:id="rId13"/>
-    <p:sldId id="269" r:id="rId14"/>
+    <p:sldId id="289" r:id="rId9"/>
+    <p:sldId id="292" r:id="rId10"/>
+    <p:sldId id="290" r:id="rId11"/>
+    <p:sldId id="262" r:id="rId12"/>
+    <p:sldId id="269" r:id="rId13"/>
+    <p:sldId id="265" r:id="rId14"/>
     <p:sldId id="264" r:id="rId15"/>
-    <p:sldId id="265" r:id="rId16"/>
-    <p:sldId id="266" r:id="rId17"/>
-    <p:sldId id="303" r:id="rId18"/>
-    <p:sldId id="272" r:id="rId19"/>
-    <p:sldId id="291" r:id="rId20"/>
-    <p:sldId id="306" r:id="rId21"/>
-    <p:sldId id="311" r:id="rId22"/>
+    <p:sldId id="266" r:id="rId16"/>
+    <p:sldId id="303" r:id="rId17"/>
+    <p:sldId id="272" r:id="rId18"/>
+    <p:sldId id="291" r:id="rId19"/>
+    <p:sldId id="310" r:id="rId20"/>
+    <p:sldId id="311" r:id="rId21"/>
+    <p:sldId id="306" r:id="rId22"/>
     <p:sldId id="288" r:id="rId23"/>
     <p:sldId id="305" r:id="rId24"/>
     <p:sldId id="294" r:id="rId25"/>
@@ -337,7 +337,7 @@
       </p15:sldGuideLst>
     </p:ext>
     <p:ext uri="http://customooxmlschemas.google.com/">
-      <go:slidesCustomData xmlns="" xmlns:mc="http://schemas.openxmlformats.org/markup-compatibility/2006" xmlns:mv="urn:schemas-microsoft-com:mac:vml" xmlns:c="http://schemas.openxmlformats.org/drawingml/2006/chart" xmlns:dgm="http://schemas.openxmlformats.org/drawingml/2006/diagram" xmlns:o="urn:schemas-microsoft-com:office:office" xmlns:v="urn:schemas-microsoft-com:vml" xmlns:pvml="urn:schemas-microsoft-com:office:powerpoint" xmlns:com="http://schemas.openxmlformats.org/drawingml/2006/compatibility" xmlns:p14="http://schemas.microsoft.com/office/powerpoint/2010/main" xmlns:p15="http://schemas.microsoft.com/office/powerpoint/2012/main" xmlns:ahyp="http://schemas.microsoft.com/office/drawing/2018/hyperlinkcolor" xmlns:go="http://customooxmlschemas.google.com/" r:id="rId56" roundtripDataSignature="AMtx7miYcyAUIkQHKs4Ne0oM4jMUNFjmHA=="/>
+      <go:slidesCustomData xmlns:go="http://customooxmlschemas.google.com/" xmlns:ahyp="http://schemas.microsoft.com/office/drawing/2018/hyperlinkcolor" xmlns:p15="http://schemas.microsoft.com/office/powerpoint/2012/main" xmlns:p14="http://schemas.microsoft.com/office/powerpoint/2010/main" xmlns:com="http://schemas.openxmlformats.org/drawingml/2006/compatibility" xmlns:pvml="urn:schemas-microsoft-com:office:powerpoint" xmlns:v="urn:schemas-microsoft-com:vml" xmlns:o="urn:schemas-microsoft-com:office:office" xmlns:dgm="http://schemas.openxmlformats.org/drawingml/2006/diagram" xmlns:c="http://schemas.openxmlformats.org/drawingml/2006/chart" xmlns:mv="urn:schemas-microsoft-com:mac:vml" xmlns:mc="http://schemas.openxmlformats.org/markup-compatibility/2006" xmlns="" r:id="rId56" roundtripDataSignature="AMtx7miYcyAUIkQHKs4Ne0oM4jMUNFjmHA=="/>
     </p:ext>
   </p:extLst>
 </p:presentation>
@@ -1165,7 +1165,7 @@
     </p:spTree>
     <p:extLst>
       <p:ext uri="{BB962C8B-B14F-4D97-AF65-F5344CB8AC3E}">
-        <p14:creationId xmlns:p14="http://schemas.microsoft.com/office/powerpoint/2010/main" val="1003624449"/>
+        <p14:creationId xmlns:p14="http://schemas.microsoft.com/office/powerpoint/2010/main" val="1625389916"/>
       </p:ext>
     </p:extLst>
   </p:cSld>
@@ -1180,7 +1180,7 @@
   <p:cSld>
     <p:spTree>
       <p:nvGrpSpPr>
-        <p:cNvPr id="1" name="Shape 136"/>
+        <p:cNvPr id="1" name="Shape 129"/>
         <p:cNvGrpSpPr/>
         <p:nvPr/>
       </p:nvGrpSpPr>
@@ -1194,7 +1194,7 @@
       </p:grpSpPr>
       <p:sp>
         <p:nvSpPr>
-          <p:cNvPr id="137" name="Google Shape;137;g133c1f20611_0_26:notes"/>
+          <p:cNvPr id="130" name="Google Shape;130;g133c1f20611_0_20:notes"/>
           <p:cNvSpPr>
             <a:spLocks noGrp="1" noRot="1" noChangeAspect="1"/>
           </p:cNvSpPr>
@@ -1245,7 +1245,7 @@
       </p:sp>
       <p:sp>
         <p:nvSpPr>
-          <p:cNvPr id="138" name="Google Shape;138;g133c1f20611_0_26:notes"/>
+          <p:cNvPr id="131" name="Google Shape;131;g133c1f20611_0_20:notes"/>
           <p:cNvSpPr txBox="1">
             <a:spLocks noGrp="1"/>
           </p:cNvSpPr>
@@ -1290,11 +1290,6 @@
         </p:txBody>
       </p:sp>
     </p:spTree>
-    <p:extLst>
-      <p:ext uri="{BB962C8B-B14F-4D97-AF65-F5344CB8AC3E}">
-        <p14:creationId xmlns:p14="http://schemas.microsoft.com/office/powerpoint/2010/main" val="1625389916"/>
-      </p:ext>
-    </p:extLst>
   </p:cSld>
   <p:clrMapOvr>
     <a:masterClrMapping/>
@@ -1417,6 +1412,11 @@
         </p:txBody>
       </p:sp>
     </p:spTree>
+    <p:extLst>
+      <p:ext uri="{BB962C8B-B14F-4D97-AF65-F5344CB8AC3E}">
+        <p14:creationId xmlns:p14="http://schemas.microsoft.com/office/powerpoint/2010/main" val="182243608"/>
+      </p:ext>
+    </p:extLst>
   </p:cSld>
   <p:clrMapOvr>
     <a:masterClrMapping/>
@@ -1429,7 +1429,7 @@
   <p:cSld>
     <p:spTree>
       <p:nvGrpSpPr>
-        <p:cNvPr id="1" name="Shape 129"/>
+        <p:cNvPr id="1" name="Shape 149"/>
         <p:cNvGrpSpPr/>
         <p:nvPr/>
       </p:nvGrpSpPr>
@@ -1443,7 +1443,7 @@
       </p:grpSpPr>
       <p:sp>
         <p:nvSpPr>
-          <p:cNvPr id="130" name="Google Shape;130;g133c1f20611_0_20:notes"/>
+          <p:cNvPr id="150" name="Google Shape;150;g133c1f20611_0_39:notes"/>
           <p:cNvSpPr>
             <a:spLocks noGrp="1" noRot="1" noChangeAspect="1"/>
           </p:cNvSpPr>
@@ -1494,7 +1494,7 @@
       </p:sp>
       <p:sp>
         <p:nvSpPr>
-          <p:cNvPr id="131" name="Google Shape;131;g133c1f20611_0_20:notes"/>
+          <p:cNvPr id="151" name="Google Shape;151;g133c1f20611_0_39:notes"/>
           <p:cNvSpPr txBox="1">
             <a:spLocks noGrp="1"/>
           </p:cNvSpPr>
@@ -1539,11 +1539,6 @@
         </p:txBody>
       </p:sp>
     </p:spTree>
-    <p:extLst>
-      <p:ext uri="{BB962C8B-B14F-4D97-AF65-F5344CB8AC3E}">
-        <p14:creationId xmlns:p14="http://schemas.microsoft.com/office/powerpoint/2010/main" val="182243608"/>
-      </p:ext>
-    </p:extLst>
   </p:cSld>
   <p:clrMapOvr>
     <a:masterClrMapping/>
@@ -1718,7 +1713,7 @@
   <p:cSld>
     <p:spTree>
       <p:nvGrpSpPr>
-        <p:cNvPr id="1" name="Shape 149"/>
+        <p:cNvPr id="1" name="Shape 155"/>
         <p:cNvGrpSpPr/>
         <p:nvPr/>
       </p:nvGrpSpPr>
@@ -1732,7 +1727,7 @@
       </p:grpSpPr>
       <p:sp>
         <p:nvSpPr>
-          <p:cNvPr id="150" name="Google Shape;150;g133c1f20611_0_39:notes"/>
+          <p:cNvPr id="156" name="Google Shape;156;g133c1f20611_0_49:notes"/>
           <p:cNvSpPr>
             <a:spLocks noGrp="1" noRot="1" noChangeAspect="1"/>
           </p:cNvSpPr>
@@ -1783,7 +1778,7 @@
       </p:sp>
       <p:sp>
         <p:nvSpPr>
-          <p:cNvPr id="151" name="Google Shape;151;g133c1f20611_0_39:notes"/>
+          <p:cNvPr id="157" name="Google Shape;157;g133c1f20611_0_49:notes"/>
           <p:cNvSpPr txBox="1">
             <a:spLocks noGrp="1"/>
           </p:cNvSpPr>
@@ -1950,6 +1945,11 @@
         </p:txBody>
       </p:sp>
     </p:spTree>
+    <p:extLst>
+      <p:ext uri="{BB962C8B-B14F-4D97-AF65-F5344CB8AC3E}">
+        <p14:creationId xmlns:p14="http://schemas.microsoft.com/office/powerpoint/2010/main" val="1456514246"/>
+      </p:ext>
+    </p:extLst>
   </p:cSld>
   <p:clrMapOvr>
     <a:masterClrMapping/>
@@ -1962,7 +1962,7 @@
   <p:cSld>
     <p:spTree>
       <p:nvGrpSpPr>
-        <p:cNvPr id="1" name="Shape 155"/>
+        <p:cNvPr id="1" name="Shape 123"/>
         <p:cNvGrpSpPr/>
         <p:nvPr/>
       </p:nvGrpSpPr>
@@ -1976,7 +1976,7 @@
       </p:grpSpPr>
       <p:sp>
         <p:nvSpPr>
-          <p:cNvPr id="156" name="Google Shape;156;g133c1f20611_0_49:notes"/>
+          <p:cNvPr id="124" name="Google Shape;124;g133c1f20611_0_15:notes"/>
           <p:cNvSpPr>
             <a:spLocks noGrp="1" noRot="1" noChangeAspect="1"/>
           </p:cNvSpPr>
@@ -2027,7 +2027,7 @@
       </p:sp>
       <p:sp>
         <p:nvSpPr>
-          <p:cNvPr id="157" name="Google Shape;157;g133c1f20611_0_49:notes"/>
+          <p:cNvPr id="125" name="Google Shape;125;g133c1f20611_0_15:notes"/>
           <p:cNvSpPr txBox="1">
             <a:spLocks noGrp="1"/>
           </p:cNvSpPr>
@@ -2074,7 +2074,7 @@
     </p:spTree>
     <p:extLst>
       <p:ext uri="{BB962C8B-B14F-4D97-AF65-F5344CB8AC3E}">
-        <p14:creationId xmlns:p14="http://schemas.microsoft.com/office/powerpoint/2010/main" val="1456514246"/>
+        <p14:creationId xmlns:p14="http://schemas.microsoft.com/office/powerpoint/2010/main" val="2694793689"/>
       </p:ext>
     </p:extLst>
   </p:cSld>
@@ -2194,14 +2194,14 @@
               <a:buSzPts val="1100"/>
               <a:buNone/>
             </a:pPr>
-            <a:endParaRPr/>
+            <a:endParaRPr dirty="0"/>
           </a:p>
         </p:txBody>
       </p:sp>
     </p:spTree>
     <p:extLst>
       <p:ext uri="{BB962C8B-B14F-4D97-AF65-F5344CB8AC3E}">
-        <p14:creationId xmlns:p14="http://schemas.microsoft.com/office/powerpoint/2010/main" val="2694793689"/>
+        <p14:creationId xmlns:p14="http://schemas.microsoft.com/office/powerpoint/2010/main" val="109839284"/>
       </p:ext>
     </p:extLst>
   </p:cSld>
@@ -2321,14 +2321,14 @@
               <a:buSzPts val="1100"/>
               <a:buNone/>
             </a:pPr>
-            <a:endParaRPr dirty="0"/>
+            <a:endParaRPr/>
           </a:p>
         </p:txBody>
       </p:sp>
     </p:spTree>
     <p:extLst>
       <p:ext uri="{BB962C8B-B14F-4D97-AF65-F5344CB8AC3E}">
-        <p14:creationId xmlns:p14="http://schemas.microsoft.com/office/powerpoint/2010/main" val="109839284"/>
+        <p14:creationId xmlns:p14="http://schemas.microsoft.com/office/powerpoint/2010/main" val="1656477613"/>
       </p:ext>
     </p:extLst>
   </p:cSld>
@@ -2577,7 +2577,7 @@
     </p:spTree>
     <p:extLst>
       <p:ext uri="{BB962C8B-B14F-4D97-AF65-F5344CB8AC3E}">
-        <p14:creationId xmlns:p14="http://schemas.microsoft.com/office/powerpoint/2010/main" val="2495728864"/>
+        <p14:creationId xmlns:p14="http://schemas.microsoft.com/office/powerpoint/2010/main" val="1385892654"/>
       </p:ext>
     </p:extLst>
   </p:cSld>
@@ -2704,7 +2704,7 @@
     </p:spTree>
     <p:extLst>
       <p:ext uri="{BB962C8B-B14F-4D97-AF65-F5344CB8AC3E}">
-        <p14:creationId xmlns:p14="http://schemas.microsoft.com/office/powerpoint/2010/main" val="1385892654"/>
+        <p14:creationId xmlns:p14="http://schemas.microsoft.com/office/powerpoint/2010/main" val="2495728864"/>
       </p:ext>
     </p:extLst>
   </p:cSld>
@@ -6609,14 +6609,14 @@
               <a:buSzPts val="1100"/>
               <a:buNone/>
             </a:pPr>
-            <a:endParaRPr/>
+            <a:endParaRPr dirty="0"/>
           </a:p>
         </p:txBody>
       </p:sp>
     </p:spTree>
     <p:extLst>
       <p:ext uri="{BB962C8B-B14F-4D97-AF65-F5344CB8AC3E}">
-        <p14:creationId xmlns:p14="http://schemas.microsoft.com/office/powerpoint/2010/main" val="1656477613"/>
+        <p14:creationId xmlns:p14="http://schemas.microsoft.com/office/powerpoint/2010/main" val="1712522127"/>
       </p:ext>
     </p:extLst>
   </p:cSld>
@@ -6631,7 +6631,7 @@
   <p:cSld>
     <p:spTree>
       <p:nvGrpSpPr>
-        <p:cNvPr id="1" name="Shape 123"/>
+        <p:cNvPr id="1" name="Shape 136"/>
         <p:cNvGrpSpPr/>
         <p:nvPr/>
       </p:nvGrpSpPr>
@@ -6645,7 +6645,7 @@
       </p:grpSpPr>
       <p:sp>
         <p:nvSpPr>
-          <p:cNvPr id="124" name="Google Shape;124;g133c1f20611_0_15:notes"/>
+          <p:cNvPr id="137" name="Google Shape;137;g133c1f20611_0_26:notes"/>
           <p:cNvSpPr>
             <a:spLocks noGrp="1" noRot="1" noChangeAspect="1"/>
           </p:cNvSpPr>
@@ -6696,7 +6696,7 @@
       </p:sp>
       <p:sp>
         <p:nvSpPr>
-          <p:cNvPr id="125" name="Google Shape;125;g133c1f20611_0_15:notes"/>
+          <p:cNvPr id="138" name="Google Shape;138;g133c1f20611_0_26:notes"/>
           <p:cNvSpPr txBox="1">
             <a:spLocks noGrp="1"/>
           </p:cNvSpPr>
@@ -6736,14 +6736,14 @@
               <a:buSzPts val="1100"/>
               <a:buNone/>
             </a:pPr>
-            <a:endParaRPr dirty="0"/>
+            <a:endParaRPr/>
           </a:p>
         </p:txBody>
       </p:sp>
     </p:spTree>
     <p:extLst>
       <p:ext uri="{BB962C8B-B14F-4D97-AF65-F5344CB8AC3E}">
-        <p14:creationId xmlns:p14="http://schemas.microsoft.com/office/powerpoint/2010/main" val="1712522127"/>
+        <p14:creationId xmlns:p14="http://schemas.microsoft.com/office/powerpoint/2010/main" val="1003624449"/>
       </p:ext>
     </p:extLst>
   </p:cSld>
@@ -12854,1051 +12854,6 @@
       </p:grpSpPr>
       <p:sp>
         <p:nvSpPr>
-          <p:cNvPr id="6" name="TextBox 5">
-            <a:extLst>
-              <a:ext uri="{FF2B5EF4-FFF2-40B4-BE49-F238E27FC236}">
-                <a16:creationId xmlns:a16="http://schemas.microsoft.com/office/drawing/2014/main" id="{DE815755-CA9D-91D9-819C-5788FE5CBF2C}"/>
-              </a:ext>
-            </a:extLst>
-          </p:cNvPr>
-          <p:cNvSpPr txBox="1"/>
-          <p:nvPr/>
-        </p:nvSpPr>
-        <p:spPr>
-          <a:xfrm>
-            <a:off x="1146025" y="1309760"/>
-            <a:ext cx="6851950" cy="461665"/>
-          </a:xfrm>
-          <a:prstGeom prst="rect">
-            <a:avLst/>
-          </a:prstGeom>
-          <a:noFill/>
-        </p:spPr>
-        <p:txBody>
-          <a:bodyPr wrap="square" rtlCol="0">
-            <a:spAutoFit/>
-          </a:bodyPr>
-          <a:lstStyle/>
-          <a:p>
-            <a:r>
-              <a:rPr lang="en-US" sz="1200" dirty="0"/>
-              <a:t>Throughout the project we utilized the power of </a:t>
-            </a:r>
-            <a:r>
-              <a:rPr lang="en-US" sz="1200" dirty="0" err="1"/>
-              <a:t>Github</a:t>
-            </a:r>
-            <a:r>
-              <a:rPr lang="en-US" sz="1200" dirty="0"/>
-              <a:t> for version control and collaboration among team members.</a:t>
-            </a:r>
-          </a:p>
-        </p:txBody>
-      </p:sp>
-      <p:sp>
-        <p:nvSpPr>
-          <p:cNvPr id="7" name="TextBox 6">
-            <a:extLst>
-              <a:ext uri="{FF2B5EF4-FFF2-40B4-BE49-F238E27FC236}">
-                <a16:creationId xmlns:a16="http://schemas.microsoft.com/office/drawing/2014/main" id="{AE314D5B-799C-808F-D760-9F5DDFF70ECF}"/>
-              </a:ext>
-            </a:extLst>
-          </p:cNvPr>
-          <p:cNvSpPr txBox="1"/>
-          <p:nvPr/>
-        </p:nvSpPr>
-        <p:spPr>
-          <a:xfrm>
-            <a:off x="4800361" y="3721953"/>
-            <a:ext cx="1738896" cy="830997"/>
-          </a:xfrm>
-          <a:prstGeom prst="rect">
-            <a:avLst/>
-          </a:prstGeom>
-          <a:noFill/>
-          <a:ln w="12700">
-            <a:solidFill>
-              <a:schemeClr val="tx1">
-                <a:lumMod val="50000"/>
-              </a:schemeClr>
-            </a:solidFill>
-          </a:ln>
-        </p:spPr>
-        <p:txBody>
-          <a:bodyPr wrap="square" rtlCol="0" anchor="ctr" anchorCtr="1">
-            <a:spAutoFit/>
-          </a:bodyPr>
-          <a:lstStyle/>
-          <a:p>
-            <a:pPr algn="ctr"/>
-            <a:r>
-              <a:rPr lang="en-US" sz="1200" dirty="0"/>
-              <a:t>Took advantage of TPOT capabilities to select and fine tune a ML model.</a:t>
-            </a:r>
-          </a:p>
-        </p:txBody>
-      </p:sp>
-      <p:pic>
-        <p:nvPicPr>
-          <p:cNvPr id="1028" name="Picture 4">
-            <a:extLst>
-              <a:ext uri="{FF2B5EF4-FFF2-40B4-BE49-F238E27FC236}">
-                <a16:creationId xmlns:a16="http://schemas.microsoft.com/office/drawing/2014/main" id="{147E41FD-EBE5-7E00-D3FF-F60711E5266D}"/>
-              </a:ext>
-            </a:extLst>
-          </p:cNvPr>
-          <p:cNvPicPr>
-            <a:picLocks noChangeAspect="1" noChangeArrowheads="1"/>
-          </p:cNvPicPr>
-          <p:nvPr/>
-        </p:nvPicPr>
-        <p:blipFill>
-          <a:blip r:embed="rId3">
-            <a:extLst>
-              <a:ext uri="{28A0092B-C50C-407E-A947-70E740481C1C}">
-                <a14:useLocalDpi xmlns:a14="http://schemas.microsoft.com/office/drawing/2010/main" val="0"/>
-              </a:ext>
-            </a:extLst>
-          </a:blip>
-          <a:srcRect/>
-          <a:stretch>
-            <a:fillRect/>
-          </a:stretch>
-        </p:blipFill>
-        <p:spPr bwMode="auto">
-          <a:xfrm>
-            <a:off x="987678" y="2055640"/>
-            <a:ext cx="463509" cy="537249"/>
-          </a:xfrm>
-          <a:prstGeom prst="rect">
-            <a:avLst/>
-          </a:prstGeom>
-          <a:noFill/>
-          <a:extLst>
-            <a:ext uri="{909E8E84-426E-40DD-AFC4-6F175D3DCCD1}">
-              <a14:hiddenFill xmlns:a14="http://schemas.microsoft.com/office/drawing/2010/main">
-                <a:solidFill>
-                  <a:srgbClr val="FFFFFF"/>
-                </a:solidFill>
-              </a14:hiddenFill>
-            </a:ext>
-          </a:extLst>
-        </p:spPr>
-      </p:pic>
-      <p:pic>
-        <p:nvPicPr>
-          <p:cNvPr id="1030" name="Picture 6" descr="Python Logo">
-            <a:extLst>
-              <a:ext uri="{FF2B5EF4-FFF2-40B4-BE49-F238E27FC236}">
-                <a16:creationId xmlns:a16="http://schemas.microsoft.com/office/drawing/2014/main" id="{43B13BD7-F7A6-FAF3-B027-8EC3FF398DFC}"/>
-              </a:ext>
-            </a:extLst>
-          </p:cNvPr>
-          <p:cNvPicPr>
-            <a:picLocks noChangeAspect="1" noChangeArrowheads="1"/>
-          </p:cNvPicPr>
-          <p:nvPr/>
-        </p:nvPicPr>
-        <p:blipFill>
-          <a:blip r:embed="rId4">
-            <a:extLst>
-              <a:ext uri="{28A0092B-C50C-407E-A947-70E740481C1C}">
-                <a14:useLocalDpi xmlns:a14="http://schemas.microsoft.com/office/drawing/2010/main" val="0"/>
-              </a:ext>
-            </a:extLst>
-          </a:blip>
-          <a:srcRect/>
-          <a:stretch>
-            <a:fillRect/>
-          </a:stretch>
-        </p:blipFill>
-        <p:spPr bwMode="auto">
-          <a:xfrm>
-            <a:off x="755924" y="2611230"/>
-            <a:ext cx="463509" cy="461657"/>
-          </a:xfrm>
-          <a:prstGeom prst="rect">
-            <a:avLst/>
-          </a:prstGeom>
-          <a:noFill/>
-          <a:extLst>
-            <a:ext uri="{909E8E84-426E-40DD-AFC4-6F175D3DCCD1}">
-              <a14:hiddenFill xmlns:a14="http://schemas.microsoft.com/office/drawing/2010/main">
-                <a:solidFill>
-                  <a:srgbClr val="FFFFFF"/>
-                </a:solidFill>
-              </a14:hiddenFill>
-            </a:ext>
-          </a:extLst>
-        </p:spPr>
-      </p:pic>
-      <p:pic>
-        <p:nvPicPr>
-          <p:cNvPr id="1032" name="Picture 8" descr="NumPy">
-            <a:extLst>
-              <a:ext uri="{FF2B5EF4-FFF2-40B4-BE49-F238E27FC236}">
-                <a16:creationId xmlns:a16="http://schemas.microsoft.com/office/drawing/2014/main" id="{C57F3D60-0812-35E4-7320-3F8E8B89E30B}"/>
-              </a:ext>
-            </a:extLst>
-          </p:cNvPr>
-          <p:cNvPicPr>
-            <a:picLocks noChangeAspect="1" noChangeArrowheads="1"/>
-          </p:cNvPicPr>
-          <p:nvPr/>
-        </p:nvPicPr>
-        <p:blipFill>
-          <a:blip r:embed="rId5">
-            <a:extLst>
-              <a:ext uri="{28A0092B-C50C-407E-A947-70E740481C1C}">
-                <a14:useLocalDpi xmlns:a14="http://schemas.microsoft.com/office/drawing/2010/main" val="0"/>
-              </a:ext>
-            </a:extLst>
-          </a:blip>
-          <a:srcRect/>
-          <a:stretch>
-            <a:fillRect/>
-          </a:stretch>
-        </p:blipFill>
-        <p:spPr bwMode="auto">
-          <a:xfrm>
-            <a:off x="1207852" y="2539115"/>
-            <a:ext cx="572102" cy="572102"/>
-          </a:xfrm>
-          <a:prstGeom prst="rect">
-            <a:avLst/>
-          </a:prstGeom>
-          <a:noFill/>
-          <a:extLst>
-            <a:ext uri="{909E8E84-426E-40DD-AFC4-6F175D3DCCD1}">
-              <a14:hiddenFill xmlns:a14="http://schemas.microsoft.com/office/drawing/2010/main">
-                <a:solidFill>
-                  <a:srgbClr val="FFFFFF"/>
-                </a:solidFill>
-              </a14:hiddenFill>
-            </a:ext>
-          </a:extLst>
-        </p:spPr>
-      </p:pic>
-      <p:pic>
-        <p:nvPicPr>
-          <p:cNvPr id="1046" name="Picture 22" descr="pandas - Python Data Analysis Library">
-            <a:extLst>
-              <a:ext uri="{FF2B5EF4-FFF2-40B4-BE49-F238E27FC236}">
-                <a16:creationId xmlns:a16="http://schemas.microsoft.com/office/drawing/2014/main" id="{35089554-DA4E-CF68-DD5B-0E07C50213E3}"/>
-              </a:ext>
-            </a:extLst>
-          </p:cNvPr>
-          <p:cNvPicPr>
-            <a:picLocks noChangeAspect="1" noChangeArrowheads="1"/>
-          </p:cNvPicPr>
-          <p:nvPr/>
-        </p:nvPicPr>
-        <p:blipFill>
-          <a:blip r:embed="rId6">
-            <a:extLst>
-              <a:ext uri="{28A0092B-C50C-407E-A947-70E740481C1C}">
-                <a14:useLocalDpi xmlns:a14="http://schemas.microsoft.com/office/drawing/2010/main" val="0"/>
-              </a:ext>
-            </a:extLst>
-          </a:blip>
-          <a:srcRect/>
-          <a:stretch>
-            <a:fillRect/>
-          </a:stretch>
-        </p:blipFill>
-        <p:spPr bwMode="auto">
-          <a:xfrm>
-            <a:off x="1207852" y="3129114"/>
-            <a:ext cx="596594" cy="422308"/>
-          </a:xfrm>
-          <a:prstGeom prst="rect">
-            <a:avLst/>
-          </a:prstGeom>
-          <a:noFill/>
-          <a:extLst>
-            <a:ext uri="{909E8E84-426E-40DD-AFC4-6F175D3DCCD1}">
-              <a14:hiddenFill xmlns:a14="http://schemas.microsoft.com/office/drawing/2010/main">
-                <a:solidFill>
-                  <a:srgbClr val="FFFFFF"/>
-                </a:solidFill>
-              </a14:hiddenFill>
-            </a:ext>
-          </a:extLst>
-        </p:spPr>
-      </p:pic>
-      <p:pic>
-        <p:nvPicPr>
-          <p:cNvPr id="1048" name="Picture 24">
-            <a:extLst>
-              <a:ext uri="{FF2B5EF4-FFF2-40B4-BE49-F238E27FC236}">
-                <a16:creationId xmlns:a16="http://schemas.microsoft.com/office/drawing/2014/main" id="{FBFF9A48-2A52-62BD-5BC0-2DA0E6B91F6A}"/>
-              </a:ext>
-            </a:extLst>
-          </p:cNvPr>
-          <p:cNvPicPr>
-            <a:picLocks noChangeAspect="1" noChangeArrowheads="1"/>
-          </p:cNvPicPr>
-          <p:nvPr/>
-        </p:nvPicPr>
-        <p:blipFill>
-          <a:blip r:embed="rId7">
-            <a:extLst>
-              <a:ext uri="{28A0092B-C50C-407E-A947-70E740481C1C}">
-                <a14:useLocalDpi xmlns:a14="http://schemas.microsoft.com/office/drawing/2010/main" val="0"/>
-              </a:ext>
-            </a:extLst>
-          </a:blip>
-          <a:srcRect/>
-          <a:stretch>
-            <a:fillRect/>
-          </a:stretch>
-        </p:blipFill>
-        <p:spPr bwMode="auto">
-          <a:xfrm>
-            <a:off x="2890085" y="2451101"/>
-            <a:ext cx="832594" cy="448242"/>
-          </a:xfrm>
-          <a:prstGeom prst="rect">
-            <a:avLst/>
-          </a:prstGeom>
-          <a:noFill/>
-          <a:extLst>
-            <a:ext uri="{909E8E84-426E-40DD-AFC4-6F175D3DCCD1}">
-              <a14:hiddenFill xmlns:a14="http://schemas.microsoft.com/office/drawing/2010/main">
-                <a:solidFill>
-                  <a:srgbClr val="FFFFFF"/>
-                </a:solidFill>
-              </a14:hiddenFill>
-            </a:ext>
-          </a:extLst>
-        </p:spPr>
-      </p:pic>
-      <p:pic>
-        <p:nvPicPr>
-          <p:cNvPr id="1058" name="Picture 34" descr="Discussion of seaborn logo · Issue #2243 · mwaskom/seaborn · GitHub">
-            <a:extLst>
-              <a:ext uri="{FF2B5EF4-FFF2-40B4-BE49-F238E27FC236}">
-                <a16:creationId xmlns:a16="http://schemas.microsoft.com/office/drawing/2014/main" id="{44E62E3D-BF9B-5DC6-141D-21B439D7DFFE}"/>
-              </a:ext>
-            </a:extLst>
-          </p:cNvPr>
-          <p:cNvPicPr>
-            <a:picLocks noChangeAspect="1" noChangeArrowheads="1"/>
-          </p:cNvPicPr>
-          <p:nvPr/>
-        </p:nvPicPr>
-        <p:blipFill>
-          <a:blip r:embed="rId8">
-            <a:extLst>
-              <a:ext uri="{28A0092B-C50C-407E-A947-70E740481C1C}">
-                <a14:useLocalDpi xmlns:a14="http://schemas.microsoft.com/office/drawing/2010/main" val="0"/>
-              </a:ext>
-            </a:extLst>
-          </a:blip>
-          <a:srcRect/>
-          <a:stretch>
-            <a:fillRect/>
-          </a:stretch>
-        </p:blipFill>
-        <p:spPr bwMode="auto">
-          <a:xfrm>
-            <a:off x="684257" y="3112600"/>
-            <a:ext cx="590550" cy="590550"/>
-          </a:xfrm>
-          <a:prstGeom prst="rect">
-            <a:avLst/>
-          </a:prstGeom>
-          <a:noFill/>
-          <a:extLst>
-            <a:ext uri="{909E8E84-426E-40DD-AFC4-6F175D3DCCD1}">
-              <a14:hiddenFill xmlns:a14="http://schemas.microsoft.com/office/drawing/2010/main">
-                <a:solidFill>
-                  <a:srgbClr val="FFFFFF"/>
-                </a:solidFill>
-              </a14:hiddenFill>
-            </a:ext>
-          </a:extLst>
-        </p:spPr>
-      </p:pic>
-      <p:pic>
-        <p:nvPicPr>
-          <p:cNvPr id="1060" name="Picture 36" descr="TPOT Logo - AutoML">
-            <a:extLst>
-              <a:ext uri="{FF2B5EF4-FFF2-40B4-BE49-F238E27FC236}">
-                <a16:creationId xmlns:a16="http://schemas.microsoft.com/office/drawing/2014/main" id="{5462DFEA-7F66-29B7-E264-4E357870C8FF}"/>
-              </a:ext>
-            </a:extLst>
-          </p:cNvPr>
-          <p:cNvPicPr>
-            <a:picLocks noChangeAspect="1" noChangeArrowheads="1"/>
-          </p:cNvPicPr>
-          <p:nvPr/>
-        </p:nvPicPr>
-        <p:blipFill>
-          <a:blip r:embed="rId9">
-            <a:extLst>
-              <a:ext uri="{28A0092B-C50C-407E-A947-70E740481C1C}">
-                <a14:useLocalDpi xmlns:a14="http://schemas.microsoft.com/office/drawing/2010/main" val="0"/>
-              </a:ext>
-            </a:extLst>
-          </a:blip>
-          <a:srcRect/>
-          <a:stretch>
-            <a:fillRect/>
-          </a:stretch>
-        </p:blipFill>
-        <p:spPr bwMode="auto">
-          <a:xfrm>
-            <a:off x="5161577" y="2384403"/>
-            <a:ext cx="736179" cy="645352"/>
-          </a:xfrm>
-          <a:prstGeom prst="rect">
-            <a:avLst/>
-          </a:prstGeom>
-          <a:noFill/>
-          <a:extLst>
-            <a:ext uri="{909E8E84-426E-40DD-AFC4-6F175D3DCCD1}">
-              <a14:hiddenFill xmlns:a14="http://schemas.microsoft.com/office/drawing/2010/main">
-                <a:solidFill>
-                  <a:srgbClr val="FFFFFF"/>
-                </a:solidFill>
-              </a14:hiddenFill>
-            </a:ext>
-          </a:extLst>
-        </p:spPr>
-      </p:pic>
-      <p:pic>
-        <p:nvPicPr>
-          <p:cNvPr id="1062" name="Picture 38" descr="RAPIDS + XGBoost | RAPIDS">
-            <a:extLst>
-              <a:ext uri="{FF2B5EF4-FFF2-40B4-BE49-F238E27FC236}">
-                <a16:creationId xmlns:a16="http://schemas.microsoft.com/office/drawing/2014/main" id="{E9A6EB5B-3D06-6F90-AC28-A26D67F5862A}"/>
-              </a:ext>
-            </a:extLst>
-          </p:cNvPr>
-          <p:cNvPicPr>
-            <a:picLocks noChangeAspect="1" noChangeArrowheads="1"/>
-          </p:cNvPicPr>
-          <p:nvPr/>
-        </p:nvPicPr>
-        <p:blipFill>
-          <a:blip r:embed="rId10">
-            <a:extLst>
-              <a:ext uri="{28A0092B-C50C-407E-A947-70E740481C1C}">
-                <a14:useLocalDpi xmlns:a14="http://schemas.microsoft.com/office/drawing/2010/main" val="0"/>
-              </a:ext>
-            </a:extLst>
-          </a:blip>
-          <a:srcRect/>
-          <a:stretch>
-            <a:fillRect/>
-          </a:stretch>
-        </p:blipFill>
-        <p:spPr bwMode="auto">
-          <a:xfrm>
-            <a:off x="7363656" y="2322441"/>
-            <a:ext cx="1144983" cy="858737"/>
-          </a:xfrm>
-          <a:prstGeom prst="rect">
-            <a:avLst/>
-          </a:prstGeom>
-          <a:noFill/>
-          <a:extLst>
-            <a:ext uri="{909E8E84-426E-40DD-AFC4-6F175D3DCCD1}">
-              <a14:hiddenFill xmlns:a14="http://schemas.microsoft.com/office/drawing/2010/main">
-                <a:solidFill>
-                  <a:srgbClr val="FFFFFF"/>
-                </a:solidFill>
-              </a14:hiddenFill>
-            </a:ext>
-          </a:extLst>
-        </p:spPr>
-      </p:pic>
-      <p:sp>
-        <p:nvSpPr>
-          <p:cNvPr id="14" name="Title 13">
-            <a:extLst>
-              <a:ext uri="{FF2B5EF4-FFF2-40B4-BE49-F238E27FC236}">
-                <a16:creationId xmlns:a16="http://schemas.microsoft.com/office/drawing/2014/main" id="{EE8AECEE-5342-EA15-A5E0-B8538B966704}"/>
-              </a:ext>
-            </a:extLst>
-          </p:cNvPr>
-          <p:cNvSpPr>
-            <a:spLocks noGrp="1"/>
-          </p:cNvSpPr>
-          <p:nvPr>
-            <p:ph type="title"/>
-          </p:nvPr>
-        </p:nvSpPr>
-        <p:spPr/>
-        <p:txBody>
-          <a:bodyPr/>
-          <a:lstStyle/>
-          <a:p>
-            <a:r>
-              <a:rPr lang="en-US" dirty="0">
-                <a:solidFill>
-                  <a:srgbClr val="0070C0"/>
-                </a:solidFill>
-              </a:rPr>
-              <a:t>MLE Stack / EDA - Data Engineering - ML</a:t>
-            </a:r>
-          </a:p>
-        </p:txBody>
-      </p:sp>
-      <p:pic>
-        <p:nvPicPr>
-          <p:cNvPr id="1064" name="Picture 40" descr="GitHub Logos and Usage · GitHub">
-            <a:extLst>
-              <a:ext uri="{FF2B5EF4-FFF2-40B4-BE49-F238E27FC236}">
-                <a16:creationId xmlns:a16="http://schemas.microsoft.com/office/drawing/2014/main" id="{713E3ED5-9912-E634-B17A-43261AA5031A}"/>
-              </a:ext>
-            </a:extLst>
-          </p:cNvPr>
-          <p:cNvPicPr>
-            <a:picLocks noChangeAspect="1" noChangeArrowheads="1"/>
-          </p:cNvPicPr>
-          <p:nvPr/>
-        </p:nvPicPr>
-        <p:blipFill>
-          <a:blip r:embed="rId11">
-            <a:extLst>
-              <a:ext uri="{28A0092B-C50C-407E-A947-70E740481C1C}">
-                <a14:useLocalDpi xmlns:a14="http://schemas.microsoft.com/office/drawing/2010/main" val="0"/>
-              </a:ext>
-            </a:extLst>
-          </a:blip>
-          <a:srcRect/>
-          <a:stretch>
-            <a:fillRect/>
-          </a:stretch>
-        </p:blipFill>
-        <p:spPr bwMode="auto">
-          <a:xfrm>
-            <a:off x="398205" y="1279145"/>
-            <a:ext cx="572103" cy="572103"/>
-          </a:xfrm>
-          <a:prstGeom prst="rect">
-            <a:avLst/>
-          </a:prstGeom>
-          <a:noFill/>
-          <a:extLst>
-            <a:ext uri="{909E8E84-426E-40DD-AFC4-6F175D3DCCD1}">
-              <a14:hiddenFill xmlns:a14="http://schemas.microsoft.com/office/drawing/2010/main">
-                <a:solidFill>
-                  <a:srgbClr val="FFFFFF"/>
-                </a:solidFill>
-              </a14:hiddenFill>
-            </a:ext>
-          </a:extLst>
-        </p:spPr>
-      </p:pic>
-      <p:pic>
-        <p:nvPicPr>
-          <p:cNvPr id="16" name="Picture 40" descr="GitHub Logos and Usage · GitHub">
-            <a:extLst>
-              <a:ext uri="{FF2B5EF4-FFF2-40B4-BE49-F238E27FC236}">
-                <a16:creationId xmlns:a16="http://schemas.microsoft.com/office/drawing/2014/main" id="{0BD7E616-4B79-F6B0-95CC-5EE4C21BF9F4}"/>
-              </a:ext>
-            </a:extLst>
-          </p:cNvPr>
-          <p:cNvPicPr>
-            <a:picLocks noChangeAspect="1" noChangeArrowheads="1"/>
-          </p:cNvPicPr>
-          <p:nvPr/>
-        </p:nvPicPr>
-        <p:blipFill>
-          <a:blip r:embed="rId11">
-            <a:extLst>
-              <a:ext uri="{28A0092B-C50C-407E-A947-70E740481C1C}">
-                <a14:useLocalDpi xmlns:a14="http://schemas.microsoft.com/office/drawing/2010/main" val="0"/>
-              </a:ext>
-            </a:extLst>
-          </a:blip>
-          <a:srcRect/>
-          <a:stretch>
-            <a:fillRect/>
-          </a:stretch>
-        </p:blipFill>
-        <p:spPr bwMode="auto">
-          <a:xfrm>
-            <a:off x="8173692" y="1237788"/>
-            <a:ext cx="572103" cy="572103"/>
-          </a:xfrm>
-          <a:prstGeom prst="rect">
-            <a:avLst/>
-          </a:prstGeom>
-          <a:noFill/>
-          <a:extLst>
-            <a:ext uri="{909E8E84-426E-40DD-AFC4-6F175D3DCCD1}">
-              <a14:hiddenFill xmlns:a14="http://schemas.microsoft.com/office/drawing/2010/main">
-                <a:solidFill>
-                  <a:srgbClr val="FFFFFF"/>
-                </a:solidFill>
-              </a14:hiddenFill>
-            </a:ext>
-          </a:extLst>
-        </p:spPr>
-      </p:pic>
-      <p:sp>
-        <p:nvSpPr>
-          <p:cNvPr id="17" name="Rounded Rectangle 16">
-            <a:extLst>
-              <a:ext uri="{FF2B5EF4-FFF2-40B4-BE49-F238E27FC236}">
-                <a16:creationId xmlns:a16="http://schemas.microsoft.com/office/drawing/2014/main" id="{8D2D27FE-AFFF-5FC3-77A5-6325DC83C0FC}"/>
-              </a:ext>
-            </a:extLst>
-          </p:cNvPr>
-          <p:cNvSpPr/>
-          <p:nvPr/>
-        </p:nvSpPr>
-        <p:spPr>
-          <a:xfrm>
-            <a:off x="398205" y="1237788"/>
-            <a:ext cx="8347590" cy="613460"/>
-          </a:xfrm>
-          <a:prstGeom prst="roundRect">
-            <a:avLst/>
-          </a:prstGeom>
-          <a:noFill/>
-          <a:ln w="12700">
-            <a:solidFill>
-              <a:schemeClr val="tx1">
-                <a:lumMod val="50000"/>
-              </a:schemeClr>
-            </a:solidFill>
-          </a:ln>
-        </p:spPr>
-        <p:style>
-          <a:lnRef idx="2">
-            <a:schemeClr val="accent1">
-              <a:shade val="50000"/>
-            </a:schemeClr>
-          </a:lnRef>
-          <a:fillRef idx="1">
-            <a:schemeClr val="accent1"/>
-          </a:fillRef>
-          <a:effectRef idx="0">
-            <a:schemeClr val="accent1"/>
-          </a:effectRef>
-          <a:fontRef idx="minor">
-            <a:schemeClr val="lt1"/>
-          </a:fontRef>
-        </p:style>
-        <p:txBody>
-          <a:bodyPr rtlCol="0" anchor="ctr"/>
-          <a:lstStyle/>
-          <a:p>
-            <a:pPr algn="ctr"/>
-            <a:endParaRPr lang="en-US"/>
-          </a:p>
-        </p:txBody>
-      </p:sp>
-      <p:sp>
-        <p:nvSpPr>
-          <p:cNvPr id="18" name="Right Arrow 17">
-            <a:extLst>
-              <a:ext uri="{FF2B5EF4-FFF2-40B4-BE49-F238E27FC236}">
-                <a16:creationId xmlns:a16="http://schemas.microsoft.com/office/drawing/2014/main" id="{29C513BC-D591-7670-5AC9-45E49EB38807}"/>
-              </a:ext>
-            </a:extLst>
-          </p:cNvPr>
-          <p:cNvSpPr/>
-          <p:nvPr/>
-        </p:nvSpPr>
-        <p:spPr>
-          <a:xfrm>
-            <a:off x="1982490" y="2568574"/>
-            <a:ext cx="720958" cy="302004"/>
-          </a:xfrm>
-          <a:prstGeom prst="rightArrow">
-            <a:avLst>
-              <a:gd name="adj1" fmla="val 16826"/>
-              <a:gd name="adj2" fmla="val 50000"/>
-            </a:avLst>
-          </a:prstGeom>
-          <a:solidFill>
-            <a:srgbClr val="0070C0"/>
-          </a:solidFill>
-          <a:ln>
-            <a:solidFill>
-              <a:srgbClr val="0070C0"/>
-            </a:solidFill>
-          </a:ln>
-        </p:spPr>
-        <p:style>
-          <a:lnRef idx="2">
-            <a:schemeClr val="accent1">
-              <a:shade val="50000"/>
-            </a:schemeClr>
-          </a:lnRef>
-          <a:fillRef idx="1">
-            <a:schemeClr val="accent1"/>
-          </a:fillRef>
-          <a:effectRef idx="0">
-            <a:schemeClr val="accent1"/>
-          </a:effectRef>
-          <a:fontRef idx="minor">
-            <a:schemeClr val="lt1"/>
-          </a:fontRef>
-        </p:style>
-        <p:txBody>
-          <a:bodyPr rtlCol="0" anchor="ctr"/>
-          <a:lstStyle/>
-          <a:p>
-            <a:pPr algn="ctr"/>
-            <a:endParaRPr lang="en-US"/>
-          </a:p>
-        </p:txBody>
-      </p:sp>
-      <p:sp>
-        <p:nvSpPr>
-          <p:cNvPr id="19" name="Right Arrow 18">
-            <a:extLst>
-              <a:ext uri="{FF2B5EF4-FFF2-40B4-BE49-F238E27FC236}">
-                <a16:creationId xmlns:a16="http://schemas.microsoft.com/office/drawing/2014/main" id="{34601F49-0868-2EF4-5039-241A3628DD83}"/>
-              </a:ext>
-            </a:extLst>
-          </p:cNvPr>
-          <p:cNvSpPr/>
-          <p:nvPr/>
-        </p:nvSpPr>
-        <p:spPr>
-          <a:xfrm>
-            <a:off x="4079403" y="2600808"/>
-            <a:ext cx="720958" cy="302004"/>
-          </a:xfrm>
-          <a:prstGeom prst="rightArrow">
-            <a:avLst>
-              <a:gd name="adj1" fmla="val 16826"/>
-              <a:gd name="adj2" fmla="val 50000"/>
-            </a:avLst>
-          </a:prstGeom>
-          <a:solidFill>
-            <a:srgbClr val="0070C0"/>
-          </a:solidFill>
-          <a:ln>
-            <a:solidFill>
-              <a:srgbClr val="0070C0"/>
-            </a:solidFill>
-          </a:ln>
-        </p:spPr>
-        <p:style>
-          <a:lnRef idx="2">
-            <a:schemeClr val="accent1">
-              <a:shade val="50000"/>
-            </a:schemeClr>
-          </a:lnRef>
-          <a:fillRef idx="1">
-            <a:schemeClr val="accent1"/>
-          </a:fillRef>
-          <a:effectRef idx="0">
-            <a:schemeClr val="accent1"/>
-          </a:effectRef>
-          <a:fontRef idx="minor">
-            <a:schemeClr val="lt1"/>
-          </a:fontRef>
-        </p:style>
-        <p:txBody>
-          <a:bodyPr rtlCol="0" anchor="ctr"/>
-          <a:lstStyle/>
-          <a:p>
-            <a:pPr algn="ctr"/>
-            <a:endParaRPr lang="en-US"/>
-          </a:p>
-        </p:txBody>
-      </p:sp>
-      <p:sp>
-        <p:nvSpPr>
-          <p:cNvPr id="20" name="Right Arrow 19">
-            <a:extLst>
-              <a:ext uri="{FF2B5EF4-FFF2-40B4-BE49-F238E27FC236}">
-                <a16:creationId xmlns:a16="http://schemas.microsoft.com/office/drawing/2014/main" id="{EA42870C-15B2-D928-DCEF-7E637B8B4984}"/>
-              </a:ext>
-            </a:extLst>
-          </p:cNvPr>
-          <p:cNvSpPr/>
-          <p:nvPr/>
-        </p:nvSpPr>
-        <p:spPr>
-          <a:xfrm>
-            <a:off x="6282106" y="2611230"/>
-            <a:ext cx="720958" cy="302004"/>
-          </a:xfrm>
-          <a:prstGeom prst="rightArrow">
-            <a:avLst>
-              <a:gd name="adj1" fmla="val 16826"/>
-              <a:gd name="adj2" fmla="val 50000"/>
-            </a:avLst>
-          </a:prstGeom>
-          <a:solidFill>
-            <a:srgbClr val="0070C0"/>
-          </a:solidFill>
-          <a:ln>
-            <a:solidFill>
-              <a:srgbClr val="0070C0"/>
-            </a:solidFill>
-          </a:ln>
-        </p:spPr>
-        <p:style>
-          <a:lnRef idx="2">
-            <a:schemeClr val="accent1">
-              <a:shade val="50000"/>
-            </a:schemeClr>
-          </a:lnRef>
-          <a:fillRef idx="1">
-            <a:schemeClr val="accent1"/>
-          </a:fillRef>
-          <a:effectRef idx="0">
-            <a:schemeClr val="accent1"/>
-          </a:effectRef>
-          <a:fontRef idx="minor">
-            <a:schemeClr val="lt1"/>
-          </a:fontRef>
-        </p:style>
-        <p:txBody>
-          <a:bodyPr rtlCol="0" anchor="ctr"/>
-          <a:lstStyle/>
-          <a:p>
-            <a:pPr algn="ctr"/>
-            <a:endParaRPr lang="en-US"/>
-          </a:p>
-        </p:txBody>
-      </p:sp>
-      <p:sp>
-        <p:nvSpPr>
-          <p:cNvPr id="21" name="TextBox 20">
-            <a:extLst>
-              <a:ext uri="{FF2B5EF4-FFF2-40B4-BE49-F238E27FC236}">
-                <a16:creationId xmlns:a16="http://schemas.microsoft.com/office/drawing/2014/main" id="{C48C25C9-8360-A3DD-7547-2D849974FE56}"/>
-              </a:ext>
-            </a:extLst>
-          </p:cNvPr>
-          <p:cNvSpPr txBox="1"/>
-          <p:nvPr/>
-        </p:nvSpPr>
-        <p:spPr>
-          <a:xfrm>
-            <a:off x="2653817" y="3721953"/>
-            <a:ext cx="1738896" cy="830997"/>
-          </a:xfrm>
-          <a:prstGeom prst="rect">
-            <a:avLst/>
-          </a:prstGeom>
-          <a:noFill/>
-          <a:ln w="12700">
-            <a:solidFill>
-              <a:schemeClr val="tx1">
-                <a:lumMod val="50000"/>
-              </a:schemeClr>
-            </a:solidFill>
-          </a:ln>
-        </p:spPr>
-        <p:txBody>
-          <a:bodyPr wrap="square" rtlCol="0" anchor="ctr" anchorCtr="1">
-            <a:noAutofit/>
-          </a:bodyPr>
-          <a:lstStyle/>
-          <a:p>
-            <a:pPr algn="ctr"/>
-            <a:r>
-              <a:rPr lang="en-US" sz="1200" dirty="0"/>
-              <a:t>Pipeline</a:t>
-            </a:r>
-          </a:p>
-          <a:p>
-            <a:pPr algn="ctr"/>
-            <a:r>
-              <a:rPr lang="en-US" sz="1200" dirty="0"/>
-              <a:t>Data preprocessing</a:t>
-            </a:r>
-          </a:p>
-          <a:p>
-            <a:pPr algn="ctr"/>
-            <a:r>
-              <a:rPr lang="en-US" sz="1200" dirty="0"/>
-              <a:t>Model selection – </a:t>
-            </a:r>
-            <a:r>
-              <a:rPr lang="en-US" sz="1200" dirty="0" err="1"/>
-              <a:t>lgr</a:t>
-            </a:r>
-            <a:endParaRPr lang="en-US" sz="1200" dirty="0"/>
-          </a:p>
-          <a:p>
-            <a:pPr algn="ctr"/>
-            <a:r>
-              <a:rPr lang="en-US" sz="1200" dirty="0"/>
-              <a:t>Metrics</a:t>
-            </a:r>
-          </a:p>
-        </p:txBody>
-      </p:sp>
-      <p:sp>
-        <p:nvSpPr>
-          <p:cNvPr id="22" name="TextBox 21">
-            <a:extLst>
-              <a:ext uri="{FF2B5EF4-FFF2-40B4-BE49-F238E27FC236}">
-                <a16:creationId xmlns:a16="http://schemas.microsoft.com/office/drawing/2014/main" id="{20579A39-E6A3-131B-ADE3-677171D8B3F4}"/>
-              </a:ext>
-            </a:extLst>
-          </p:cNvPr>
-          <p:cNvSpPr txBox="1"/>
-          <p:nvPr/>
-        </p:nvSpPr>
-        <p:spPr>
-          <a:xfrm>
-            <a:off x="405359" y="3721953"/>
-            <a:ext cx="1738896" cy="830997"/>
-          </a:xfrm>
-          <a:prstGeom prst="rect">
-            <a:avLst/>
-          </a:prstGeom>
-          <a:noFill/>
-          <a:ln w="12700">
-            <a:solidFill>
-              <a:schemeClr val="tx1">
-                <a:lumMod val="50000"/>
-              </a:schemeClr>
-            </a:solidFill>
-          </a:ln>
-        </p:spPr>
-        <p:txBody>
-          <a:bodyPr wrap="square" rtlCol="0" anchor="ctr" anchorCtr="1">
-            <a:noAutofit/>
-          </a:bodyPr>
-          <a:lstStyle/>
-          <a:p>
-            <a:pPr algn="ctr"/>
-            <a:r>
-              <a:rPr lang="en-US" sz="1200" dirty="0"/>
-              <a:t>EDA</a:t>
-            </a:r>
-          </a:p>
-          <a:p>
-            <a:pPr algn="ctr"/>
-            <a:r>
-              <a:rPr lang="en-US" sz="1200" dirty="0"/>
-              <a:t>Experimentation</a:t>
-            </a:r>
-          </a:p>
-          <a:p>
-            <a:pPr algn="ctr"/>
-            <a:r>
-              <a:rPr lang="en-US" sz="1200" dirty="0"/>
-              <a:t>Data Engineering</a:t>
-            </a:r>
-          </a:p>
-          <a:p>
-            <a:pPr algn="ctr"/>
-            <a:r>
-              <a:rPr lang="en-US" sz="1200" dirty="0"/>
-              <a:t>Feature selection</a:t>
-            </a:r>
-          </a:p>
-        </p:txBody>
-      </p:sp>
-      <p:sp>
-        <p:nvSpPr>
-          <p:cNvPr id="23" name="TextBox 22">
-            <a:extLst>
-              <a:ext uri="{FF2B5EF4-FFF2-40B4-BE49-F238E27FC236}">
-                <a16:creationId xmlns:a16="http://schemas.microsoft.com/office/drawing/2014/main" id="{A6B9BD35-E202-5B64-CA02-CDA4090BA0BC}"/>
-              </a:ext>
-            </a:extLst>
-          </p:cNvPr>
-          <p:cNvSpPr txBox="1"/>
-          <p:nvPr/>
-        </p:nvSpPr>
-        <p:spPr>
-          <a:xfrm>
-            <a:off x="7006899" y="3721953"/>
-            <a:ext cx="1738896" cy="830997"/>
-          </a:xfrm>
-          <a:prstGeom prst="rect">
-            <a:avLst/>
-          </a:prstGeom>
-          <a:noFill/>
-          <a:ln w="12700">
-            <a:solidFill>
-              <a:schemeClr val="tx1">
-                <a:lumMod val="50000"/>
-              </a:schemeClr>
-            </a:solidFill>
-          </a:ln>
-        </p:spPr>
-        <p:txBody>
-          <a:bodyPr wrap="square" rtlCol="0" anchor="ctr" anchorCtr="1">
-            <a:spAutoFit/>
-          </a:bodyPr>
-          <a:lstStyle>
-            <a:defPPr marR="0" lvl="0" algn="l" rtl="0">
-              <a:lnSpc>
-                <a:spcPct val="100000"/>
-              </a:lnSpc>
-              <a:spcBef>
-                <a:spcPts val="0"/>
-              </a:spcBef>
-              <a:spcAft>
-                <a:spcPts val="0"/>
-              </a:spcAft>
-            </a:defPPr>
-            <a:lvl1pPr algn="ctr">
-              <a:defRPr sz="1200"/>
-            </a:lvl1pPr>
-          </a:lstStyle>
-          <a:p>
-            <a:r>
-              <a:rPr lang="en-US" dirty="0"/>
-              <a:t>Extreme Gradient Boost</a:t>
-            </a:r>
-          </a:p>
-          <a:p>
-            <a:r>
-              <a:rPr lang="en-US" dirty="0"/>
-              <a:t>parallel tree boosting</a:t>
-            </a:r>
-          </a:p>
-          <a:p>
-            <a:r>
-              <a:rPr lang="en-US" dirty="0"/>
-              <a:t>ML classification lib</a:t>
-            </a:r>
-          </a:p>
-        </p:txBody>
-      </p:sp>
-    </p:spTree>
-    <p:extLst>
-      <p:ext uri="{BB962C8B-B14F-4D97-AF65-F5344CB8AC3E}">
-        <p14:creationId xmlns:p14="http://schemas.microsoft.com/office/powerpoint/2010/main" val="536615293"/>
-      </p:ext>
-    </p:extLst>
-  </p:cSld>
-  <p:clrMapOvr>
-    <a:masterClrMapping/>
-  </p:clrMapOvr>
-</p:sld>
-</file>
-
-<file path=ppt/slides/slide11.xml><?xml version="1.0" encoding="utf-8"?>
-<p:sld xmlns:a="http://schemas.openxmlformats.org/drawingml/2006/main" xmlns:r="http://schemas.openxmlformats.org/officeDocument/2006/relationships" xmlns:p="http://schemas.openxmlformats.org/presentationml/2006/main">
-  <p:cSld>
-    <p:spTree>
-      <p:nvGrpSpPr>
-        <p:cNvPr id="1" name="Shape 139"/>
-        <p:cNvGrpSpPr/>
-        <p:nvPr/>
-      </p:nvGrpSpPr>
-      <p:grpSpPr>
-        <a:xfrm>
-          <a:off x="0" y="0"/>
-          <a:ext cx="0" cy="0"/>
-          <a:chOff x="0" y="0"/>
-          <a:chExt cx="0" cy="0"/>
-        </a:xfrm>
-      </p:grpSpPr>
-      <p:sp>
-        <p:nvSpPr>
           <p:cNvPr id="140" name="Google Shape;140;g133c1f20611_0_26"/>
           <p:cNvSpPr txBox="1">
             <a:spLocks noGrp="1"/>
@@ -14318,6 +13273,103 @@
         <p14:creationId xmlns:p14="http://schemas.microsoft.com/office/powerpoint/2010/main" val="1832516706"/>
       </p:ext>
     </p:extLst>
+  </p:cSld>
+  <p:clrMapOvr>
+    <a:masterClrMapping/>
+  </p:clrMapOvr>
+</p:sld>
+</file>
+
+<file path=ppt/slides/slide11.xml><?xml version="1.0" encoding="utf-8"?>
+<p:sld xmlns:a="http://schemas.openxmlformats.org/drawingml/2006/main" xmlns:r="http://schemas.openxmlformats.org/officeDocument/2006/relationships" xmlns:p="http://schemas.openxmlformats.org/presentationml/2006/main">
+  <p:cSld>
+    <p:spTree>
+      <p:nvGrpSpPr>
+        <p:cNvPr id="1" name="Shape 132"/>
+        <p:cNvGrpSpPr/>
+        <p:nvPr/>
+      </p:nvGrpSpPr>
+      <p:grpSpPr>
+        <a:xfrm>
+          <a:off x="0" y="0"/>
+          <a:ext cx="0" cy="0"/>
+          <a:chOff x="0" y="0"/>
+          <a:chExt cx="0" cy="0"/>
+        </a:xfrm>
+      </p:grpSpPr>
+      <p:sp>
+        <p:nvSpPr>
+          <p:cNvPr id="133" name="Google Shape;133;g133c1f20611_0_20"/>
+          <p:cNvSpPr txBox="1">
+            <a:spLocks noGrp="1"/>
+          </p:cNvSpPr>
+          <p:nvPr>
+            <p:ph type="title"/>
+          </p:nvPr>
+        </p:nvSpPr>
+        <p:spPr>
+          <a:xfrm>
+            <a:off x="311700" y="445025"/>
+            <a:ext cx="8520600" cy="572700"/>
+          </a:xfrm>
+          <a:prstGeom prst="rect">
+            <a:avLst/>
+          </a:prstGeom>
+          <a:noFill/>
+          <a:ln>
+            <a:noFill/>
+          </a:ln>
+        </p:spPr>
+        <p:txBody>
+          <a:bodyPr spcFirstLastPara="1" wrap="square" lIns="91425" tIns="91425" rIns="91425" bIns="91425" anchor="t" anchorCtr="0">
+            <a:noAutofit/>
+          </a:bodyPr>
+          <a:lstStyle/>
+          <a:p>
+            <a:r>
+              <a:rPr lang="en-US" dirty="0">
+                <a:solidFill>
+                  <a:srgbClr val="0070C0"/>
+                </a:solidFill>
+              </a:rPr>
+              <a:t>Demo</a:t>
+            </a:r>
+            <a:endParaRPr dirty="0">
+              <a:solidFill>
+                <a:srgbClr val="0070C0"/>
+              </a:solidFill>
+            </a:endParaRPr>
+          </a:p>
+        </p:txBody>
+      </p:sp>
+      <p:pic>
+        <p:nvPicPr>
+          <p:cNvPr id="135" name="Google Shape;135;g133c1f20611_0_20"/>
+          <p:cNvPicPr preferRelativeResize="0"/>
+          <p:nvPr/>
+        </p:nvPicPr>
+        <p:blipFill rotWithShape="1">
+          <a:blip r:embed="rId3">
+            <a:alphaModFix/>
+          </a:blip>
+          <a:srcRect/>
+          <a:stretch/>
+        </p:blipFill>
+        <p:spPr>
+          <a:xfrm>
+            <a:off x="2863800" y="1017725"/>
+            <a:ext cx="3416400" cy="3416400"/>
+          </a:xfrm>
+          <a:prstGeom prst="rect">
+            <a:avLst/>
+          </a:prstGeom>
+          <a:noFill/>
+          <a:ln>
+            <a:noFill/>
+          </a:ln>
+        </p:spPr>
+      </p:pic>
+    </p:spTree>
   </p:cSld>
   <p:clrMapOvr>
     <a:masterClrMapping/>
@@ -14377,103 +13429,6 @@
                   <a:srgbClr val="0070C0"/>
                 </a:solidFill>
               </a:rPr>
-              <a:t>Demo</a:t>
-            </a:r>
-            <a:endParaRPr dirty="0">
-              <a:solidFill>
-                <a:srgbClr val="0070C0"/>
-              </a:solidFill>
-            </a:endParaRPr>
-          </a:p>
-        </p:txBody>
-      </p:sp>
-      <p:pic>
-        <p:nvPicPr>
-          <p:cNvPr id="135" name="Google Shape;135;g133c1f20611_0_20"/>
-          <p:cNvPicPr preferRelativeResize="0"/>
-          <p:nvPr/>
-        </p:nvPicPr>
-        <p:blipFill rotWithShape="1">
-          <a:blip r:embed="rId3">
-            <a:alphaModFix/>
-          </a:blip>
-          <a:srcRect/>
-          <a:stretch/>
-        </p:blipFill>
-        <p:spPr>
-          <a:xfrm>
-            <a:off x="2863800" y="1017725"/>
-            <a:ext cx="3416400" cy="3416400"/>
-          </a:xfrm>
-          <a:prstGeom prst="rect">
-            <a:avLst/>
-          </a:prstGeom>
-          <a:noFill/>
-          <a:ln>
-            <a:noFill/>
-          </a:ln>
-        </p:spPr>
-      </p:pic>
-    </p:spTree>
-  </p:cSld>
-  <p:clrMapOvr>
-    <a:masterClrMapping/>
-  </p:clrMapOvr>
-</p:sld>
-</file>
-
-<file path=ppt/slides/slide13.xml><?xml version="1.0" encoding="utf-8"?>
-<p:sld xmlns:a="http://schemas.openxmlformats.org/drawingml/2006/main" xmlns:r="http://schemas.openxmlformats.org/officeDocument/2006/relationships" xmlns:p="http://schemas.openxmlformats.org/presentationml/2006/main">
-  <p:cSld>
-    <p:spTree>
-      <p:nvGrpSpPr>
-        <p:cNvPr id="1" name="Shape 132"/>
-        <p:cNvGrpSpPr/>
-        <p:nvPr/>
-      </p:nvGrpSpPr>
-      <p:grpSpPr>
-        <a:xfrm>
-          <a:off x="0" y="0"/>
-          <a:ext cx="0" cy="0"/>
-          <a:chOff x="0" y="0"/>
-          <a:chExt cx="0" cy="0"/>
-        </a:xfrm>
-      </p:grpSpPr>
-      <p:sp>
-        <p:nvSpPr>
-          <p:cNvPr id="133" name="Google Shape;133;g133c1f20611_0_20"/>
-          <p:cNvSpPr txBox="1">
-            <a:spLocks noGrp="1"/>
-          </p:cNvSpPr>
-          <p:nvPr>
-            <p:ph type="title"/>
-          </p:nvPr>
-        </p:nvSpPr>
-        <p:spPr>
-          <a:xfrm>
-            <a:off x="311700" y="445025"/>
-            <a:ext cx="8520600" cy="572700"/>
-          </a:xfrm>
-          <a:prstGeom prst="rect">
-            <a:avLst/>
-          </a:prstGeom>
-          <a:noFill/>
-          <a:ln>
-            <a:noFill/>
-          </a:ln>
-        </p:spPr>
-        <p:txBody>
-          <a:bodyPr spcFirstLastPara="1" wrap="square" lIns="91425" tIns="91425" rIns="91425" bIns="91425" anchor="t" anchorCtr="0">
-            <a:noAutofit/>
-          </a:bodyPr>
-          <a:lstStyle/>
-          <a:p>
-            <a:r>
-              <a:rPr lang="en-US" dirty="0">
-                <a:solidFill>
-                  <a:srgbClr val="0070C0"/>
-                </a:solidFill>
-              </a:rPr>
               <a:t>Demo Challenges</a:t>
             </a:r>
             <a:endParaRPr dirty="0">
@@ -14553,13 +13508,7 @@
               </a:rPr>
               <a:t>Deployment in a dashboard? What tool to use? </a:t>
             </a:r>
-          </a:p>
-          <a:p>
-            <a:pPr lvl="1">
-              <a:buFont typeface="Arial" panose="020B0604020202020204" pitchFamily="34" charset="0"/>
-              <a:buChar char="•"/>
-            </a:pPr>
-            <a:endParaRPr lang="en-US" sz="900" dirty="0">
+            <a:endParaRPr lang="en-US" sz="400" dirty="0">
               <a:solidFill>
                 <a:schemeClr val="bg2"/>
               </a:solidFill>
@@ -14649,6 +13598,225 @@
         <p14:creationId xmlns:p14="http://schemas.microsoft.com/office/powerpoint/2010/main" val="322964723"/>
       </p:ext>
     </p:extLst>
+  </p:cSld>
+  <p:clrMapOvr>
+    <a:masterClrMapping/>
+  </p:clrMapOvr>
+</p:sld>
+</file>
+
+<file path=ppt/slides/slide13.xml><?xml version="1.0" encoding="utf-8"?>
+<p:sld xmlns:a="http://schemas.openxmlformats.org/drawingml/2006/main" xmlns:r="http://schemas.openxmlformats.org/officeDocument/2006/relationships" xmlns:p="http://schemas.openxmlformats.org/presentationml/2006/main">
+  <p:cSld>
+    <p:spTree>
+      <p:nvGrpSpPr>
+        <p:cNvPr id="1" name="Shape 152"/>
+        <p:cNvGrpSpPr/>
+        <p:nvPr/>
+      </p:nvGrpSpPr>
+      <p:grpSpPr>
+        <a:xfrm>
+          <a:off x="0" y="0"/>
+          <a:ext cx="0" cy="0"/>
+          <a:chOff x="0" y="0"/>
+          <a:chExt cx="0" cy="0"/>
+        </a:xfrm>
+      </p:grpSpPr>
+      <p:sp>
+        <p:nvSpPr>
+          <p:cNvPr id="153" name="Google Shape;153;g133c1f20611_0_39"/>
+          <p:cNvSpPr txBox="1">
+            <a:spLocks noGrp="1"/>
+          </p:cNvSpPr>
+          <p:nvPr>
+            <p:ph type="title"/>
+          </p:nvPr>
+        </p:nvSpPr>
+        <p:spPr>
+          <a:xfrm>
+            <a:off x="311700" y="445025"/>
+            <a:ext cx="8520600" cy="572700"/>
+          </a:xfrm>
+          <a:prstGeom prst="rect">
+            <a:avLst/>
+          </a:prstGeom>
+          <a:noFill/>
+          <a:ln>
+            <a:noFill/>
+          </a:ln>
+        </p:spPr>
+        <p:txBody>
+          <a:bodyPr spcFirstLastPara="1" wrap="square" lIns="91425" tIns="91425" rIns="91425" bIns="91425" anchor="t" anchorCtr="0">
+            <a:noAutofit/>
+          </a:bodyPr>
+          <a:lstStyle/>
+          <a:p>
+            <a:r>
+              <a:rPr lang="en-US" dirty="0">
+                <a:solidFill>
+                  <a:srgbClr val="0070C0"/>
+                </a:solidFill>
+              </a:rPr>
+              <a:t>Future Work</a:t>
+            </a:r>
+            <a:br>
+              <a:rPr lang="en-US" dirty="0">
+                <a:solidFill>
+                  <a:srgbClr val="0070C0"/>
+                </a:solidFill>
+              </a:rPr>
+            </a:br>
+            <a:endParaRPr dirty="0">
+              <a:solidFill>
+                <a:srgbClr val="0070C0"/>
+              </a:solidFill>
+            </a:endParaRPr>
+          </a:p>
+        </p:txBody>
+      </p:sp>
+      <p:sp>
+        <p:nvSpPr>
+          <p:cNvPr id="154" name="Google Shape;154;g133c1f20611_0_39"/>
+          <p:cNvSpPr txBox="1">
+            <a:spLocks noGrp="1"/>
+          </p:cNvSpPr>
+          <p:nvPr>
+            <p:ph type="body" idx="1"/>
+          </p:nvPr>
+        </p:nvSpPr>
+        <p:spPr>
+          <a:xfrm>
+            <a:off x="311700" y="1152475"/>
+            <a:ext cx="8520600" cy="3416400"/>
+          </a:xfrm>
+          <a:prstGeom prst="rect">
+            <a:avLst/>
+          </a:prstGeom>
+          <a:noFill/>
+          <a:ln>
+            <a:noFill/>
+          </a:ln>
+        </p:spPr>
+        <p:txBody>
+          <a:bodyPr spcFirstLastPara="1" wrap="square" lIns="91425" tIns="91425" rIns="91425" bIns="91425" anchor="t" anchorCtr="0">
+            <a:noAutofit/>
+          </a:bodyPr>
+          <a:lstStyle/>
+          <a:p>
+            <a:pPr>
+              <a:buFont typeface="Arial" panose="020B0604020202020204" pitchFamily="34" charset="0"/>
+              <a:buChar char="•"/>
+            </a:pPr>
+            <a:r>
+              <a:rPr lang="en-US" sz="1400" dirty="0"/>
+              <a:t>Real time streaming using KAFKA, Autoloader &amp; Databricks delta lake for real-time threat detection,</a:t>
+            </a:r>
+          </a:p>
+          <a:p>
+            <a:pPr>
+              <a:buFont typeface="Arial" panose="020B0604020202020204" pitchFamily="34" charset="0"/>
+              <a:buChar char="•"/>
+            </a:pPr>
+            <a:endParaRPr lang="en-US" sz="1400" dirty="0"/>
+          </a:p>
+          <a:p>
+            <a:pPr>
+              <a:buFont typeface="Arial" panose="020B0604020202020204" pitchFamily="34" charset="0"/>
+              <a:buChar char="•"/>
+            </a:pPr>
+            <a:r>
+              <a:rPr lang="en-US" sz="1400" dirty="0"/>
+              <a:t>Dashboarding using </a:t>
+            </a:r>
+            <a:r>
+              <a:rPr lang="en-US" sz="1400" dirty="0" err="1"/>
+              <a:t>plotly</a:t>
+            </a:r>
+            <a:r>
+              <a:rPr lang="en-US" sz="1400" dirty="0"/>
+              <a:t>, </a:t>
+            </a:r>
+            <a:r>
+              <a:rPr lang="en-US" sz="1400" dirty="0" err="1"/>
+              <a:t>databricks</a:t>
+            </a:r>
+            <a:r>
+              <a:rPr lang="en-US" sz="1400" dirty="0"/>
+              <a:t> environment,</a:t>
+            </a:r>
+          </a:p>
+          <a:p>
+            <a:pPr>
+              <a:buFont typeface="Arial" panose="020B0604020202020204" pitchFamily="34" charset="0"/>
+              <a:buChar char="•"/>
+            </a:pPr>
+            <a:endParaRPr lang="en-US" sz="1400" dirty="0"/>
+          </a:p>
+          <a:p>
+            <a:pPr>
+              <a:buFont typeface="Arial" panose="020B0604020202020204" pitchFamily="34" charset="0"/>
+              <a:buChar char="•"/>
+            </a:pPr>
+            <a:r>
+              <a:rPr lang="en-US" sz="1400" dirty="0"/>
+              <a:t>Data drift analysis with a robust </a:t>
+            </a:r>
+            <a:r>
+              <a:rPr lang="en-US" sz="1400" dirty="0" err="1"/>
+              <a:t>devOps</a:t>
+            </a:r>
+            <a:r>
+              <a:rPr lang="en-US" sz="1400" dirty="0"/>
+              <a:t>, CICD deployment.</a:t>
+            </a:r>
+          </a:p>
+          <a:p>
+            <a:pPr>
+              <a:buFont typeface="Arial" panose="020B0604020202020204" pitchFamily="34" charset="0"/>
+              <a:buChar char="•"/>
+            </a:pPr>
+            <a:endParaRPr lang="en-US" sz="1400" dirty="0"/>
+          </a:p>
+          <a:p>
+            <a:pPr>
+              <a:buFont typeface="Arial" panose="020B0604020202020204" pitchFamily="34" charset="0"/>
+              <a:buChar char="•"/>
+            </a:pPr>
+            <a:endParaRPr lang="en-US" sz="1400" dirty="0"/>
+          </a:p>
+          <a:p>
+            <a:pPr>
+              <a:buFont typeface="Arial" panose="020B0604020202020204" pitchFamily="34" charset="0"/>
+              <a:buChar char="•"/>
+            </a:pPr>
+            <a:endParaRPr lang="en-US" sz="1400" dirty="0"/>
+          </a:p>
+          <a:p>
+            <a:pPr>
+              <a:buFont typeface="Arial" panose="020B0604020202020204" pitchFamily="34" charset="0"/>
+              <a:buChar char="•"/>
+            </a:pPr>
+            <a:endParaRPr lang="en-US" sz="1400" dirty="0"/>
+          </a:p>
+          <a:p>
+            <a:pPr marL="107950" lvl="0" indent="0" algn="l" rtl="0">
+              <a:lnSpc>
+                <a:spcPct val="115000"/>
+              </a:lnSpc>
+              <a:spcBef>
+                <a:spcPts val="0"/>
+              </a:spcBef>
+              <a:spcAft>
+                <a:spcPts val="0"/>
+              </a:spcAft>
+              <a:buSzPts val="1900"/>
+              <a:buNone/>
+            </a:pPr>
+            <a:endParaRPr lang="en-US" sz="1000" dirty="0"/>
+          </a:p>
+        </p:txBody>
+      </p:sp>
+    </p:spTree>
   </p:cSld>
   <p:clrMapOvr>
     <a:masterClrMapping/>
@@ -14708,7 +13876,7 @@
                   <a:srgbClr val="0070C0"/>
                 </a:solidFill>
               </a:rPr>
-              <a:t>Conclusions</a:t>
+              <a:t>Conclusions - WIP</a:t>
             </a:r>
             <a:endParaRPr dirty="0">
               <a:solidFill>
@@ -14796,145 +13964,6 @@
             <a:endParaRPr lang="en-US" sz="1400" dirty="0"/>
           </a:p>
           <a:p>
-            <a:pPr marL="457200" lvl="0" indent="-349250" algn="l" rtl="0">
-              <a:lnSpc>
-                <a:spcPct val="115000"/>
-              </a:lnSpc>
-              <a:spcBef>
-                <a:spcPts val="0"/>
-              </a:spcBef>
-              <a:spcAft>
-                <a:spcPts val="0"/>
-              </a:spcAft>
-              <a:buSzPts val="1900"/>
-              <a:buChar char="●"/>
-            </a:pPr>
-            <a:r>
-              <a:rPr lang="en-US" sz="1000" dirty="0">
-                <a:highlight>
-                  <a:srgbClr val="FFFF00"/>
-                </a:highlight>
-              </a:rPr>
-              <a:t>We learned to do end-to-end ML the easy way, the hard way</a:t>
-            </a:r>
-          </a:p>
-          <a:p>
-            <a:pPr marL="457200" lvl="0" indent="-349250" algn="l" rtl="0">
-              <a:lnSpc>
-                <a:spcPct val="115000"/>
-              </a:lnSpc>
-              <a:spcBef>
-                <a:spcPts val="0"/>
-              </a:spcBef>
-              <a:spcAft>
-                <a:spcPts val="0"/>
-              </a:spcAft>
-              <a:buSzPts val="1900"/>
-              <a:buChar char="●"/>
-            </a:pPr>
-            <a:r>
-              <a:rPr lang="en-US" sz="1000" dirty="0">
-                <a:highlight>
-                  <a:srgbClr val="FFFF00"/>
-                </a:highlight>
-              </a:rPr>
-              <a:t>Let us tell you about it!</a:t>
-            </a:r>
-          </a:p>
-          <a:p>
-            <a:pPr marL="457200" lvl="0" indent="-349250" algn="l" rtl="0">
-              <a:lnSpc>
-                <a:spcPct val="115000"/>
-              </a:lnSpc>
-              <a:spcBef>
-                <a:spcPts val="0"/>
-              </a:spcBef>
-              <a:spcAft>
-                <a:spcPts val="0"/>
-              </a:spcAft>
-              <a:buSzPts val="1900"/>
-              <a:buChar char="●"/>
-            </a:pPr>
-            <a:r>
-              <a:rPr lang="en-US" sz="1000" dirty="0">
-                <a:highlight>
-                  <a:srgbClr val="FFFF00"/>
-                </a:highlight>
-              </a:rPr>
-              <a:t>Here’s a tip or two for anyone who tries to walk down a similar path!</a:t>
-            </a:r>
-          </a:p>
-          <a:p>
-            <a:pPr marL="457200" lvl="0" indent="-349250" algn="l" rtl="0">
-              <a:lnSpc>
-                <a:spcPct val="115000"/>
-              </a:lnSpc>
-              <a:spcBef>
-                <a:spcPts val="0"/>
-              </a:spcBef>
-              <a:spcAft>
-                <a:spcPts val="0"/>
-              </a:spcAft>
-              <a:buSzPts val="1900"/>
-              <a:buChar char="●"/>
-            </a:pPr>
-            <a:r>
-              <a:rPr lang="en-US" sz="1000" dirty="0">
-                <a:highlight>
-                  <a:srgbClr val="FFFF00"/>
-                </a:highlight>
-              </a:rPr>
-              <a:t>And the biggest lesson we’re taking with us into the future is … </a:t>
-            </a:r>
-          </a:p>
-          <a:p>
-            <a:pPr marL="457200" lvl="0" indent="-349250" algn="l" rtl="0">
-              <a:lnSpc>
-                <a:spcPct val="115000"/>
-              </a:lnSpc>
-              <a:spcBef>
-                <a:spcPts val="0"/>
-              </a:spcBef>
-              <a:spcAft>
-                <a:spcPts val="0"/>
-              </a:spcAft>
-              <a:buSzPts val="1900"/>
-              <a:buChar char="●"/>
-            </a:pPr>
-            <a:endParaRPr lang="en-US" sz="1000" dirty="0">
-              <a:highlight>
-                <a:srgbClr val="FFFF00"/>
-              </a:highlight>
-            </a:endParaRPr>
-          </a:p>
-          <a:p>
-            <a:pPr marL="457200" indent="-349250"/>
-            <a:r>
-              <a:rPr lang="en-US" sz="800" dirty="0">
-                <a:highlight>
-                  <a:srgbClr val="FFFF00"/>
-                </a:highlight>
-              </a:rPr>
-              <a:t>This is where you can tell funny stories about the stupid things you did!</a:t>
-            </a:r>
-          </a:p>
-          <a:p>
-            <a:pPr marL="457200" lvl="0" indent="-349250" algn="l" rtl="0">
-              <a:lnSpc>
-                <a:spcPct val="115000"/>
-              </a:lnSpc>
-              <a:spcBef>
-                <a:spcPts val="0"/>
-              </a:spcBef>
-              <a:spcAft>
-                <a:spcPts val="0"/>
-              </a:spcAft>
-              <a:buSzPts val="1900"/>
-              <a:buChar char="●"/>
-            </a:pPr>
-            <a:endParaRPr lang="en-US" sz="1000" dirty="0"/>
-          </a:p>
-          <a:p>
             <a:pPr>
               <a:buFont typeface="Arial" panose="020B0604020202020204" pitchFamily="34" charset="0"/>
               <a:buChar char="•"/>
@@ -14952,225 +13981,6 @@
 </file>
 
 <file path=ppt/slides/slide15.xml><?xml version="1.0" encoding="utf-8"?>
-<p:sld xmlns:a="http://schemas.openxmlformats.org/drawingml/2006/main" xmlns:r="http://schemas.openxmlformats.org/officeDocument/2006/relationships" xmlns:p="http://schemas.openxmlformats.org/presentationml/2006/main">
-  <p:cSld>
-    <p:spTree>
-      <p:nvGrpSpPr>
-        <p:cNvPr id="1" name="Shape 152"/>
-        <p:cNvGrpSpPr/>
-        <p:nvPr/>
-      </p:nvGrpSpPr>
-      <p:grpSpPr>
-        <a:xfrm>
-          <a:off x="0" y="0"/>
-          <a:ext cx="0" cy="0"/>
-          <a:chOff x="0" y="0"/>
-          <a:chExt cx="0" cy="0"/>
-        </a:xfrm>
-      </p:grpSpPr>
-      <p:sp>
-        <p:nvSpPr>
-          <p:cNvPr id="153" name="Google Shape;153;g133c1f20611_0_39"/>
-          <p:cNvSpPr txBox="1">
-            <a:spLocks noGrp="1"/>
-          </p:cNvSpPr>
-          <p:nvPr>
-            <p:ph type="title"/>
-          </p:nvPr>
-        </p:nvSpPr>
-        <p:spPr>
-          <a:xfrm>
-            <a:off x="311700" y="445025"/>
-            <a:ext cx="8520600" cy="572700"/>
-          </a:xfrm>
-          <a:prstGeom prst="rect">
-            <a:avLst/>
-          </a:prstGeom>
-          <a:noFill/>
-          <a:ln>
-            <a:noFill/>
-          </a:ln>
-        </p:spPr>
-        <p:txBody>
-          <a:bodyPr spcFirstLastPara="1" wrap="square" lIns="91425" tIns="91425" rIns="91425" bIns="91425" anchor="t" anchorCtr="0">
-            <a:noAutofit/>
-          </a:bodyPr>
-          <a:lstStyle/>
-          <a:p>
-            <a:r>
-              <a:rPr lang="en-US" dirty="0">
-                <a:solidFill>
-                  <a:srgbClr val="0070C0"/>
-                </a:solidFill>
-              </a:rPr>
-              <a:t>Future Work</a:t>
-            </a:r>
-            <a:br>
-              <a:rPr lang="en-US" dirty="0">
-                <a:solidFill>
-                  <a:srgbClr val="0070C0"/>
-                </a:solidFill>
-              </a:rPr>
-            </a:br>
-            <a:endParaRPr dirty="0">
-              <a:solidFill>
-                <a:srgbClr val="0070C0"/>
-              </a:solidFill>
-            </a:endParaRPr>
-          </a:p>
-        </p:txBody>
-      </p:sp>
-      <p:sp>
-        <p:nvSpPr>
-          <p:cNvPr id="154" name="Google Shape;154;g133c1f20611_0_39"/>
-          <p:cNvSpPr txBox="1">
-            <a:spLocks noGrp="1"/>
-          </p:cNvSpPr>
-          <p:nvPr>
-            <p:ph type="body" idx="1"/>
-          </p:nvPr>
-        </p:nvSpPr>
-        <p:spPr>
-          <a:xfrm>
-            <a:off x="311700" y="1152475"/>
-            <a:ext cx="8520600" cy="3416400"/>
-          </a:xfrm>
-          <a:prstGeom prst="rect">
-            <a:avLst/>
-          </a:prstGeom>
-          <a:noFill/>
-          <a:ln>
-            <a:noFill/>
-          </a:ln>
-        </p:spPr>
-        <p:txBody>
-          <a:bodyPr spcFirstLastPara="1" wrap="square" lIns="91425" tIns="91425" rIns="91425" bIns="91425" anchor="t" anchorCtr="0">
-            <a:noAutofit/>
-          </a:bodyPr>
-          <a:lstStyle/>
-          <a:p>
-            <a:pPr>
-              <a:buFont typeface="Arial" panose="020B0604020202020204" pitchFamily="34" charset="0"/>
-              <a:buChar char="•"/>
-            </a:pPr>
-            <a:r>
-              <a:rPr lang="en-US" sz="1400" dirty="0"/>
-              <a:t>Real time streaming using KAFKA, Autoloader &amp; Databricks delta lake for real-time threat detection,</a:t>
-            </a:r>
-          </a:p>
-          <a:p>
-            <a:pPr>
-              <a:buFont typeface="Arial" panose="020B0604020202020204" pitchFamily="34" charset="0"/>
-              <a:buChar char="•"/>
-            </a:pPr>
-            <a:endParaRPr lang="en-US" sz="1400" dirty="0"/>
-          </a:p>
-          <a:p>
-            <a:pPr>
-              <a:buFont typeface="Arial" panose="020B0604020202020204" pitchFamily="34" charset="0"/>
-              <a:buChar char="•"/>
-            </a:pPr>
-            <a:r>
-              <a:rPr lang="en-US" sz="1400" dirty="0"/>
-              <a:t>Dashboarding using </a:t>
-            </a:r>
-            <a:r>
-              <a:rPr lang="en-US" sz="1400" dirty="0" err="1"/>
-              <a:t>plotly</a:t>
-            </a:r>
-            <a:r>
-              <a:rPr lang="en-US" sz="1400" dirty="0"/>
-              <a:t>, </a:t>
-            </a:r>
-            <a:r>
-              <a:rPr lang="en-US" sz="1400" dirty="0" err="1"/>
-              <a:t>databricks</a:t>
-            </a:r>
-            <a:r>
-              <a:rPr lang="en-US" sz="1400" dirty="0"/>
-              <a:t> environment,</a:t>
-            </a:r>
-          </a:p>
-          <a:p>
-            <a:pPr>
-              <a:buFont typeface="Arial" panose="020B0604020202020204" pitchFamily="34" charset="0"/>
-              <a:buChar char="•"/>
-            </a:pPr>
-            <a:endParaRPr lang="en-US" sz="1400" dirty="0"/>
-          </a:p>
-          <a:p>
-            <a:pPr>
-              <a:buFont typeface="Arial" panose="020B0604020202020204" pitchFamily="34" charset="0"/>
-              <a:buChar char="•"/>
-            </a:pPr>
-            <a:r>
-              <a:rPr lang="en-US" sz="1400" dirty="0"/>
-              <a:t>Data drift analysis with a robust </a:t>
-            </a:r>
-            <a:r>
-              <a:rPr lang="en-US" sz="1400" dirty="0" err="1"/>
-              <a:t>devOps</a:t>
-            </a:r>
-            <a:r>
-              <a:rPr lang="en-US" sz="1400" dirty="0"/>
-              <a:t>, CICD deployment.</a:t>
-            </a:r>
-          </a:p>
-          <a:p>
-            <a:pPr>
-              <a:buFont typeface="Arial" panose="020B0604020202020204" pitchFamily="34" charset="0"/>
-              <a:buChar char="•"/>
-            </a:pPr>
-            <a:endParaRPr lang="en-US" sz="1400" dirty="0"/>
-          </a:p>
-          <a:p>
-            <a:pPr>
-              <a:buFont typeface="Arial" panose="020B0604020202020204" pitchFamily="34" charset="0"/>
-              <a:buChar char="•"/>
-            </a:pPr>
-            <a:endParaRPr lang="en-US" sz="1400" dirty="0"/>
-          </a:p>
-          <a:p>
-            <a:pPr>
-              <a:buFont typeface="Arial" panose="020B0604020202020204" pitchFamily="34" charset="0"/>
-              <a:buChar char="•"/>
-            </a:pPr>
-            <a:endParaRPr lang="en-US" sz="1400" dirty="0"/>
-          </a:p>
-          <a:p>
-            <a:pPr>
-              <a:buFont typeface="Arial" panose="020B0604020202020204" pitchFamily="34" charset="0"/>
-              <a:buChar char="•"/>
-            </a:pPr>
-            <a:endParaRPr lang="en-US" sz="1400" dirty="0"/>
-          </a:p>
-          <a:p>
-            <a:pPr marL="107950" lvl="0" indent="0" algn="l" rtl="0">
-              <a:lnSpc>
-                <a:spcPct val="115000"/>
-              </a:lnSpc>
-              <a:spcBef>
-                <a:spcPts val="0"/>
-              </a:spcBef>
-              <a:spcAft>
-                <a:spcPts val="0"/>
-              </a:spcAft>
-              <a:buSzPts val="1900"/>
-              <a:buNone/>
-            </a:pPr>
-            <a:endParaRPr lang="en-US" sz="1000" dirty="0"/>
-          </a:p>
-        </p:txBody>
-      </p:sp>
-    </p:spTree>
-  </p:cSld>
-  <p:clrMapOvr>
-    <a:masterClrMapping/>
-  </p:clrMapOvr>
-</p:sld>
-</file>
-
-<file path=ppt/slides/slide16.xml><?xml version="1.0" encoding="utf-8"?>
 <p:sld xmlns:a="http://schemas.openxmlformats.org/drawingml/2006/main" xmlns:r="http://schemas.openxmlformats.org/officeDocument/2006/relationships" xmlns:p="http://schemas.openxmlformats.org/presentationml/2006/main">
   <p:cSld>
     <p:spTree>
@@ -15242,16 +14052,13 @@
             <a:br>
               <a:rPr lang="en-US" sz="2800" dirty="0"/>
             </a:br>
+            <a:r>
+              <a:rPr lang="en-US" dirty="0"/>
+              <a:t>[link to demo]</a:t>
+            </a:r>
             <a:br>
-              <a:rPr lang="en-US" sz="2800" dirty="0"/>
+              <a:rPr lang="en-US" dirty="0"/>
             </a:br>
-            <a:br>
-              <a:rPr lang="en-US" sz="2800" dirty="0"/>
-            </a:br>
-            <a:r>
-              <a:rPr lang="en-US" dirty="0"/>
-              <a:t>[link to demo?]</a:t>
-            </a:r>
             <a:br>
               <a:rPr lang="en-US" dirty="0"/>
             </a:br>
@@ -15278,7 +14085,7 @@
 </p:sld>
 </file>
 
-<file path=ppt/slides/slide17.xml><?xml version="1.0" encoding="utf-8"?>
+<file path=ppt/slides/slide16.xml><?xml version="1.0" encoding="utf-8"?>
 <p:sld xmlns:a="http://schemas.openxmlformats.org/drawingml/2006/main" xmlns:r="http://schemas.openxmlformats.org/officeDocument/2006/relationships" xmlns:p="http://schemas.openxmlformats.org/presentationml/2006/main">
   <p:cSld>
     <p:spTree>
@@ -15654,6 +14461,363 @@
     <p:extLst>
       <p:ext uri="{BB962C8B-B14F-4D97-AF65-F5344CB8AC3E}">
         <p14:creationId xmlns:p14="http://schemas.microsoft.com/office/powerpoint/2010/main" val="145926547"/>
+      </p:ext>
+    </p:extLst>
+  </p:cSld>
+  <p:clrMapOvr>
+    <a:masterClrMapping/>
+  </p:clrMapOvr>
+</p:sld>
+</file>
+
+<file path=ppt/slides/slide17.xml><?xml version="1.0" encoding="utf-8"?>
+<p:sld xmlns:a="http://schemas.openxmlformats.org/drawingml/2006/main" xmlns:r="http://schemas.openxmlformats.org/officeDocument/2006/relationships" xmlns:p="http://schemas.openxmlformats.org/presentationml/2006/main">
+  <p:cSld>
+    <p:spTree>
+      <p:nvGrpSpPr>
+        <p:cNvPr id="1" name="Shape 126"/>
+        <p:cNvGrpSpPr/>
+        <p:nvPr/>
+      </p:nvGrpSpPr>
+      <p:grpSpPr>
+        <a:xfrm>
+          <a:off x="0" y="0"/>
+          <a:ext cx="0" cy="0"/>
+          <a:chOff x="0" y="0"/>
+          <a:chExt cx="0" cy="0"/>
+        </a:xfrm>
+      </p:grpSpPr>
+      <p:sp>
+        <p:nvSpPr>
+          <p:cNvPr id="127" name="Google Shape;127;g133c1f20611_0_15"/>
+          <p:cNvSpPr txBox="1">
+            <a:spLocks noGrp="1"/>
+          </p:cNvSpPr>
+          <p:nvPr>
+            <p:ph type="title"/>
+          </p:nvPr>
+        </p:nvSpPr>
+        <p:spPr>
+          <a:xfrm>
+            <a:off x="311700" y="445025"/>
+            <a:ext cx="8520600" cy="572700"/>
+          </a:xfrm>
+          <a:prstGeom prst="rect">
+            <a:avLst/>
+          </a:prstGeom>
+          <a:noFill/>
+          <a:ln>
+            <a:noFill/>
+          </a:ln>
+        </p:spPr>
+        <p:txBody>
+          <a:bodyPr spcFirstLastPara="1" wrap="square" lIns="91425" tIns="91425" rIns="91425" bIns="91425" anchor="t" anchorCtr="0">
+            <a:noAutofit/>
+          </a:bodyPr>
+          <a:lstStyle/>
+          <a:p>
+            <a:r>
+              <a:rPr lang="en-US" dirty="0">
+                <a:solidFill>
+                  <a:srgbClr val="0070C0"/>
+                </a:solidFill>
+              </a:rPr>
+              <a:t>Information about the data (network topology)</a:t>
+            </a:r>
+            <a:endParaRPr dirty="0">
+              <a:solidFill>
+                <a:srgbClr val="0070C0"/>
+              </a:solidFill>
+            </a:endParaRPr>
+          </a:p>
+        </p:txBody>
+      </p:sp>
+      <p:pic>
+        <p:nvPicPr>
+          <p:cNvPr id="5122" name="Picture 2">
+            <a:extLst>
+              <a:ext uri="{FF2B5EF4-FFF2-40B4-BE49-F238E27FC236}">
+                <a16:creationId xmlns:a16="http://schemas.microsoft.com/office/drawing/2014/main" id="{BA7BE798-6563-6081-71A1-4641951346E6}"/>
+              </a:ext>
+            </a:extLst>
+          </p:cNvPr>
+          <p:cNvPicPr>
+            <a:picLocks noChangeAspect="1" noChangeArrowheads="1"/>
+          </p:cNvPicPr>
+          <p:nvPr/>
+        </p:nvPicPr>
+        <p:blipFill>
+          <a:blip r:embed="rId3">
+            <a:extLst>
+              <a:ext uri="{28A0092B-C50C-407E-A947-70E740481C1C}">
+                <a14:useLocalDpi xmlns:a14="http://schemas.microsoft.com/office/drawing/2010/main" val="0"/>
+              </a:ext>
+            </a:extLst>
+          </a:blip>
+          <a:srcRect/>
+          <a:stretch>
+            <a:fillRect/>
+          </a:stretch>
+        </p:blipFill>
+        <p:spPr bwMode="auto">
+          <a:xfrm>
+            <a:off x="4163037" y="1490391"/>
+            <a:ext cx="3908560" cy="1997030"/>
+          </a:xfrm>
+          <a:prstGeom prst="rect">
+            <a:avLst/>
+          </a:prstGeom>
+          <a:noFill/>
+          <a:extLst>
+            <a:ext uri="{909E8E84-426E-40DD-AFC4-6F175D3DCCD1}">
+              <a14:hiddenFill xmlns:a14="http://schemas.microsoft.com/office/drawing/2010/main">
+                <a:solidFill>
+                  <a:srgbClr val="FFFFFF"/>
+                </a:solidFill>
+              </a14:hiddenFill>
+            </a:ext>
+          </a:extLst>
+        </p:spPr>
+      </p:pic>
+      <p:sp>
+        <p:nvSpPr>
+          <p:cNvPr id="3" name="TextBox 2">
+            <a:extLst>
+              <a:ext uri="{FF2B5EF4-FFF2-40B4-BE49-F238E27FC236}">
+                <a16:creationId xmlns:a16="http://schemas.microsoft.com/office/drawing/2014/main" id="{66BA789B-66E6-70D4-0BC2-D404B442E573}"/>
+              </a:ext>
+            </a:extLst>
+          </p:cNvPr>
+          <p:cNvSpPr txBox="1"/>
+          <p:nvPr/>
+        </p:nvSpPr>
+        <p:spPr>
+          <a:xfrm>
+            <a:off x="5163671" y="4125775"/>
+            <a:ext cx="3668629" cy="261610"/>
+          </a:xfrm>
+          <a:prstGeom prst="rect">
+            <a:avLst/>
+          </a:prstGeom>
+          <a:noFill/>
+        </p:spPr>
+        <p:txBody>
+          <a:bodyPr wrap="square">
+            <a:spAutoFit/>
+          </a:bodyPr>
+          <a:lstStyle/>
+          <a:p>
+            <a:pPr marL="107948" indent="0" algn="r">
+              <a:buNone/>
+            </a:pPr>
+            <a:r>
+              <a:rPr lang="en-US" sz="1100" dirty="0">
+                <a:hlinkClick r:id="rId4"/>
+              </a:rPr>
+              <a:t>Source: </a:t>
+            </a:r>
+            <a:r>
+              <a:rPr lang="en-US" sz="1100" dirty="0" err="1">
+                <a:hlinkClick r:id="rId4"/>
+              </a:rPr>
+              <a:t>Tapadhir</a:t>
+            </a:r>
+            <a:r>
+              <a:rPr lang="en-US" sz="1100" dirty="0">
+                <a:hlinkClick r:id="rId4"/>
+              </a:rPr>
+              <a:t> Das - UNR-IDD Dataset</a:t>
+            </a:r>
+            <a:endParaRPr lang="en-US" sz="1100" dirty="0">
+              <a:solidFill>
+                <a:schemeClr val="bg2"/>
+              </a:solidFill>
+              <a:latin typeface="Proxima Nova" panose="020B0604020202020204" charset="0"/>
+            </a:endParaRPr>
+          </a:p>
+        </p:txBody>
+      </p:sp>
+      <p:sp>
+        <p:nvSpPr>
+          <p:cNvPr id="2" name="Google Shape;134;g133c1f20611_0_20">
+            <a:extLst>
+              <a:ext uri="{FF2B5EF4-FFF2-40B4-BE49-F238E27FC236}">
+                <a16:creationId xmlns:a16="http://schemas.microsoft.com/office/drawing/2014/main" id="{23BAC40A-278E-FF4E-B96E-660C27129B70}"/>
+              </a:ext>
+            </a:extLst>
+          </p:cNvPr>
+          <p:cNvSpPr txBox="1">
+            <a:spLocks noGrp="1"/>
+          </p:cNvSpPr>
+          <p:nvPr>
+            <p:ph type="body" idx="1"/>
+          </p:nvPr>
+        </p:nvSpPr>
+        <p:spPr>
+          <a:xfrm>
+            <a:off x="231018" y="1172645"/>
+            <a:ext cx="3749312" cy="3416400"/>
+          </a:xfrm>
+          <a:prstGeom prst="rect">
+            <a:avLst/>
+          </a:prstGeom>
+          <a:noFill/>
+          <a:ln>
+            <a:noFill/>
+          </a:ln>
+        </p:spPr>
+        <p:txBody>
+          <a:bodyPr spcFirstLastPara="1" wrap="square" lIns="91425" tIns="91425" rIns="91425" bIns="91425" anchor="t" anchorCtr="0">
+            <a:noAutofit/>
+          </a:bodyPr>
+          <a:lstStyle/>
+          <a:p>
+            <a:pPr>
+              <a:lnSpc>
+                <a:spcPct val="100000"/>
+              </a:lnSpc>
+              <a:buFont typeface="Arial" panose="020B0604020202020204" pitchFamily="34" charset="0"/>
+              <a:buChar char="•"/>
+            </a:pPr>
+            <a:r>
+              <a:rPr lang="en-US" sz="1400" dirty="0">
+                <a:solidFill>
+                  <a:schemeClr val="bg2"/>
+                </a:solidFill>
+                <a:latin typeface="Proxima Nova" panose="020B0604020202020204" charset="0"/>
+              </a:rPr>
+              <a:t>Flow Simulation: </a:t>
+            </a:r>
+            <a:r>
+              <a:rPr lang="en-US" sz="1400" dirty="0" err="1">
+                <a:solidFill>
+                  <a:schemeClr val="bg2"/>
+                </a:solidFill>
+                <a:latin typeface="Proxima Nova" panose="020B0604020202020204" charset="0"/>
+              </a:rPr>
+              <a:t>IPerf</a:t>
+            </a:r>
+            <a:r>
+              <a:rPr lang="en-US" sz="1400" dirty="0">
+                <a:solidFill>
+                  <a:schemeClr val="bg2"/>
+                </a:solidFill>
+                <a:latin typeface="Proxima Nova" panose="020B0604020202020204" charset="0"/>
+              </a:rPr>
+              <a:t> is used to create TCP and UDP data streams simulating network flows in virtual and real networks using dummy payloads.</a:t>
+            </a:r>
+          </a:p>
+          <a:p>
+            <a:pPr>
+              <a:lnSpc>
+                <a:spcPct val="100000"/>
+              </a:lnSpc>
+              <a:buFont typeface="Arial" panose="020B0604020202020204" pitchFamily="34" charset="0"/>
+              <a:buChar char="•"/>
+            </a:pPr>
+            <a:endParaRPr lang="en-US" sz="1400" dirty="0">
+              <a:solidFill>
+                <a:schemeClr val="bg2"/>
+              </a:solidFill>
+              <a:latin typeface="Proxima Nova" panose="020B0604020202020204" charset="0"/>
+            </a:endParaRPr>
+          </a:p>
+          <a:p>
+            <a:pPr>
+              <a:lnSpc>
+                <a:spcPct val="100000"/>
+              </a:lnSpc>
+              <a:buFont typeface="Arial" panose="020B0604020202020204" pitchFamily="34" charset="0"/>
+              <a:buChar char="•"/>
+            </a:pPr>
+            <a:r>
+              <a:rPr lang="en-US" sz="1400" dirty="0">
+                <a:solidFill>
+                  <a:schemeClr val="bg2"/>
+                </a:solidFill>
+                <a:latin typeface="Proxima Nova" panose="020B0604020202020204" charset="0"/>
+              </a:rPr>
+              <a:t>Data Collection: we create a custom application to collect and log the available statistics that are captured periodically (once in every 5 seconds) from OpenFlow (OF) switches. The statistics are collected through by means of </a:t>
+            </a:r>
+            <a:r>
+              <a:rPr lang="en-US" sz="1400" i="1" dirty="0" err="1">
+                <a:solidFill>
+                  <a:schemeClr val="bg2"/>
+                </a:solidFill>
+                <a:latin typeface="Proxima Nova" panose="020B0604020202020204" charset="0"/>
+              </a:rPr>
+              <a:t>OFPPortStatsRequest</a:t>
+            </a:r>
+            <a:r>
+              <a:rPr lang="en-US" sz="1400" dirty="0">
+                <a:solidFill>
+                  <a:schemeClr val="bg2"/>
+                </a:solidFill>
+                <a:latin typeface="Proxima Nova" panose="020B0604020202020204" charset="0"/>
+              </a:rPr>
+              <a:t> and </a:t>
+            </a:r>
+            <a:r>
+              <a:rPr lang="en-US" sz="1400" i="1" dirty="0" err="1">
+                <a:solidFill>
+                  <a:schemeClr val="bg2"/>
+                </a:solidFill>
+                <a:latin typeface="Proxima Nova" panose="020B0604020202020204" charset="0"/>
+              </a:rPr>
+              <a:t>OFPPortStatsReply</a:t>
+            </a:r>
+            <a:r>
+              <a:rPr lang="en-US" sz="1400" dirty="0">
+                <a:solidFill>
+                  <a:schemeClr val="bg2"/>
+                </a:solidFill>
+                <a:latin typeface="Proxima Nova" panose="020B0604020202020204" charset="0"/>
+              </a:rPr>
+              <a:t> messages between controller and switches. </a:t>
+            </a:r>
+          </a:p>
+          <a:p>
+            <a:pPr>
+              <a:buFont typeface="Wingdings" panose="05000000000000000000" pitchFamily="2" charset="2"/>
+              <a:buChar char="§"/>
+            </a:pPr>
+            <a:endParaRPr lang="en-US" sz="1400" dirty="0">
+              <a:solidFill>
+                <a:schemeClr val="bg2"/>
+              </a:solidFill>
+              <a:latin typeface="Proxima Nova" panose="020B0604020202020204" charset="0"/>
+            </a:endParaRPr>
+          </a:p>
+          <a:p>
+            <a:pPr>
+              <a:buFont typeface="Wingdings" panose="05000000000000000000" pitchFamily="2" charset="2"/>
+              <a:buChar char="§"/>
+            </a:pPr>
+            <a:endParaRPr lang="en-US" sz="1400" dirty="0">
+              <a:solidFill>
+                <a:schemeClr val="bg2"/>
+              </a:solidFill>
+              <a:latin typeface="Proxima Nova" panose="020B0604020202020204" charset="0"/>
+            </a:endParaRPr>
+          </a:p>
+          <a:p>
+            <a:pPr marL="0" indent="0">
+              <a:buNone/>
+            </a:pPr>
+            <a:endParaRPr dirty="0"/>
+          </a:p>
+          <a:p>
+            <a:pPr marL="0" indent="0">
+              <a:buNone/>
+            </a:pPr>
+            <a:endParaRPr dirty="0"/>
+          </a:p>
+        </p:txBody>
+      </p:sp>
+    </p:spTree>
+    <p:extLst>
+      <p:ext uri="{BB962C8B-B14F-4D97-AF65-F5344CB8AC3E}">
+        <p14:creationId xmlns:p14="http://schemas.microsoft.com/office/powerpoint/2010/main" val="2554354471"/>
       </p:ext>
     </p:extLst>
   </p:cSld>
@@ -15715,7 +14879,7 @@
                   <a:srgbClr val="0070C0"/>
                 </a:solidFill>
               </a:rPr>
-              <a:t>Information about the data (network topology)</a:t>
+              <a:t>Information about the Data</a:t>
             </a:r>
             <a:endParaRPr dirty="0">
               <a:solidFill>
@@ -15725,120 +14889,9 @@
           </a:p>
         </p:txBody>
       </p:sp>
-      <p:pic>
-        <p:nvPicPr>
-          <p:cNvPr id="5122" name="Picture 2">
-            <a:extLst>
-              <a:ext uri="{FF2B5EF4-FFF2-40B4-BE49-F238E27FC236}">
-                <a16:creationId xmlns:a16="http://schemas.microsoft.com/office/drawing/2014/main" id="{BA7BE798-6563-6081-71A1-4641951346E6}"/>
-              </a:ext>
-            </a:extLst>
-          </p:cNvPr>
-          <p:cNvPicPr>
-            <a:picLocks noChangeAspect="1" noChangeArrowheads="1"/>
-          </p:cNvPicPr>
-          <p:nvPr/>
-        </p:nvPicPr>
-        <p:blipFill>
-          <a:blip r:embed="rId3">
-            <a:extLst>
-              <a:ext uri="{28A0092B-C50C-407E-A947-70E740481C1C}">
-                <a14:useLocalDpi xmlns:a14="http://schemas.microsoft.com/office/drawing/2010/main" val="0"/>
-              </a:ext>
-            </a:extLst>
-          </a:blip>
-          <a:srcRect/>
-          <a:stretch>
-            <a:fillRect/>
-          </a:stretch>
-        </p:blipFill>
-        <p:spPr bwMode="auto">
-          <a:xfrm>
-            <a:off x="4163037" y="1490391"/>
-            <a:ext cx="3908560" cy="1997030"/>
-          </a:xfrm>
-          <a:prstGeom prst="rect">
-            <a:avLst/>
-          </a:prstGeom>
-          <a:noFill/>
-          <a:extLst>
-            <a:ext uri="{909E8E84-426E-40DD-AFC4-6F175D3DCCD1}">
-              <a14:hiddenFill xmlns:a14="http://schemas.microsoft.com/office/drawing/2010/main">
-                <a:solidFill>
-                  <a:srgbClr val="FFFFFF"/>
-                </a:solidFill>
-              </a14:hiddenFill>
-            </a:ext>
-          </a:extLst>
-        </p:spPr>
-      </p:pic>
       <p:sp>
         <p:nvSpPr>
-          <p:cNvPr id="3" name="TextBox 2">
-            <a:extLst>
-              <a:ext uri="{FF2B5EF4-FFF2-40B4-BE49-F238E27FC236}">
-                <a16:creationId xmlns:a16="http://schemas.microsoft.com/office/drawing/2014/main" id="{66BA789B-66E6-70D4-0BC2-D404B442E573}"/>
-              </a:ext>
-            </a:extLst>
-          </p:cNvPr>
-          <p:cNvSpPr txBox="1"/>
-          <p:nvPr/>
-        </p:nvSpPr>
-        <p:spPr>
-          <a:xfrm>
-            <a:off x="5163671" y="4125775"/>
-            <a:ext cx="3668629" cy="261610"/>
-          </a:xfrm>
-          <a:prstGeom prst="rect">
-            <a:avLst/>
-          </a:prstGeom>
-          <a:noFill/>
-        </p:spPr>
-        <p:txBody>
-          <a:bodyPr wrap="square">
-            <a:spAutoFit/>
-          </a:bodyPr>
-          <a:lstStyle/>
-          <a:p>
-            <a:pPr marL="107948" indent="0" algn="r">
-              <a:buNone/>
-            </a:pPr>
-            <a:r>
-              <a:rPr lang="en-US" sz="1100" dirty="0">
-                <a:hlinkClick r:id="rId4"/>
-              </a:rPr>
-              <a:t>Source: </a:t>
-            </a:r>
-            <a:r>
-              <a:rPr lang="en-US" sz="1100" dirty="0" err="1">
-                <a:hlinkClick r:id="rId4"/>
-              </a:rPr>
-              <a:t>Tapadhir</a:t>
-            </a:r>
-            <a:r>
-              <a:rPr lang="en-US" sz="1100" dirty="0">
-                <a:hlinkClick r:id="rId4"/>
-              </a:rPr>
-              <a:t> Das - UNR-IDD Dataset</a:t>
-            </a:r>
-            <a:endParaRPr lang="en-US" sz="1100" dirty="0">
-              <a:solidFill>
-                <a:schemeClr val="bg2"/>
-              </a:solidFill>
-              <a:latin typeface="Proxima Nova" panose="020B0604020202020204" charset="0"/>
-            </a:endParaRPr>
-          </a:p>
-        </p:txBody>
-      </p:sp>
-      <p:sp>
-        <p:nvSpPr>
-          <p:cNvPr id="2" name="Google Shape;134;g133c1f20611_0_20">
-            <a:extLst>
-              <a:ext uri="{FF2B5EF4-FFF2-40B4-BE49-F238E27FC236}">
-                <a16:creationId xmlns:a16="http://schemas.microsoft.com/office/drawing/2014/main" id="{23BAC40A-278E-FF4E-B96E-660C27129B70}"/>
-              </a:ext>
-            </a:extLst>
-          </p:cNvPr>
+          <p:cNvPr id="128" name="Google Shape;128;g133c1f20611_0_15"/>
           <p:cNvSpPr txBox="1">
             <a:spLocks noGrp="1"/>
           </p:cNvSpPr>
@@ -15848,8 +14901,8 @@
         </p:nvSpPr>
         <p:spPr>
           <a:xfrm>
-            <a:off x="231018" y="1172645"/>
-            <a:ext cx="3749312" cy="3416400"/>
+            <a:off x="311700" y="1152475"/>
+            <a:ext cx="8520600" cy="3416400"/>
           </a:xfrm>
           <a:prstGeom prst="rect">
             <a:avLst/>
@@ -15865,152 +14918,231 @@
           </a:bodyPr>
           <a:lstStyle/>
           <a:p>
-            <a:pPr>
-              <a:lnSpc>
-                <a:spcPct val="100000"/>
-              </a:lnSpc>
+            <a:pPr algn="l">
               <a:buFont typeface="Arial" panose="020B0604020202020204" pitchFamily="34" charset="0"/>
               <a:buChar char="•"/>
             </a:pPr>
             <a:r>
-              <a:rPr lang="en-US" sz="1400" dirty="0">
-                <a:solidFill>
-                  <a:schemeClr val="bg2"/>
-                </a:solidFill>
-                <a:latin typeface="Proxima Nova" panose="020B0604020202020204" charset="0"/>
-              </a:rPr>
-              <a:t>Flow Simulation: </a:t>
-            </a:r>
-            <a:r>
-              <a:rPr lang="en-US" sz="1400" dirty="0" err="1">
-                <a:solidFill>
-                  <a:schemeClr val="bg2"/>
-                </a:solidFill>
-                <a:latin typeface="Proxima Nova" panose="020B0604020202020204" charset="0"/>
-              </a:rPr>
-              <a:t>IPerf</a:t>
-            </a:r>
-            <a:r>
-              <a:rPr lang="en-US" sz="1400" dirty="0">
-                <a:solidFill>
-                  <a:schemeClr val="bg2"/>
-                </a:solidFill>
-                <a:latin typeface="Proxima Nova" panose="020B0604020202020204" charset="0"/>
-              </a:rPr>
-              <a:t> is used to create TCP and UDP data streams simulating network flows in virtual and real networks using dummy payloads.</a:t>
-            </a:r>
-          </a:p>
-          <a:p>
-            <a:pPr>
-              <a:lnSpc>
-                <a:spcPct val="100000"/>
-              </a:lnSpc>
+              <a:rPr lang="en-US" sz="1100" b="0" i="0" u="none" strike="noStrike" dirty="0">
+                <a:solidFill>
+                  <a:schemeClr val="tx1">
+                    <a:lumMod val="50000"/>
+                  </a:schemeClr>
+                </a:solidFill>
+                <a:effectLst/>
+                <a:latin typeface="-apple-system"/>
+              </a:rPr>
+              <a:t>For this Capstone project we are using data </a:t>
+            </a:r>
+            <a:r>
+              <a:rPr lang="en-US" sz="1100" b="0" i="0" u="none" strike="noStrike" dirty="0" err="1">
+                <a:solidFill>
+                  <a:schemeClr val="tx1">
+                    <a:lumMod val="50000"/>
+                  </a:schemeClr>
+                </a:solidFill>
+                <a:effectLst/>
+                <a:latin typeface="-apple-system"/>
+              </a:rPr>
+              <a:t>fron</a:t>
+            </a:r>
+            <a:r>
+              <a:rPr lang="en-US" sz="1100" b="0" i="0" u="none" strike="noStrike" dirty="0">
+                <a:solidFill>
+                  <a:schemeClr val="tx1">
+                    <a:lumMod val="50000"/>
+                  </a:schemeClr>
+                </a:solidFill>
+                <a:effectLst/>
+                <a:latin typeface="-apple-system"/>
+              </a:rPr>
+              <a:t> the University of Nevada.</a:t>
+            </a:r>
+          </a:p>
+          <a:p>
+            <a:pPr algn="l">
               <a:buFont typeface="Arial" panose="020B0604020202020204" pitchFamily="34" charset="0"/>
               <a:buChar char="•"/>
             </a:pPr>
-            <a:endParaRPr lang="en-US" sz="1400" dirty="0">
-              <a:solidFill>
-                <a:schemeClr val="bg2"/>
-              </a:solidFill>
-              <a:latin typeface="Proxima Nova" panose="020B0604020202020204" charset="0"/>
-            </a:endParaRPr>
-          </a:p>
-          <a:p>
-            <a:pPr>
-              <a:lnSpc>
-                <a:spcPct val="100000"/>
-              </a:lnSpc>
+            <a:r>
+              <a:rPr lang="en-US" sz="1100" b="0" i="0" u="none" strike="noStrike" dirty="0">
+                <a:solidFill>
+                  <a:schemeClr val="tx1">
+                    <a:lumMod val="50000"/>
+                  </a:schemeClr>
+                </a:solidFill>
+                <a:effectLst/>
+                <a:latin typeface="-apple-system"/>
+              </a:rPr>
+              <a:t>Specifically, their Reno Intrusion Detection Dataset (UNR-IDD).</a:t>
+            </a:r>
+          </a:p>
+          <a:p>
+            <a:pPr algn="l">
               <a:buFont typeface="Arial" panose="020B0604020202020204" pitchFamily="34" charset="0"/>
               <a:buChar char="•"/>
             </a:pPr>
             <a:r>
-              <a:rPr lang="en-US" sz="1400" dirty="0">
-                <a:solidFill>
-                  <a:schemeClr val="bg2"/>
-                </a:solidFill>
-                <a:latin typeface="Proxima Nova" panose="020B0604020202020204" charset="0"/>
-              </a:rPr>
-              <a:t>Data Collection: we create a custom application to collect and log the available statistics that are captured periodically (once in every 5 seconds) from OpenFlow (OF) switches. The statistics are collected through by means of </a:t>
-            </a:r>
-            <a:r>
-              <a:rPr lang="en-US" sz="1400" i="1" dirty="0" err="1">
-                <a:solidFill>
-                  <a:schemeClr val="bg2"/>
-                </a:solidFill>
-                <a:latin typeface="Proxima Nova" panose="020B0604020202020204" charset="0"/>
-              </a:rPr>
-              <a:t>OFPPortStatsRequest</a:t>
-            </a:r>
-            <a:r>
-              <a:rPr lang="en-US" sz="1400" dirty="0">
-                <a:solidFill>
-                  <a:schemeClr val="bg2"/>
-                </a:solidFill>
-                <a:latin typeface="Proxima Nova" panose="020B0604020202020204" charset="0"/>
-              </a:rPr>
-              <a:t> and </a:t>
-            </a:r>
-            <a:r>
-              <a:rPr lang="en-US" sz="1400" i="1" dirty="0" err="1">
-                <a:solidFill>
-                  <a:schemeClr val="bg2"/>
-                </a:solidFill>
-                <a:latin typeface="Proxima Nova" panose="020B0604020202020204" charset="0"/>
-              </a:rPr>
-              <a:t>OFPPortStatsReply</a:t>
-            </a:r>
-            <a:r>
-              <a:rPr lang="en-US" sz="1400" dirty="0">
-                <a:solidFill>
-                  <a:schemeClr val="bg2"/>
-                </a:solidFill>
-                <a:latin typeface="Proxima Nova" panose="020B0604020202020204" charset="0"/>
-              </a:rPr>
-              <a:t> messages between controller and switches. </a:t>
-            </a:r>
-          </a:p>
-          <a:p>
-            <a:pPr>
-              <a:buFont typeface="Wingdings" panose="05000000000000000000" pitchFamily="2" charset="2"/>
-              <a:buChar char="§"/>
-            </a:pPr>
-            <a:endParaRPr lang="en-US" sz="1400" dirty="0">
-              <a:solidFill>
-                <a:schemeClr val="bg2"/>
-              </a:solidFill>
-              <a:latin typeface="Proxima Nova" panose="020B0604020202020204" charset="0"/>
-            </a:endParaRPr>
-          </a:p>
-          <a:p>
-            <a:pPr>
-              <a:buFont typeface="Wingdings" panose="05000000000000000000" pitchFamily="2" charset="2"/>
-              <a:buChar char="§"/>
-            </a:pPr>
-            <a:endParaRPr lang="en-US" sz="1400" dirty="0">
-              <a:solidFill>
-                <a:schemeClr val="bg2"/>
-              </a:solidFill>
-              <a:latin typeface="Proxima Nova" panose="020B0604020202020204" charset="0"/>
-            </a:endParaRPr>
-          </a:p>
-          <a:p>
-            <a:pPr marL="0" indent="0">
+              <a:rPr lang="en-US" sz="1100" b="0" i="0" u="none" strike="noStrike" dirty="0">
+                <a:solidFill>
+                  <a:schemeClr val="tx1">
+                    <a:lumMod val="50000"/>
+                  </a:schemeClr>
+                </a:solidFill>
+                <a:effectLst/>
+                <a:latin typeface="-apple-system"/>
+              </a:rPr>
+              <a:t>The main difference between UNR-IDD and other existing datasets is that UNR-IDD consists primarily of network port statistics.</a:t>
+            </a:r>
+          </a:p>
+          <a:p>
+            <a:pPr algn="l">
+              <a:buFont typeface="Arial" panose="020B0604020202020204" pitchFamily="34" charset="0"/>
+              <a:buChar char="•"/>
+            </a:pPr>
+            <a:r>
+              <a:rPr lang="en-US" sz="1100" b="0" i="0" u="none" strike="noStrike" dirty="0">
+                <a:solidFill>
+                  <a:schemeClr val="tx1">
+                    <a:lumMod val="50000"/>
+                  </a:schemeClr>
+                </a:solidFill>
+                <a:effectLst/>
+                <a:latin typeface="-apple-system"/>
+              </a:rPr>
+              <a:t>These refer to the observed port metrics recorded in switch/router ports within a networking environment.</a:t>
+            </a:r>
+          </a:p>
+          <a:p>
+            <a:pPr algn="l">
+              <a:buFont typeface="Arial" panose="020B0604020202020204" pitchFamily="34" charset="0"/>
+              <a:buChar char="•"/>
+            </a:pPr>
+            <a:r>
+              <a:rPr lang="en-US" sz="1100" b="0" i="0" u="none" strike="noStrike" dirty="0">
+                <a:solidFill>
+                  <a:schemeClr val="tx1">
+                    <a:lumMod val="50000"/>
+                  </a:schemeClr>
+                </a:solidFill>
+                <a:effectLst/>
+                <a:latin typeface="-apple-system"/>
+              </a:rPr>
+              <a:t>The dataset also includes delta port statistics which indicates the change in magnitude of observed port statistics within a time interval.</a:t>
+            </a:r>
+          </a:p>
+          <a:p>
+            <a:pPr algn="l">
+              <a:buFont typeface="Arial" panose="020B0604020202020204" pitchFamily="34" charset="0"/>
+              <a:buChar char="•"/>
+            </a:pPr>
+            <a:r>
+              <a:rPr lang="en-US" sz="1100" b="0" i="0" u="none" strike="noStrike" dirty="0">
+                <a:solidFill>
+                  <a:schemeClr val="tx1">
+                    <a:lumMod val="50000"/>
+                  </a:schemeClr>
+                </a:solidFill>
+                <a:effectLst/>
+                <a:latin typeface="-apple-system"/>
+              </a:rPr>
+              <a:t>Compared to datasets that primarily use flow level statistics, these port statistics can provide a fine-grained analysis of network flows from the port level as decisions are made at the port level versus the flow level.</a:t>
+            </a:r>
+          </a:p>
+          <a:p>
+            <a:pPr algn="l">
+              <a:buFont typeface="Arial" panose="020B0604020202020204" pitchFamily="34" charset="0"/>
+              <a:buChar char="•"/>
+            </a:pPr>
+            <a:r>
+              <a:rPr lang="en-US" sz="1100" b="0" i="0" u="none" strike="noStrike" dirty="0">
+                <a:solidFill>
+                  <a:schemeClr val="tx1">
+                    <a:lumMod val="50000"/>
+                  </a:schemeClr>
+                </a:solidFill>
+                <a:effectLst/>
+                <a:latin typeface="-apple-system"/>
+              </a:rPr>
+              <a:t>This can lead to rapid identification of potential intrusions.</a:t>
+            </a:r>
+          </a:p>
+          <a:p>
+            <a:pPr algn="l">
+              <a:buFont typeface="Arial" panose="020B0604020202020204" pitchFamily="34" charset="0"/>
+              <a:buChar char="•"/>
+            </a:pPr>
+            <a:r>
+              <a:rPr lang="en-US" sz="1100" b="0" i="0" u="none" strike="noStrike" dirty="0">
+                <a:solidFill>
+                  <a:schemeClr val="tx1">
+                    <a:lumMod val="50000"/>
+                  </a:schemeClr>
+                </a:solidFill>
+                <a:effectLst/>
+                <a:latin typeface="-apple-system"/>
+              </a:rPr>
+              <a:t>UNR-IDD also address the limitation of the presence of tail classes.</a:t>
+            </a:r>
+          </a:p>
+          <a:p>
+            <a:pPr algn="l">
+              <a:buFont typeface="Arial" panose="020B0604020202020204" pitchFamily="34" charset="0"/>
+              <a:buChar char="•"/>
+            </a:pPr>
+            <a:r>
+              <a:rPr lang="en-US" sz="1100" b="0" i="0" u="none" strike="noStrike" dirty="0">
+                <a:solidFill>
+                  <a:schemeClr val="tx1">
+                    <a:lumMod val="50000"/>
+                  </a:schemeClr>
+                </a:solidFill>
+                <a:effectLst/>
+                <a:latin typeface="-apple-system"/>
+              </a:rPr>
+              <a:t>The dataset ensures that there are enough samples for ML classifiers to achieve high F-Measure scores, uniquely.</a:t>
+            </a:r>
+          </a:p>
+          <a:p>
+            <a:pPr algn="l">
+              <a:buFont typeface="Arial" panose="020B0604020202020204" pitchFamily="34" charset="0"/>
+              <a:buChar char="•"/>
+            </a:pPr>
+            <a:r>
+              <a:rPr lang="en-US" sz="1100" b="0" i="0" u="none" strike="noStrike" dirty="0">
+                <a:solidFill>
+                  <a:schemeClr val="tx1">
+                    <a:lumMod val="50000"/>
+                  </a:schemeClr>
+                </a:solidFill>
+                <a:effectLst/>
+                <a:latin typeface="-apple-system"/>
+              </a:rPr>
+              <a:t>Our proposed dataset also ensures that there are no missing network metrics and that all data samples are filled.</a:t>
+            </a:r>
+          </a:p>
+          <a:p>
+            <a:pPr marL="107950" lvl="0" indent="0" algn="l" rtl="0">
+              <a:lnSpc>
+                <a:spcPct val="115000"/>
+              </a:lnSpc>
+              <a:spcBef>
+                <a:spcPts val="0"/>
+              </a:spcBef>
+              <a:spcAft>
+                <a:spcPts val="0"/>
+              </a:spcAft>
+              <a:buSzPts val="1900"/>
               <a:buNone/>
             </a:pPr>
-            <a:endParaRPr dirty="0"/>
-          </a:p>
-          <a:p>
-            <a:pPr marL="0" indent="0">
-              <a:buNone/>
-            </a:pPr>
-            <a:endParaRPr dirty="0"/>
+            <a:endParaRPr lang="en-US" sz="1200" dirty="0"/>
           </a:p>
         </p:txBody>
       </p:sp>
     </p:spTree>
     <p:extLst>
       <p:ext uri="{BB962C8B-B14F-4D97-AF65-F5344CB8AC3E}">
-        <p14:creationId xmlns:p14="http://schemas.microsoft.com/office/powerpoint/2010/main" val="2554354471"/>
+        <p14:creationId xmlns:p14="http://schemas.microsoft.com/office/powerpoint/2010/main" val="1835849874"/>
       </p:ext>
     </p:extLst>
   </p:cSld>
@@ -16049,7 +15181,7 @@
         </p:nvSpPr>
         <p:spPr>
           <a:xfrm>
-            <a:off x="311700" y="445025"/>
+            <a:off x="304800" y="480369"/>
             <a:ext cx="8520600" cy="572700"/>
           </a:xfrm>
           <a:prstGeom prst="rect">
@@ -16072,7 +15204,7 @@
                   <a:srgbClr val="0070C0"/>
                 </a:solidFill>
               </a:rPr>
-              <a:t>Information about the Data</a:t>
+              <a:t>Information about the data (network topology)</a:t>
             </a:r>
             <a:endParaRPr dirty="0">
               <a:solidFill>
@@ -16084,258 +15216,528 @@
       </p:sp>
       <p:sp>
         <p:nvSpPr>
-          <p:cNvPr id="128" name="Google Shape;128;g133c1f20611_0_15"/>
-          <p:cNvSpPr txBox="1">
-            <a:spLocks noGrp="1"/>
-          </p:cNvSpPr>
-          <p:nvPr>
-            <p:ph type="body" idx="1"/>
-          </p:nvPr>
+          <p:cNvPr id="16" name="TextBox 15">
+            <a:extLst>
+              <a:ext uri="{FF2B5EF4-FFF2-40B4-BE49-F238E27FC236}">
+                <a16:creationId xmlns:a16="http://schemas.microsoft.com/office/drawing/2014/main" id="{B18409FC-D8CB-D559-67BA-C91ADDB6E591}"/>
+              </a:ext>
+            </a:extLst>
+          </p:cNvPr>
+          <p:cNvSpPr txBox="1"/>
+          <p:nvPr/>
         </p:nvSpPr>
         <p:spPr>
           <a:xfrm>
-            <a:off x="311700" y="1152475"/>
-            <a:ext cx="8520600" cy="3416400"/>
+            <a:off x="1101672" y="1426708"/>
+            <a:ext cx="1117747" cy="402019"/>
           </a:xfrm>
           <a:prstGeom prst="rect">
             <a:avLst/>
           </a:prstGeom>
           <a:noFill/>
-          <a:ln>
-            <a:noFill/>
+          <a:ln w="12700">
+            <a:solidFill>
+              <a:schemeClr val="tx1">
+                <a:lumMod val="50000"/>
+              </a:schemeClr>
+            </a:solidFill>
           </a:ln>
         </p:spPr>
         <p:txBody>
-          <a:bodyPr spcFirstLastPara="1" wrap="square" lIns="91425" tIns="91425" rIns="91425" bIns="91425" anchor="t" anchorCtr="0">
+          <a:bodyPr wrap="square" rtlCol="0" anchor="ctr" anchorCtr="1">
             <a:noAutofit/>
           </a:bodyPr>
           <a:lstStyle/>
           <a:p>
-            <a:pPr algn="l">
-              <a:buFont typeface="Arial" panose="020B0604020202020204" pitchFamily="34" charset="0"/>
-              <a:buChar char="•"/>
-            </a:pPr>
-            <a:r>
-              <a:rPr lang="en-US" sz="1100" b="0" i="0" u="none" strike="noStrike" dirty="0">
-                <a:solidFill>
-                  <a:schemeClr val="tx1">
-                    <a:lumMod val="50000"/>
-                  </a:schemeClr>
-                </a:solidFill>
-                <a:effectLst/>
-                <a:latin typeface="-apple-system"/>
-              </a:rPr>
-              <a:t>For this Capstone project we are using data </a:t>
-            </a:r>
-            <a:r>
-              <a:rPr lang="en-US" sz="1100" b="0" i="0" u="none" strike="noStrike" dirty="0" err="1">
-                <a:solidFill>
-                  <a:schemeClr val="tx1">
-                    <a:lumMod val="50000"/>
-                  </a:schemeClr>
-                </a:solidFill>
-                <a:effectLst/>
-                <a:latin typeface="-apple-system"/>
-              </a:rPr>
-              <a:t>fron</a:t>
-            </a:r>
-            <a:r>
-              <a:rPr lang="en-US" sz="1100" b="0" i="0" u="none" strike="noStrike" dirty="0">
-                <a:solidFill>
-                  <a:schemeClr val="tx1">
-                    <a:lumMod val="50000"/>
-                  </a:schemeClr>
-                </a:solidFill>
-                <a:effectLst/>
-                <a:latin typeface="-apple-system"/>
-              </a:rPr>
-              <a:t> the University of Nevada.</a:t>
-            </a:r>
-          </a:p>
-          <a:p>
-            <a:pPr algn="l">
-              <a:buFont typeface="Arial" panose="020B0604020202020204" pitchFamily="34" charset="0"/>
-              <a:buChar char="•"/>
-            </a:pPr>
-            <a:r>
-              <a:rPr lang="en-US" sz="1100" b="0" i="0" u="none" strike="noStrike" dirty="0">
-                <a:solidFill>
-                  <a:schemeClr val="tx1">
-                    <a:lumMod val="50000"/>
-                  </a:schemeClr>
-                </a:solidFill>
-                <a:effectLst/>
-                <a:latin typeface="-apple-system"/>
-              </a:rPr>
-              <a:t>Specifically, their Reno Intrusion Detection Dataset (UNR-IDD).</a:t>
-            </a:r>
-          </a:p>
-          <a:p>
-            <a:pPr algn="l">
-              <a:buFont typeface="Arial" panose="020B0604020202020204" pitchFamily="34" charset="0"/>
-              <a:buChar char="•"/>
-            </a:pPr>
-            <a:r>
-              <a:rPr lang="en-US" sz="1100" b="0" i="0" u="none" strike="noStrike" dirty="0">
-                <a:solidFill>
-                  <a:schemeClr val="tx1">
-                    <a:lumMod val="50000"/>
-                  </a:schemeClr>
-                </a:solidFill>
-                <a:effectLst/>
-                <a:latin typeface="-apple-system"/>
-              </a:rPr>
-              <a:t>The main difference between UNR-IDD and other existing datasets is that UNR-IDD consists primarily of network port statistics.</a:t>
-            </a:r>
-          </a:p>
-          <a:p>
-            <a:pPr algn="l">
-              <a:buFont typeface="Arial" panose="020B0604020202020204" pitchFamily="34" charset="0"/>
-              <a:buChar char="•"/>
-            </a:pPr>
-            <a:r>
-              <a:rPr lang="en-US" sz="1100" b="0" i="0" u="none" strike="noStrike" dirty="0">
-                <a:solidFill>
-                  <a:schemeClr val="tx1">
-                    <a:lumMod val="50000"/>
-                  </a:schemeClr>
-                </a:solidFill>
-                <a:effectLst/>
-                <a:latin typeface="-apple-system"/>
-              </a:rPr>
-              <a:t>These refer to the observed port metrics recorded in switch/router ports within a networking environment.</a:t>
-            </a:r>
-          </a:p>
-          <a:p>
-            <a:pPr algn="l">
-              <a:buFont typeface="Arial" panose="020B0604020202020204" pitchFamily="34" charset="0"/>
-              <a:buChar char="•"/>
-            </a:pPr>
-            <a:r>
-              <a:rPr lang="en-US" sz="1100" b="0" i="0" u="none" strike="noStrike" dirty="0">
-                <a:solidFill>
-                  <a:schemeClr val="tx1">
-                    <a:lumMod val="50000"/>
-                  </a:schemeClr>
-                </a:solidFill>
-                <a:effectLst/>
-                <a:latin typeface="-apple-system"/>
-              </a:rPr>
-              <a:t>The dataset also includes delta port statistics which indicates the change in magnitude of observed port statistics within a time interval.</a:t>
-            </a:r>
-          </a:p>
-          <a:p>
-            <a:pPr algn="l">
-              <a:buFont typeface="Arial" panose="020B0604020202020204" pitchFamily="34" charset="0"/>
-              <a:buChar char="•"/>
-            </a:pPr>
-            <a:r>
-              <a:rPr lang="en-US" sz="1100" b="0" i="0" u="none" strike="noStrike" dirty="0">
-                <a:solidFill>
-                  <a:schemeClr val="tx1">
-                    <a:lumMod val="50000"/>
-                  </a:schemeClr>
-                </a:solidFill>
-                <a:effectLst/>
-                <a:latin typeface="-apple-system"/>
-              </a:rPr>
-              <a:t>Compared to datasets that primarily use flow level statistics, these port statistics can provide a fine-grained analysis of network flows from the port level as decisions are made at the port level versus the flow level.</a:t>
-            </a:r>
-          </a:p>
-          <a:p>
-            <a:pPr algn="l">
-              <a:buFont typeface="Arial" panose="020B0604020202020204" pitchFamily="34" charset="0"/>
-              <a:buChar char="•"/>
-            </a:pPr>
-            <a:r>
-              <a:rPr lang="en-US" sz="1100" b="0" i="0" u="none" strike="noStrike" dirty="0">
-                <a:solidFill>
-                  <a:schemeClr val="tx1">
-                    <a:lumMod val="50000"/>
-                  </a:schemeClr>
-                </a:solidFill>
-                <a:effectLst/>
-                <a:latin typeface="-apple-system"/>
-              </a:rPr>
-              <a:t>This can lead to rapid identification of potential intrusions.</a:t>
-            </a:r>
-          </a:p>
-          <a:p>
-            <a:pPr algn="l">
-              <a:buFont typeface="Arial" panose="020B0604020202020204" pitchFamily="34" charset="0"/>
-              <a:buChar char="•"/>
-            </a:pPr>
-            <a:r>
-              <a:rPr lang="en-US" sz="1100" b="0" i="0" u="none" strike="noStrike" dirty="0">
-                <a:solidFill>
-                  <a:schemeClr val="tx1">
-                    <a:lumMod val="50000"/>
-                  </a:schemeClr>
-                </a:solidFill>
-                <a:effectLst/>
-                <a:latin typeface="-apple-system"/>
-              </a:rPr>
-              <a:t>UNR-IDD also address the limitation of the presence of tail classes.</a:t>
-            </a:r>
-          </a:p>
-          <a:p>
-            <a:pPr algn="l">
-              <a:buFont typeface="Arial" panose="020B0604020202020204" pitchFamily="34" charset="0"/>
-              <a:buChar char="•"/>
-            </a:pPr>
-            <a:r>
-              <a:rPr lang="en-US" sz="1100" b="0" i="0" u="none" strike="noStrike" dirty="0">
-                <a:solidFill>
-                  <a:schemeClr val="tx1">
-                    <a:lumMod val="50000"/>
-                  </a:schemeClr>
-                </a:solidFill>
-                <a:effectLst/>
-                <a:latin typeface="-apple-system"/>
-              </a:rPr>
-              <a:t>The dataset ensures that there are enough samples for ML classifiers to achieve high F-Measure scores, uniquely.</a:t>
-            </a:r>
-          </a:p>
-          <a:p>
-            <a:pPr algn="l">
-              <a:buFont typeface="Arial" panose="020B0604020202020204" pitchFamily="34" charset="0"/>
-              <a:buChar char="•"/>
-            </a:pPr>
-            <a:r>
-              <a:rPr lang="en-US" sz="1100" b="0" i="0" u="none" strike="noStrike" dirty="0">
-                <a:solidFill>
-                  <a:schemeClr val="tx1">
-                    <a:lumMod val="50000"/>
-                  </a:schemeClr>
-                </a:solidFill>
-                <a:effectLst/>
-                <a:latin typeface="-apple-system"/>
-              </a:rPr>
-              <a:t>Our proposed dataset also ensures that there are no missing network metrics and that all data samples are filled.</a:t>
-            </a:r>
-          </a:p>
-          <a:p>
-            <a:pPr marL="107950" lvl="0" indent="0" algn="l" rtl="0">
-              <a:lnSpc>
-                <a:spcPct val="115000"/>
-              </a:lnSpc>
-              <a:spcBef>
-                <a:spcPts val="0"/>
-              </a:spcBef>
-              <a:spcAft>
-                <a:spcPts val="0"/>
-              </a:spcAft>
-              <a:buSzPts val="1900"/>
-              <a:buNone/>
-            </a:pPr>
-            <a:endParaRPr lang="en-US" sz="1200" dirty="0"/>
+            <a:pPr algn="ctr"/>
+            <a:r>
+              <a:rPr lang="en-US" dirty="0">
+                <a:solidFill>
+                  <a:schemeClr val="bg2"/>
+                </a:solidFill>
+                <a:latin typeface="Proxima Nova" panose="020B0604020202020204" charset="0"/>
+                <a:sym typeface="Proxima Nova"/>
+              </a:rPr>
+              <a:t>Received Packets</a:t>
+            </a:r>
+          </a:p>
+        </p:txBody>
+      </p:sp>
+      <p:sp>
+        <p:nvSpPr>
+          <p:cNvPr id="17" name="TextBox 16">
+            <a:extLst>
+              <a:ext uri="{FF2B5EF4-FFF2-40B4-BE49-F238E27FC236}">
+                <a16:creationId xmlns:a16="http://schemas.microsoft.com/office/drawing/2014/main" id="{0386CAF7-69C1-FCBA-EDC4-19103BB1A4D0}"/>
+              </a:ext>
+            </a:extLst>
+          </p:cNvPr>
+          <p:cNvSpPr txBox="1"/>
+          <p:nvPr/>
+        </p:nvSpPr>
+        <p:spPr>
+          <a:xfrm>
+            <a:off x="2382416" y="1395361"/>
+            <a:ext cx="2944187" cy="427860"/>
+          </a:xfrm>
+          <a:prstGeom prst="rect">
+            <a:avLst/>
+          </a:prstGeom>
+          <a:noFill/>
+          <a:ln w="12700">
+            <a:solidFill>
+              <a:schemeClr val="tx1">
+                <a:lumMod val="50000"/>
+              </a:schemeClr>
+            </a:solidFill>
+          </a:ln>
+        </p:spPr>
+        <p:txBody>
+          <a:bodyPr wrap="square" rtlCol="0" anchor="ctr" anchorCtr="1">
+            <a:noAutofit/>
+          </a:bodyPr>
+          <a:lstStyle/>
+          <a:p>
+            <a:r>
+              <a:rPr lang="en-US" dirty="0">
+                <a:solidFill>
+                  <a:schemeClr val="bg2"/>
+                </a:solidFill>
+                <a:latin typeface="Proxima Nova" panose="020B0604020202020204" charset="0"/>
+              </a:rPr>
+              <a:t>Number of packets received by the port</a:t>
+            </a:r>
+          </a:p>
+        </p:txBody>
+      </p:sp>
+      <p:sp>
+        <p:nvSpPr>
+          <p:cNvPr id="20" name="TextBox 19">
+            <a:extLst>
+              <a:ext uri="{FF2B5EF4-FFF2-40B4-BE49-F238E27FC236}">
+                <a16:creationId xmlns:a16="http://schemas.microsoft.com/office/drawing/2014/main" id="{29CC8DCD-B6C4-1575-1A7B-26B1CDFD61B2}"/>
+              </a:ext>
+            </a:extLst>
+          </p:cNvPr>
+          <p:cNvSpPr txBox="1"/>
+          <p:nvPr/>
+        </p:nvSpPr>
+        <p:spPr>
+          <a:xfrm>
+            <a:off x="1101672" y="1898730"/>
+            <a:ext cx="1117746" cy="402019"/>
+          </a:xfrm>
+          <a:prstGeom prst="rect">
+            <a:avLst/>
+          </a:prstGeom>
+          <a:noFill/>
+          <a:ln w="12700">
+            <a:solidFill>
+              <a:schemeClr val="tx1">
+                <a:lumMod val="50000"/>
+              </a:schemeClr>
+            </a:solidFill>
+          </a:ln>
+        </p:spPr>
+        <p:txBody>
+          <a:bodyPr wrap="square" rtlCol="0" anchor="ctr" anchorCtr="1">
+            <a:noAutofit/>
+          </a:bodyPr>
+          <a:lstStyle/>
+          <a:p>
+            <a:pPr algn="ctr"/>
+            <a:r>
+              <a:rPr lang="en-US" dirty="0">
+                <a:solidFill>
+                  <a:schemeClr val="bg2"/>
+                </a:solidFill>
+                <a:latin typeface="Proxima Nova" panose="020B0604020202020204" charset="0"/>
+              </a:rPr>
+              <a:t>Received Bytes</a:t>
+            </a:r>
+          </a:p>
+        </p:txBody>
+      </p:sp>
+      <p:sp>
+        <p:nvSpPr>
+          <p:cNvPr id="21" name="TextBox 20">
+            <a:extLst>
+              <a:ext uri="{FF2B5EF4-FFF2-40B4-BE49-F238E27FC236}">
+                <a16:creationId xmlns:a16="http://schemas.microsoft.com/office/drawing/2014/main" id="{49D896CA-06D2-5714-618A-49879296EA82}"/>
+              </a:ext>
+            </a:extLst>
+          </p:cNvPr>
+          <p:cNvSpPr txBox="1"/>
+          <p:nvPr/>
+        </p:nvSpPr>
+        <p:spPr>
+          <a:xfrm>
+            <a:off x="2382416" y="1840978"/>
+            <a:ext cx="2944187" cy="416212"/>
+          </a:xfrm>
+          <a:prstGeom prst="rect">
+            <a:avLst/>
+          </a:prstGeom>
+          <a:noFill/>
+          <a:ln w="12700">
+            <a:solidFill>
+              <a:schemeClr val="tx1">
+                <a:lumMod val="50000"/>
+              </a:schemeClr>
+            </a:solidFill>
+          </a:ln>
+        </p:spPr>
+        <p:txBody>
+          <a:bodyPr wrap="square" rtlCol="0" anchor="ctr" anchorCtr="1">
+            <a:noAutofit/>
+          </a:bodyPr>
+          <a:lstStyle/>
+          <a:p>
+            <a:r>
+              <a:rPr lang="en-US" dirty="0">
+                <a:solidFill>
+                  <a:schemeClr val="bg2"/>
+                </a:solidFill>
+                <a:latin typeface="Proxima Nova" panose="020B0604020202020204" charset="0"/>
+              </a:rPr>
+              <a:t>Number of bytes received by the port</a:t>
+            </a:r>
+          </a:p>
+        </p:txBody>
+      </p:sp>
+      <p:sp>
+        <p:nvSpPr>
+          <p:cNvPr id="22" name="TextBox 21">
+            <a:extLst>
+              <a:ext uri="{FF2B5EF4-FFF2-40B4-BE49-F238E27FC236}">
+                <a16:creationId xmlns:a16="http://schemas.microsoft.com/office/drawing/2014/main" id="{6F09ADAF-64C8-6858-1A8A-CA40B45C8EE1}"/>
+              </a:ext>
+            </a:extLst>
+          </p:cNvPr>
+          <p:cNvSpPr txBox="1"/>
+          <p:nvPr/>
+        </p:nvSpPr>
+        <p:spPr>
+          <a:xfrm>
+            <a:off x="1107460" y="2389920"/>
+            <a:ext cx="1111959" cy="402019"/>
+          </a:xfrm>
+          <a:prstGeom prst="rect">
+            <a:avLst/>
+          </a:prstGeom>
+          <a:noFill/>
+          <a:ln w="12700">
+            <a:solidFill>
+              <a:schemeClr val="tx1">
+                <a:lumMod val="50000"/>
+              </a:schemeClr>
+            </a:solidFill>
+          </a:ln>
+        </p:spPr>
+        <p:txBody>
+          <a:bodyPr wrap="square" rtlCol="0" anchor="ctr" anchorCtr="1">
+            <a:noAutofit/>
+          </a:bodyPr>
+          <a:lstStyle/>
+          <a:p>
+            <a:r>
+              <a:rPr lang="en-US" dirty="0">
+                <a:solidFill>
+                  <a:schemeClr val="bg2"/>
+                </a:solidFill>
+                <a:latin typeface="Proxima Nova" panose="020B0604020202020204" charset="0"/>
+              </a:rPr>
+              <a:t>Sent Packets</a:t>
+            </a:r>
+          </a:p>
+        </p:txBody>
+      </p:sp>
+      <p:sp>
+        <p:nvSpPr>
+          <p:cNvPr id="23" name="TextBox 22">
+            <a:extLst>
+              <a:ext uri="{FF2B5EF4-FFF2-40B4-BE49-F238E27FC236}">
+                <a16:creationId xmlns:a16="http://schemas.microsoft.com/office/drawing/2014/main" id="{F9E7C5E5-7B14-33CA-C209-707F2EFC79EB}"/>
+              </a:ext>
+            </a:extLst>
+          </p:cNvPr>
+          <p:cNvSpPr txBox="1"/>
+          <p:nvPr/>
+        </p:nvSpPr>
+        <p:spPr>
+          <a:xfrm>
+            <a:off x="2414940" y="2395572"/>
+            <a:ext cx="2911663" cy="377190"/>
+          </a:xfrm>
+          <a:prstGeom prst="rect">
+            <a:avLst/>
+          </a:prstGeom>
+          <a:noFill/>
+          <a:ln w="12700">
+            <a:solidFill>
+              <a:schemeClr val="tx1">
+                <a:lumMod val="50000"/>
+              </a:schemeClr>
+            </a:solidFill>
+          </a:ln>
+        </p:spPr>
+        <p:txBody>
+          <a:bodyPr wrap="square" rtlCol="0" anchor="ctr" anchorCtr="1">
+            <a:noAutofit/>
+          </a:bodyPr>
+          <a:lstStyle/>
+          <a:p>
+            <a:r>
+              <a:rPr lang="en-US" dirty="0">
+                <a:solidFill>
+                  <a:schemeClr val="bg2"/>
+                </a:solidFill>
+                <a:latin typeface="Proxima Nova" panose="020B0604020202020204" charset="0"/>
+              </a:rPr>
+              <a:t>Number of packets sent by the port</a:t>
+            </a:r>
+          </a:p>
+        </p:txBody>
+      </p:sp>
+      <p:sp>
+        <p:nvSpPr>
+          <p:cNvPr id="24" name="TextBox 23">
+            <a:extLst>
+              <a:ext uri="{FF2B5EF4-FFF2-40B4-BE49-F238E27FC236}">
+                <a16:creationId xmlns:a16="http://schemas.microsoft.com/office/drawing/2014/main" id="{24D8D6AC-8146-E4D3-5B8A-3C5C9E9DD5DE}"/>
+              </a:ext>
+            </a:extLst>
+          </p:cNvPr>
+          <p:cNvSpPr txBox="1"/>
+          <p:nvPr/>
+        </p:nvSpPr>
+        <p:spPr>
+          <a:xfrm>
+            <a:off x="1107459" y="2861942"/>
+            <a:ext cx="1111959" cy="402018"/>
+          </a:xfrm>
+          <a:prstGeom prst="rect">
+            <a:avLst/>
+          </a:prstGeom>
+          <a:noFill/>
+          <a:ln w="12700">
+            <a:solidFill>
+              <a:schemeClr val="tx1">
+                <a:lumMod val="50000"/>
+              </a:schemeClr>
+            </a:solidFill>
+          </a:ln>
+        </p:spPr>
+        <p:txBody>
+          <a:bodyPr wrap="square" rtlCol="0" anchor="ctr" anchorCtr="1">
+            <a:noAutofit/>
+          </a:bodyPr>
+          <a:lstStyle/>
+          <a:p>
+            <a:r>
+              <a:rPr lang="en-US" dirty="0">
+                <a:solidFill>
+                  <a:schemeClr val="bg2"/>
+                </a:solidFill>
+                <a:latin typeface="Proxima Nova" panose="020B0604020202020204" charset="0"/>
+              </a:rPr>
+              <a:t>Sent Bytes</a:t>
+            </a:r>
+          </a:p>
+        </p:txBody>
+      </p:sp>
+      <p:sp>
+        <p:nvSpPr>
+          <p:cNvPr id="25" name="TextBox 24">
+            <a:extLst>
+              <a:ext uri="{FF2B5EF4-FFF2-40B4-BE49-F238E27FC236}">
+                <a16:creationId xmlns:a16="http://schemas.microsoft.com/office/drawing/2014/main" id="{60D3F7E1-E731-6C36-08FF-5518F17E4176}"/>
+              </a:ext>
+            </a:extLst>
+          </p:cNvPr>
+          <p:cNvSpPr txBox="1"/>
+          <p:nvPr/>
+        </p:nvSpPr>
+        <p:spPr>
+          <a:xfrm>
+            <a:off x="2382416" y="2909062"/>
+            <a:ext cx="2944187" cy="366638"/>
+          </a:xfrm>
+          <a:prstGeom prst="rect">
+            <a:avLst/>
+          </a:prstGeom>
+          <a:noFill/>
+          <a:ln w="12700">
+            <a:solidFill>
+              <a:schemeClr val="tx1">
+                <a:lumMod val="50000"/>
+              </a:schemeClr>
+            </a:solidFill>
+          </a:ln>
+        </p:spPr>
+        <p:txBody>
+          <a:bodyPr wrap="square" rtlCol="0" anchor="ctr" anchorCtr="1">
+            <a:noAutofit/>
+          </a:bodyPr>
+          <a:lstStyle/>
+          <a:p>
+            <a:r>
+              <a:rPr lang="en-US" dirty="0">
+                <a:solidFill>
+                  <a:schemeClr val="bg2"/>
+                </a:solidFill>
+                <a:latin typeface="Proxima Nova" panose="020B0604020202020204" charset="0"/>
+              </a:rPr>
+              <a:t>Number of bytes sent</a:t>
+            </a:r>
+          </a:p>
+        </p:txBody>
+      </p:sp>
+      <p:sp>
+        <p:nvSpPr>
+          <p:cNvPr id="26" name="TextBox 25">
+            <a:extLst>
+              <a:ext uri="{FF2B5EF4-FFF2-40B4-BE49-F238E27FC236}">
+                <a16:creationId xmlns:a16="http://schemas.microsoft.com/office/drawing/2014/main" id="{275D762E-94BB-FC98-E57C-3B8BF500A94A}"/>
+              </a:ext>
+            </a:extLst>
+          </p:cNvPr>
+          <p:cNvSpPr txBox="1"/>
+          <p:nvPr/>
+        </p:nvSpPr>
+        <p:spPr>
+          <a:xfrm>
+            <a:off x="1101673" y="3415371"/>
+            <a:ext cx="1111960" cy="402018"/>
+          </a:xfrm>
+          <a:prstGeom prst="rect">
+            <a:avLst/>
+          </a:prstGeom>
+          <a:noFill/>
+          <a:ln w="12700">
+            <a:solidFill>
+              <a:schemeClr val="tx1">
+                <a:lumMod val="50000"/>
+              </a:schemeClr>
+            </a:solidFill>
+          </a:ln>
+        </p:spPr>
+        <p:txBody>
+          <a:bodyPr wrap="square" rtlCol="0" anchor="ctr" anchorCtr="1">
+            <a:noAutofit/>
+          </a:bodyPr>
+          <a:lstStyle/>
+          <a:p>
+            <a:r>
+              <a:rPr lang="en-US" dirty="0">
+                <a:solidFill>
+                  <a:schemeClr val="bg2"/>
+                </a:solidFill>
+                <a:latin typeface="Proxima Nova" panose="020B0604020202020204" charset="0"/>
+              </a:rPr>
+              <a:t>Port alive Duration</a:t>
+            </a:r>
+          </a:p>
+        </p:txBody>
+      </p:sp>
+      <p:sp>
+        <p:nvSpPr>
+          <p:cNvPr id="27" name="TextBox 26">
+            <a:extLst>
+              <a:ext uri="{FF2B5EF4-FFF2-40B4-BE49-F238E27FC236}">
+                <a16:creationId xmlns:a16="http://schemas.microsoft.com/office/drawing/2014/main" id="{D0D0563C-FE29-7D20-84DE-E746A01014D1}"/>
+              </a:ext>
+            </a:extLst>
+          </p:cNvPr>
+          <p:cNvSpPr txBox="1"/>
+          <p:nvPr/>
+        </p:nvSpPr>
+        <p:spPr>
+          <a:xfrm>
+            <a:off x="2394284" y="3424634"/>
+            <a:ext cx="2932320" cy="402018"/>
+          </a:xfrm>
+          <a:prstGeom prst="rect">
+            <a:avLst/>
+          </a:prstGeom>
+          <a:noFill/>
+          <a:ln w="12700">
+            <a:solidFill>
+              <a:schemeClr val="tx1">
+                <a:lumMod val="50000"/>
+              </a:schemeClr>
+            </a:solidFill>
+          </a:ln>
+        </p:spPr>
+        <p:txBody>
+          <a:bodyPr wrap="square" rtlCol="0" anchor="ctr" anchorCtr="1">
+            <a:noAutofit/>
+          </a:bodyPr>
+          <a:lstStyle/>
+          <a:p>
+            <a:r>
+              <a:rPr lang="en-US" dirty="0">
+                <a:solidFill>
+                  <a:schemeClr val="bg2"/>
+                </a:solidFill>
+                <a:latin typeface="Proxima Nova" panose="020B0604020202020204" charset="0"/>
+              </a:rPr>
+              <a:t>The time port has been alive in seconds</a:t>
+            </a:r>
+          </a:p>
+        </p:txBody>
+      </p:sp>
+      <p:sp>
+        <p:nvSpPr>
+          <p:cNvPr id="28" name="TextBox 27">
+            <a:extLst>
+              <a:ext uri="{FF2B5EF4-FFF2-40B4-BE49-F238E27FC236}">
+                <a16:creationId xmlns:a16="http://schemas.microsoft.com/office/drawing/2014/main" id="{F2B6A6F5-279C-736A-31F9-579483CE3D01}"/>
+              </a:ext>
+            </a:extLst>
+          </p:cNvPr>
+          <p:cNvSpPr txBox="1"/>
+          <p:nvPr/>
+        </p:nvSpPr>
+        <p:spPr>
+          <a:xfrm rot="16200000">
+            <a:off x="-515302" y="2379196"/>
+            <a:ext cx="2399945" cy="494968"/>
+          </a:xfrm>
+          <a:prstGeom prst="rect">
+            <a:avLst/>
+          </a:prstGeom>
+          <a:noFill/>
+          <a:ln w="12700">
+            <a:solidFill>
+              <a:schemeClr val="tx1">
+                <a:lumMod val="50000"/>
+              </a:schemeClr>
+            </a:solidFill>
+          </a:ln>
+        </p:spPr>
+        <p:txBody>
+          <a:bodyPr wrap="square" rtlCol="0" anchor="ctr" anchorCtr="1">
+            <a:noAutofit/>
+          </a:bodyPr>
+          <a:lstStyle/>
+          <a:p>
+            <a:r>
+              <a:rPr lang="en-US" dirty="0">
+                <a:solidFill>
+                  <a:schemeClr val="bg2"/>
+                </a:solidFill>
+                <a:latin typeface="Proxima Nova" panose="020B0604020202020204" charset="0"/>
+              </a:rPr>
+              <a:t>Port statistics collected for every port on every switch</a:t>
+            </a:r>
           </a:p>
         </p:txBody>
       </p:sp>
     </p:spTree>
     <p:extLst>
       <p:ext uri="{BB962C8B-B14F-4D97-AF65-F5344CB8AC3E}">
-        <p14:creationId xmlns:p14="http://schemas.microsoft.com/office/powerpoint/2010/main" val="1835849874"/>
+        <p14:creationId xmlns:p14="http://schemas.microsoft.com/office/powerpoint/2010/main" val="150243563"/>
       </p:ext>
     </p:extLst>
   </p:cSld>
@@ -16532,7 +15934,7 @@
                   <a:schemeClr val="bg2"/>
                 </a:solidFill>
               </a:rPr>
-              <a:t>Demo</a:t>
+              <a:t>MLE Stack</a:t>
             </a:r>
           </a:p>
           <a:p>
@@ -16543,7 +15945,7 @@
               <a:buFont typeface="Arial" panose="020B0604020202020204" pitchFamily="34" charset="0"/>
               <a:buChar char="•"/>
             </a:pPr>
-            <a:endParaRPr sz="1600" b="1" dirty="0">
+            <a:endParaRPr lang="en-US" sz="1600" b="1" dirty="0">
               <a:solidFill>
                 <a:schemeClr val="bg2"/>
               </a:solidFill>
@@ -16563,7 +15965,7 @@
                   <a:schemeClr val="bg2"/>
                 </a:solidFill>
               </a:rPr>
-              <a:t>MLE Stack</a:t>
+              <a:t>Demo</a:t>
             </a:r>
           </a:p>
           <a:p>
@@ -16717,7 +16119,7 @@
         </p:nvSpPr>
         <p:spPr>
           <a:xfrm>
-            <a:off x="311700" y="1152475"/>
+            <a:off x="311700" y="1187758"/>
             <a:ext cx="8520600" cy="3416400"/>
           </a:xfrm>
           <a:prstGeom prst="rect">
@@ -16750,292 +16152,6 @@
             <a:endParaRPr lang="en-US" sz="1200" dirty="0"/>
           </a:p>
           <a:p>
-            <a:r>
-              <a:rPr lang="en-US" sz="1000" i="1" dirty="0">
-                <a:effectLst/>
-                <a:latin typeface="Helvetica" pitchFamily="2" charset="0"/>
-              </a:rPr>
-              <a:t>As mentioned above, the three prominent NIDS datasets</a:t>
-            </a:r>
-            <a:endParaRPr lang="en-US" sz="1000" dirty="0">
-              <a:effectLst/>
-              <a:latin typeface="Helvetica" pitchFamily="2" charset="0"/>
-            </a:endParaRPr>
-          </a:p>
-          <a:p>
-            <a:r>
-              <a:rPr lang="en-US" sz="1000" i="1" dirty="0">
-                <a:effectLst/>
-                <a:latin typeface="Helvetica" pitchFamily="2" charset="0"/>
-              </a:rPr>
-              <a:t>are NSL-KDD [5], CIC-IDS-2018 [6], and UNSW-NB15 [3].</a:t>
-            </a:r>
-            <a:endParaRPr lang="en-US" sz="1000" dirty="0">
-              <a:effectLst/>
-              <a:latin typeface="Helvetica" pitchFamily="2" charset="0"/>
-            </a:endParaRPr>
-          </a:p>
-          <a:p>
-            <a:r>
-              <a:rPr lang="en-US" sz="1000" i="1" dirty="0">
-                <a:effectLst/>
-                <a:latin typeface="Helvetica" pitchFamily="2" charset="0"/>
-              </a:rPr>
-              <a:t>These datasets also have several limitations. For instance,</a:t>
-            </a:r>
-            <a:endParaRPr lang="en-US" sz="1000" dirty="0">
-              <a:effectLst/>
-              <a:latin typeface="Helvetica" pitchFamily="2" charset="0"/>
-            </a:endParaRPr>
-          </a:p>
-          <a:p>
-            <a:r>
-              <a:rPr lang="en-US" sz="1000" i="1" dirty="0">
-                <a:effectLst/>
-                <a:latin typeface="Helvetica" pitchFamily="2" charset="0"/>
-              </a:rPr>
-              <a:t>the UNSW-NB15 suffers from inconsistent performance for</a:t>
-            </a:r>
-            <a:endParaRPr lang="en-US" sz="1000" dirty="0">
-              <a:effectLst/>
-              <a:latin typeface="Helvetica" pitchFamily="2" charset="0"/>
-            </a:endParaRPr>
-          </a:p>
-          <a:p>
-            <a:r>
-              <a:rPr lang="en-US" sz="1000" i="1" dirty="0">
-                <a:effectLst/>
-                <a:latin typeface="Helvetica" pitchFamily="2" charset="0"/>
-              </a:rPr>
-              <a:t>machine learning classifiers. It requires more rigorous and</a:t>
-            </a:r>
-            <a:endParaRPr lang="en-US" sz="1000" dirty="0">
-              <a:effectLst/>
-              <a:latin typeface="Helvetica" pitchFamily="2" charset="0"/>
-            </a:endParaRPr>
-          </a:p>
-          <a:p>
-            <a:r>
-              <a:rPr lang="en-US" sz="1000" i="1" dirty="0">
-                <a:effectLst/>
-                <a:latin typeface="Helvetica" pitchFamily="2" charset="0"/>
-              </a:rPr>
-              <a:t>expanded machine learning mechanisms which increases training</a:t>
-            </a:r>
-            <a:endParaRPr lang="en-US" sz="1000" dirty="0">
-              <a:effectLst/>
-              <a:latin typeface="Helvetica" pitchFamily="2" charset="0"/>
-            </a:endParaRPr>
-          </a:p>
-          <a:p>
-            <a:r>
-              <a:rPr lang="en-US" sz="1000" i="1" dirty="0">
-                <a:effectLst/>
-                <a:latin typeface="Helvetica" pitchFamily="2" charset="0"/>
-              </a:rPr>
-              <a:t>and inference times. The NSL-KDD and CIC-IDS-2018</a:t>
-            </a:r>
-            <a:endParaRPr lang="en-US" sz="1000" dirty="0">
-              <a:effectLst/>
-              <a:latin typeface="Helvetica" pitchFamily="2" charset="0"/>
-            </a:endParaRPr>
-          </a:p>
-          <a:p>
-            <a:r>
-              <a:rPr lang="en-US" sz="1000" i="1" dirty="0">
-                <a:effectLst/>
-                <a:latin typeface="Helvetica" pitchFamily="2" charset="0"/>
-              </a:rPr>
-              <a:t>datasets suffer from missing data samples within their datasets.</a:t>
-            </a:r>
-            <a:endParaRPr lang="en-US" sz="1000" dirty="0">
-              <a:effectLst/>
-              <a:latin typeface="Helvetica" pitchFamily="2" charset="0"/>
-            </a:endParaRPr>
-          </a:p>
-          <a:p>
-            <a:r>
-              <a:rPr lang="en-US" sz="1000" i="1" dirty="0">
-                <a:effectLst/>
-                <a:latin typeface="Helvetica" pitchFamily="2" charset="0"/>
-              </a:rPr>
-              <a:t>Many of these datasets also suffer from the issue of containing</a:t>
-            </a:r>
-            <a:endParaRPr lang="en-US" sz="1000" dirty="0">
-              <a:effectLst/>
-              <a:latin typeface="Helvetica" pitchFamily="2" charset="0"/>
-            </a:endParaRPr>
-          </a:p>
-          <a:p>
-            <a:r>
-              <a:rPr lang="en-US" sz="1000" i="1" dirty="0">
-                <a:effectLst/>
-                <a:latin typeface="Helvetica" pitchFamily="2" charset="0"/>
-              </a:rPr>
-              <a:t>inadequately modeled tail classes which leads to inconsistent</a:t>
-            </a:r>
-            <a:endParaRPr lang="en-US" sz="1000" dirty="0">
-              <a:effectLst/>
-              <a:latin typeface="Helvetica" pitchFamily="2" charset="0"/>
-            </a:endParaRPr>
-          </a:p>
-          <a:p>
-            <a:r>
-              <a:rPr lang="en-US" sz="1000" i="1" dirty="0">
-                <a:effectLst/>
-                <a:latin typeface="Helvetica" pitchFamily="2" charset="0"/>
-              </a:rPr>
-              <a:t>performance.</a:t>
-            </a:r>
-            <a:endParaRPr lang="en-US" sz="1000" dirty="0">
-              <a:effectLst/>
-              <a:latin typeface="Helvetica" pitchFamily="2" charset="0"/>
-            </a:endParaRPr>
-          </a:p>
-          <a:p>
-            <a:r>
-              <a:rPr lang="en-US" sz="1000" i="1" dirty="0">
-                <a:effectLst/>
-                <a:latin typeface="Helvetica" pitchFamily="2" charset="0"/>
-              </a:rPr>
-              <a:t>For more effective intrusion detection, we need to ensure</a:t>
-            </a:r>
-            <a:endParaRPr lang="en-US" sz="1000" dirty="0">
-              <a:effectLst/>
-              <a:latin typeface="Helvetica" pitchFamily="2" charset="0"/>
-            </a:endParaRPr>
-          </a:p>
-          <a:p>
-            <a:r>
-              <a:rPr lang="en-US" sz="1000" i="1" dirty="0">
-                <a:effectLst/>
-                <a:latin typeface="Helvetica" pitchFamily="2" charset="0"/>
-              </a:rPr>
-              <a:t>that a dataset contains a wide variety of intrusion categories.</a:t>
-            </a:r>
-            <a:endParaRPr lang="en-US" sz="1000" dirty="0">
-              <a:effectLst/>
-              <a:latin typeface="Helvetica" pitchFamily="2" charset="0"/>
-            </a:endParaRPr>
-          </a:p>
-          <a:p>
-            <a:r>
-              <a:rPr lang="en-US" sz="1000" i="1" dirty="0">
-                <a:effectLst/>
-                <a:latin typeface="Helvetica" pitchFamily="2" charset="0"/>
-              </a:rPr>
-              <a:t>We also need to make sure that it is complete as missing data</a:t>
-            </a:r>
-            <a:endParaRPr lang="en-US" sz="1000" dirty="0">
-              <a:effectLst/>
-              <a:latin typeface="Helvetica" pitchFamily="2" charset="0"/>
-            </a:endParaRPr>
-          </a:p>
-          <a:p>
-            <a:r>
-              <a:rPr lang="en-US" sz="1000" i="1" dirty="0">
-                <a:effectLst/>
-                <a:latin typeface="Helvetica" pitchFamily="2" charset="0"/>
-              </a:rPr>
-              <a:t>can negatively impact the performance of prediction models.</a:t>
-            </a:r>
-            <a:endParaRPr lang="en-US" sz="1000" dirty="0">
-              <a:effectLst/>
-              <a:latin typeface="Helvetica" pitchFamily="2" charset="0"/>
-            </a:endParaRPr>
-          </a:p>
-          <a:p>
-            <a:r>
-              <a:rPr lang="en-US" sz="1000" i="1" dirty="0">
-                <a:effectLst/>
-                <a:latin typeface="Helvetica" pitchFamily="2" charset="0"/>
-              </a:rPr>
-              <a:t>The primary usage of port level statistics, in conjunction with</a:t>
-            </a:r>
-            <a:endParaRPr lang="en-US" sz="1000" dirty="0">
-              <a:effectLst/>
-              <a:latin typeface="Helvetica" pitchFamily="2" charset="0"/>
-            </a:endParaRPr>
-          </a:p>
-          <a:p>
-            <a:r>
-              <a:rPr lang="en-US" sz="1000" i="1" dirty="0">
-                <a:effectLst/>
-                <a:latin typeface="Helvetica" pitchFamily="2" charset="0"/>
-              </a:rPr>
-              <a:t>some flow statistics, for NIDS is another attractive research</a:t>
-            </a:r>
-            <a:endParaRPr lang="en-US" sz="1000" dirty="0">
-              <a:effectLst/>
-              <a:latin typeface="Helvetica" pitchFamily="2" charset="0"/>
-            </a:endParaRPr>
-          </a:p>
-          <a:p>
-            <a:r>
-              <a:rPr lang="en-US" sz="1000" i="1" dirty="0">
-                <a:effectLst/>
-                <a:latin typeface="Helvetica" pitchFamily="2" charset="0"/>
-              </a:rPr>
-              <a:t>direction that can be employed to check their efficacy at</a:t>
-            </a:r>
-            <a:endParaRPr lang="en-US" sz="1000" dirty="0">
-              <a:effectLst/>
-              <a:latin typeface="Helvetica" pitchFamily="2" charset="0"/>
-            </a:endParaRPr>
-          </a:p>
-          <a:p>
-            <a:r>
-              <a:rPr lang="en-US" sz="1000" i="1" dirty="0">
-                <a:effectLst/>
-                <a:latin typeface="Helvetica" pitchFamily="2" charset="0"/>
-              </a:rPr>
-              <a:t>detecting network intrusions. Lastly, it is critical to ensure</a:t>
-            </a:r>
-            <a:endParaRPr lang="en-US" sz="1000" dirty="0">
-              <a:effectLst/>
-              <a:latin typeface="Helvetica" pitchFamily="2" charset="0"/>
-            </a:endParaRPr>
-          </a:p>
-          <a:p>
-            <a:r>
-              <a:rPr lang="en-US" sz="1000" i="1" dirty="0">
-                <a:effectLst/>
-                <a:latin typeface="Helvetica" pitchFamily="2" charset="0"/>
-              </a:rPr>
-              <a:t>that tail classes have adequate representation so that prediction</a:t>
-            </a:r>
-            <a:endParaRPr lang="en-US" sz="1000" dirty="0">
-              <a:effectLst/>
-              <a:latin typeface="Helvetica" pitchFamily="2" charset="0"/>
-            </a:endParaRPr>
-          </a:p>
-          <a:p>
-            <a:r>
-              <a:rPr lang="en-US" sz="1000" i="1" dirty="0">
-                <a:effectLst/>
-                <a:latin typeface="Helvetica" pitchFamily="2" charset="0"/>
-              </a:rPr>
-              <a:t>models can accurately capture their unique behavior and attain</a:t>
-            </a:r>
-            <a:endParaRPr lang="en-US" sz="1000" dirty="0">
-              <a:effectLst/>
-              <a:latin typeface="Helvetica" pitchFamily="2" charset="0"/>
-            </a:endParaRPr>
-          </a:p>
-          <a:p>
-            <a:r>
-              <a:rPr lang="en-US" sz="1000" i="1" dirty="0">
-                <a:effectLst/>
-                <a:latin typeface="Helvetica" pitchFamily="2" charset="0"/>
-              </a:rPr>
-              <a:t>high performance.</a:t>
-            </a:r>
-            <a:endParaRPr lang="en-US" sz="1000" dirty="0">
-              <a:effectLst/>
-              <a:latin typeface="Helvetica" pitchFamily="2" charset="0"/>
-            </a:endParaRPr>
-          </a:p>
-          <a:p>
             <a:pPr indent="0">
               <a:buNone/>
             </a:pPr>
@@ -17043,10 +16159,84 @@
           </a:p>
         </p:txBody>
       </p:sp>
+      <p:pic>
+        <p:nvPicPr>
+          <p:cNvPr id="3" name="Picture 2">
+            <a:extLst>
+              <a:ext uri="{FF2B5EF4-FFF2-40B4-BE49-F238E27FC236}">
+                <a16:creationId xmlns:a16="http://schemas.microsoft.com/office/drawing/2014/main" id="{3441169C-5BD5-AF22-8DB2-518822239CC5}"/>
+              </a:ext>
+            </a:extLst>
+          </p:cNvPr>
+          <p:cNvPicPr>
+            <a:picLocks noChangeAspect="1"/>
+          </p:cNvPicPr>
+          <p:nvPr/>
+        </p:nvPicPr>
+        <p:blipFill>
+          <a:blip r:embed="rId3"/>
+          <a:stretch>
+            <a:fillRect/>
+          </a:stretch>
+        </p:blipFill>
+        <p:spPr>
+          <a:xfrm>
+            <a:off x="245738" y="1313576"/>
+            <a:ext cx="4249507" cy="3164764"/>
+          </a:xfrm>
+          <a:prstGeom prst="rect">
+            <a:avLst/>
+          </a:prstGeom>
+          <a:ln>
+            <a:solidFill>
+              <a:schemeClr val="tx1">
+                <a:lumMod val="50000"/>
+              </a:schemeClr>
+            </a:solidFill>
+          </a:ln>
+        </p:spPr>
+      </p:pic>
+      <p:pic>
+        <p:nvPicPr>
+          <p:cNvPr id="7" name="Picture 6">
+            <a:extLst>
+              <a:ext uri="{FF2B5EF4-FFF2-40B4-BE49-F238E27FC236}">
+                <a16:creationId xmlns:a16="http://schemas.microsoft.com/office/drawing/2014/main" id="{D5CBBE0B-6B41-FF11-7091-F9F269D793C3}"/>
+              </a:ext>
+            </a:extLst>
+          </p:cNvPr>
+          <p:cNvPicPr>
+            <a:picLocks noChangeAspect="1"/>
+          </p:cNvPicPr>
+          <p:nvPr/>
+        </p:nvPicPr>
+        <p:blipFill>
+          <a:blip r:embed="rId4"/>
+          <a:stretch>
+            <a:fillRect/>
+          </a:stretch>
+        </p:blipFill>
+        <p:spPr>
+          <a:xfrm>
+            <a:off x="4545992" y="1411550"/>
+            <a:ext cx="4193021" cy="2897795"/>
+          </a:xfrm>
+          <a:prstGeom prst="rect">
+            <a:avLst/>
+          </a:prstGeom>
+          <a:ln>
+            <a:solidFill>
+              <a:schemeClr val="tx1">
+                <a:lumMod val="50000"/>
+              </a:schemeClr>
+            </a:solidFill>
+          </a:ln>
+        </p:spPr>
+      </p:pic>
     </p:spTree>
     <p:extLst>
       <p:ext uri="{BB962C8B-B14F-4D97-AF65-F5344CB8AC3E}">
-        <p14:creationId xmlns:p14="http://schemas.microsoft.com/office/powerpoint/2010/main" val="1392926375"/>
+        <p14:creationId xmlns:p14="http://schemas.microsoft.com/office/powerpoint/2010/main" val="1444077263"/>
       </p:ext>
     </p:extLst>
   </p:cSld>
@@ -17130,7 +16320,7 @@
         </p:nvSpPr>
         <p:spPr>
           <a:xfrm>
-            <a:off x="311700" y="1187758"/>
+            <a:off x="311700" y="1152475"/>
             <a:ext cx="8520600" cy="3416400"/>
           </a:xfrm>
           <a:prstGeom prst="rect">
@@ -17163,6 +16353,358 @@
             <a:endParaRPr lang="en-US" sz="1200" dirty="0"/>
           </a:p>
           <a:p>
+            <a:pPr marL="107948" indent="0">
+              <a:buNone/>
+            </a:pPr>
+            <a:r>
+              <a:rPr lang="en-US" sz="1000" i="1" dirty="0">
+                <a:effectLst/>
+                <a:latin typeface="Helvetica" pitchFamily="2" charset="0"/>
+              </a:rPr>
+              <a:t>As mentioned above, the three prominent NIDS datasets</a:t>
+            </a:r>
+            <a:endParaRPr lang="en-US" sz="1000" dirty="0">
+              <a:effectLst/>
+              <a:latin typeface="Helvetica" pitchFamily="2" charset="0"/>
+            </a:endParaRPr>
+          </a:p>
+          <a:p>
+            <a:pPr marL="107948" indent="0">
+              <a:buNone/>
+            </a:pPr>
+            <a:r>
+              <a:rPr lang="en-US" sz="1000" i="1" dirty="0">
+                <a:effectLst/>
+                <a:latin typeface="Helvetica" pitchFamily="2" charset="0"/>
+              </a:rPr>
+              <a:t>are NSL-KDD [5], CIC-IDS-2018 [6], and UNSW-NB15 [3].</a:t>
+            </a:r>
+            <a:endParaRPr lang="en-US" sz="1000" dirty="0">
+              <a:effectLst/>
+              <a:latin typeface="Helvetica" pitchFamily="2" charset="0"/>
+            </a:endParaRPr>
+          </a:p>
+          <a:p>
+            <a:pPr marL="107948" indent="0">
+              <a:buNone/>
+            </a:pPr>
+            <a:r>
+              <a:rPr lang="en-US" sz="1000" i="1" dirty="0">
+                <a:effectLst/>
+                <a:latin typeface="Helvetica" pitchFamily="2" charset="0"/>
+              </a:rPr>
+              <a:t>These datasets also have several limitations. For instance,</a:t>
+            </a:r>
+            <a:endParaRPr lang="en-US" sz="1000" dirty="0">
+              <a:effectLst/>
+              <a:latin typeface="Helvetica" pitchFamily="2" charset="0"/>
+            </a:endParaRPr>
+          </a:p>
+          <a:p>
+            <a:pPr marL="107948" indent="0">
+              <a:buNone/>
+            </a:pPr>
+            <a:r>
+              <a:rPr lang="en-US" sz="1000" i="1" dirty="0">
+                <a:effectLst/>
+                <a:latin typeface="Helvetica" pitchFamily="2" charset="0"/>
+              </a:rPr>
+              <a:t>the UNSW-NB15 suffers from inconsistent performance for</a:t>
+            </a:r>
+            <a:endParaRPr lang="en-US" sz="1000" dirty="0">
+              <a:effectLst/>
+              <a:latin typeface="Helvetica" pitchFamily="2" charset="0"/>
+            </a:endParaRPr>
+          </a:p>
+          <a:p>
+            <a:pPr marL="107948" indent="0">
+              <a:buNone/>
+            </a:pPr>
+            <a:r>
+              <a:rPr lang="en-US" sz="1000" i="1" dirty="0">
+                <a:effectLst/>
+                <a:latin typeface="Helvetica" pitchFamily="2" charset="0"/>
+              </a:rPr>
+              <a:t>machine learning classifiers. It requires more rigorous and</a:t>
+            </a:r>
+            <a:endParaRPr lang="en-US" sz="1000" dirty="0">
+              <a:effectLst/>
+              <a:latin typeface="Helvetica" pitchFamily="2" charset="0"/>
+            </a:endParaRPr>
+          </a:p>
+          <a:p>
+            <a:pPr marL="107948" indent="0">
+              <a:buNone/>
+            </a:pPr>
+            <a:r>
+              <a:rPr lang="en-US" sz="1000" i="1" dirty="0">
+                <a:effectLst/>
+                <a:latin typeface="Helvetica" pitchFamily="2" charset="0"/>
+              </a:rPr>
+              <a:t>expanded machine learning mechanisms which increases training</a:t>
+            </a:r>
+            <a:endParaRPr lang="en-US" sz="1000" dirty="0">
+              <a:effectLst/>
+              <a:latin typeface="Helvetica" pitchFamily="2" charset="0"/>
+            </a:endParaRPr>
+          </a:p>
+          <a:p>
+            <a:pPr marL="107948" indent="0">
+              <a:buNone/>
+            </a:pPr>
+            <a:r>
+              <a:rPr lang="en-US" sz="1000" i="1" dirty="0">
+                <a:effectLst/>
+                <a:latin typeface="Helvetica" pitchFamily="2" charset="0"/>
+              </a:rPr>
+              <a:t>and inference times. The NSL-KDD and CIC-IDS-2018</a:t>
+            </a:r>
+            <a:endParaRPr lang="en-US" sz="1000" dirty="0">
+              <a:effectLst/>
+              <a:latin typeface="Helvetica" pitchFamily="2" charset="0"/>
+            </a:endParaRPr>
+          </a:p>
+          <a:p>
+            <a:pPr marL="107948" indent="0">
+              <a:buNone/>
+            </a:pPr>
+            <a:r>
+              <a:rPr lang="en-US" sz="1000" i="1" dirty="0">
+                <a:effectLst/>
+                <a:latin typeface="Helvetica" pitchFamily="2" charset="0"/>
+              </a:rPr>
+              <a:t>datasets suffer from missing data samples within their datasets.</a:t>
+            </a:r>
+            <a:endParaRPr lang="en-US" sz="1000" dirty="0">
+              <a:effectLst/>
+              <a:latin typeface="Helvetica" pitchFamily="2" charset="0"/>
+            </a:endParaRPr>
+          </a:p>
+          <a:p>
+            <a:pPr marL="107948" indent="0">
+              <a:buNone/>
+            </a:pPr>
+            <a:r>
+              <a:rPr lang="en-US" sz="1000" i="1" dirty="0">
+                <a:effectLst/>
+                <a:latin typeface="Helvetica" pitchFamily="2" charset="0"/>
+              </a:rPr>
+              <a:t>Many of these datasets also suffer from the issue of containing</a:t>
+            </a:r>
+            <a:endParaRPr lang="en-US" sz="1000" dirty="0">
+              <a:effectLst/>
+              <a:latin typeface="Helvetica" pitchFamily="2" charset="0"/>
+            </a:endParaRPr>
+          </a:p>
+          <a:p>
+            <a:pPr marL="107948" indent="0">
+              <a:buNone/>
+            </a:pPr>
+            <a:r>
+              <a:rPr lang="en-US" sz="1000" i="1" dirty="0">
+                <a:effectLst/>
+                <a:latin typeface="Helvetica" pitchFamily="2" charset="0"/>
+              </a:rPr>
+              <a:t>inadequately modeled tail classes which leads to inconsistent</a:t>
+            </a:r>
+            <a:endParaRPr lang="en-US" sz="1000" dirty="0">
+              <a:effectLst/>
+              <a:latin typeface="Helvetica" pitchFamily="2" charset="0"/>
+            </a:endParaRPr>
+          </a:p>
+          <a:p>
+            <a:pPr marL="107948" indent="0">
+              <a:buNone/>
+            </a:pPr>
+            <a:r>
+              <a:rPr lang="en-US" sz="1000" i="1" dirty="0">
+                <a:effectLst/>
+                <a:latin typeface="Helvetica" pitchFamily="2" charset="0"/>
+              </a:rPr>
+              <a:t>performance.</a:t>
+            </a:r>
+            <a:endParaRPr lang="en-US" sz="1000" dirty="0">
+              <a:effectLst/>
+              <a:latin typeface="Helvetica" pitchFamily="2" charset="0"/>
+            </a:endParaRPr>
+          </a:p>
+          <a:p>
+            <a:pPr marL="107948" indent="0">
+              <a:buNone/>
+            </a:pPr>
+            <a:r>
+              <a:rPr lang="en-US" sz="1000" i="1" dirty="0">
+                <a:effectLst/>
+                <a:latin typeface="Helvetica" pitchFamily="2" charset="0"/>
+              </a:rPr>
+              <a:t>For more effective intrusion detection, we need to ensure</a:t>
+            </a:r>
+            <a:endParaRPr lang="en-US" sz="1000" dirty="0">
+              <a:effectLst/>
+              <a:latin typeface="Helvetica" pitchFamily="2" charset="0"/>
+            </a:endParaRPr>
+          </a:p>
+          <a:p>
+            <a:pPr marL="107948" indent="0">
+              <a:buNone/>
+            </a:pPr>
+            <a:r>
+              <a:rPr lang="en-US" sz="1000" i="1" dirty="0">
+                <a:effectLst/>
+                <a:latin typeface="Helvetica" pitchFamily="2" charset="0"/>
+              </a:rPr>
+              <a:t>that a dataset contains a wide variety of intrusion categories.</a:t>
+            </a:r>
+            <a:endParaRPr lang="en-US" sz="1000" dirty="0">
+              <a:effectLst/>
+              <a:latin typeface="Helvetica" pitchFamily="2" charset="0"/>
+            </a:endParaRPr>
+          </a:p>
+          <a:p>
+            <a:pPr marL="107948" indent="0">
+              <a:buNone/>
+            </a:pPr>
+            <a:r>
+              <a:rPr lang="en-US" sz="1000" i="1" dirty="0">
+                <a:effectLst/>
+                <a:latin typeface="Helvetica" pitchFamily="2" charset="0"/>
+              </a:rPr>
+              <a:t>We also need to make sure that it is complete as missing data</a:t>
+            </a:r>
+            <a:endParaRPr lang="en-US" sz="1000" dirty="0">
+              <a:effectLst/>
+              <a:latin typeface="Helvetica" pitchFamily="2" charset="0"/>
+            </a:endParaRPr>
+          </a:p>
+          <a:p>
+            <a:pPr marL="107948" indent="0">
+              <a:buNone/>
+            </a:pPr>
+            <a:r>
+              <a:rPr lang="en-US" sz="1000" i="1" dirty="0">
+                <a:effectLst/>
+                <a:latin typeface="Helvetica" pitchFamily="2" charset="0"/>
+              </a:rPr>
+              <a:t>can negatively impact the performance of prediction models.</a:t>
+            </a:r>
+            <a:endParaRPr lang="en-US" sz="1000" dirty="0">
+              <a:effectLst/>
+              <a:latin typeface="Helvetica" pitchFamily="2" charset="0"/>
+            </a:endParaRPr>
+          </a:p>
+          <a:p>
+            <a:pPr marL="107948" indent="0">
+              <a:buNone/>
+            </a:pPr>
+            <a:r>
+              <a:rPr lang="en-US" sz="1000" i="1" dirty="0">
+                <a:effectLst/>
+                <a:latin typeface="Helvetica" pitchFamily="2" charset="0"/>
+              </a:rPr>
+              <a:t>The primary usage of port level statistics, in conjunction with</a:t>
+            </a:r>
+            <a:endParaRPr lang="en-US" sz="1000" dirty="0">
+              <a:effectLst/>
+              <a:latin typeface="Helvetica" pitchFamily="2" charset="0"/>
+            </a:endParaRPr>
+          </a:p>
+          <a:p>
+            <a:pPr marL="107948" indent="0">
+              <a:buNone/>
+            </a:pPr>
+            <a:r>
+              <a:rPr lang="en-US" sz="1000" i="1" dirty="0">
+                <a:effectLst/>
+                <a:latin typeface="Helvetica" pitchFamily="2" charset="0"/>
+              </a:rPr>
+              <a:t>some flow statistics, for NIDS is another attractive research</a:t>
+            </a:r>
+            <a:endParaRPr lang="en-US" sz="1000" dirty="0">
+              <a:effectLst/>
+              <a:latin typeface="Helvetica" pitchFamily="2" charset="0"/>
+            </a:endParaRPr>
+          </a:p>
+          <a:p>
+            <a:pPr marL="107948" indent="0">
+              <a:buNone/>
+            </a:pPr>
+            <a:r>
+              <a:rPr lang="en-US" sz="1000" i="1" dirty="0">
+                <a:effectLst/>
+                <a:latin typeface="Helvetica" pitchFamily="2" charset="0"/>
+              </a:rPr>
+              <a:t>direction that can be employed to check their efficacy at</a:t>
+            </a:r>
+            <a:endParaRPr lang="en-US" sz="1000" dirty="0">
+              <a:effectLst/>
+              <a:latin typeface="Helvetica" pitchFamily="2" charset="0"/>
+            </a:endParaRPr>
+          </a:p>
+          <a:p>
+            <a:pPr marL="107948" indent="0">
+              <a:buNone/>
+            </a:pPr>
+            <a:r>
+              <a:rPr lang="en-US" sz="1000" i="1" dirty="0">
+                <a:effectLst/>
+                <a:latin typeface="Helvetica" pitchFamily="2" charset="0"/>
+              </a:rPr>
+              <a:t>detecting network intrusions. Lastly, it is critical to ensure</a:t>
+            </a:r>
+            <a:endParaRPr lang="en-US" sz="1000" dirty="0">
+              <a:effectLst/>
+              <a:latin typeface="Helvetica" pitchFamily="2" charset="0"/>
+            </a:endParaRPr>
+          </a:p>
+          <a:p>
+            <a:pPr marL="107948" indent="0">
+              <a:buNone/>
+            </a:pPr>
+            <a:r>
+              <a:rPr lang="en-US" sz="1000" i="1" dirty="0">
+                <a:effectLst/>
+                <a:latin typeface="Helvetica" pitchFamily="2" charset="0"/>
+              </a:rPr>
+              <a:t>that tail classes have adequate representation so that prediction</a:t>
+            </a:r>
+            <a:endParaRPr lang="en-US" sz="1000" dirty="0">
+              <a:effectLst/>
+              <a:latin typeface="Helvetica" pitchFamily="2" charset="0"/>
+            </a:endParaRPr>
+          </a:p>
+          <a:p>
+            <a:pPr marL="107948" indent="0">
+              <a:buNone/>
+            </a:pPr>
+            <a:r>
+              <a:rPr lang="en-US" sz="1000" i="1" dirty="0">
+                <a:effectLst/>
+                <a:latin typeface="Helvetica" pitchFamily="2" charset="0"/>
+              </a:rPr>
+              <a:t>models can accurately capture their unique behavior and attain</a:t>
+            </a:r>
+            <a:endParaRPr lang="en-US" sz="1000" dirty="0">
+              <a:effectLst/>
+              <a:latin typeface="Helvetica" pitchFamily="2" charset="0"/>
+            </a:endParaRPr>
+          </a:p>
+          <a:p>
+            <a:pPr marL="107948" indent="0">
+              <a:buNone/>
+            </a:pPr>
+            <a:r>
+              <a:rPr lang="en-US" sz="1000" i="1" dirty="0">
+                <a:effectLst/>
+                <a:latin typeface="Helvetica" pitchFamily="2" charset="0"/>
+              </a:rPr>
+              <a:t>high performance.</a:t>
+            </a:r>
+            <a:endParaRPr lang="en-US" sz="1000" dirty="0">
+              <a:effectLst/>
+              <a:latin typeface="Helvetica" pitchFamily="2" charset="0"/>
+            </a:endParaRPr>
+          </a:p>
+          <a:p>
             <a:pPr indent="0">
               <a:buNone/>
             </a:pPr>
@@ -17170,84 +16712,10 @@
           </a:p>
         </p:txBody>
       </p:sp>
-      <p:pic>
-        <p:nvPicPr>
-          <p:cNvPr id="3" name="Picture 2">
-            <a:extLst>
-              <a:ext uri="{FF2B5EF4-FFF2-40B4-BE49-F238E27FC236}">
-                <a16:creationId xmlns:a16="http://schemas.microsoft.com/office/drawing/2014/main" id="{3441169C-5BD5-AF22-8DB2-518822239CC5}"/>
-              </a:ext>
-            </a:extLst>
-          </p:cNvPr>
-          <p:cNvPicPr>
-            <a:picLocks noChangeAspect="1"/>
-          </p:cNvPicPr>
-          <p:nvPr/>
-        </p:nvPicPr>
-        <p:blipFill>
-          <a:blip r:embed="rId3"/>
-          <a:stretch>
-            <a:fillRect/>
-          </a:stretch>
-        </p:blipFill>
-        <p:spPr>
-          <a:xfrm>
-            <a:off x="245738" y="1313576"/>
-            <a:ext cx="4249507" cy="3164764"/>
-          </a:xfrm>
-          <a:prstGeom prst="rect">
-            <a:avLst/>
-          </a:prstGeom>
-          <a:ln>
-            <a:solidFill>
-              <a:schemeClr val="tx1">
-                <a:lumMod val="50000"/>
-              </a:schemeClr>
-            </a:solidFill>
-          </a:ln>
-        </p:spPr>
-      </p:pic>
-      <p:pic>
-        <p:nvPicPr>
-          <p:cNvPr id="7" name="Picture 6">
-            <a:extLst>
-              <a:ext uri="{FF2B5EF4-FFF2-40B4-BE49-F238E27FC236}">
-                <a16:creationId xmlns:a16="http://schemas.microsoft.com/office/drawing/2014/main" id="{D5CBBE0B-6B41-FF11-7091-F9F269D793C3}"/>
-              </a:ext>
-            </a:extLst>
-          </p:cNvPr>
-          <p:cNvPicPr>
-            <a:picLocks noChangeAspect="1"/>
-          </p:cNvPicPr>
-          <p:nvPr/>
-        </p:nvPicPr>
-        <p:blipFill>
-          <a:blip r:embed="rId4"/>
-          <a:stretch>
-            <a:fillRect/>
-          </a:stretch>
-        </p:blipFill>
-        <p:spPr>
-          <a:xfrm>
-            <a:off x="4545992" y="1411550"/>
-            <a:ext cx="4193021" cy="2897795"/>
-          </a:xfrm>
-          <a:prstGeom prst="rect">
-            <a:avLst/>
-          </a:prstGeom>
-          <a:ln>
-            <a:solidFill>
-              <a:schemeClr val="tx1">
-                <a:lumMod val="50000"/>
-              </a:schemeClr>
-            </a:solidFill>
-          </a:ln>
-        </p:spPr>
-      </p:pic>
     </p:spTree>
     <p:extLst>
       <p:ext uri="{BB962C8B-B14F-4D97-AF65-F5344CB8AC3E}">
-        <p14:creationId xmlns:p14="http://schemas.microsoft.com/office/powerpoint/2010/main" val="1444077263"/>
+        <p14:creationId xmlns:p14="http://schemas.microsoft.com/office/powerpoint/2010/main" val="1392926375"/>
       </p:ext>
     </p:extLst>
   </p:cSld>
@@ -20787,7 +20255,7 @@
               <a:buChar char="•"/>
             </a:pPr>
             <a:r>
-              <a:rPr lang="en-SG" sz="1400" b="1" dirty="0">
+              <a:rPr lang="en-SG" sz="1600" b="1" dirty="0">
                 <a:solidFill>
                   <a:schemeClr val="bg2"/>
                 </a:solidFill>
@@ -20798,7 +20266,7 @@
               <a:t>Network infrastructures are at risk from cyber-attacks and intrusions.</a:t>
             </a:r>
             <a:r>
-              <a:rPr lang="en-US" sz="1400" b="1" dirty="0">
+              <a:rPr lang="en-US" sz="1600" b="1" dirty="0">
                 <a:solidFill>
                   <a:schemeClr val="bg2"/>
                 </a:solidFill>
@@ -20813,7 +20281,7 @@
               <a:buFont typeface="Arial" panose="020B0604020202020204" pitchFamily="34" charset="0"/>
               <a:buChar char="•"/>
             </a:pPr>
-            <a:endParaRPr sz="1400" b="1" dirty="0">
+            <a:endParaRPr sz="1600" b="1" dirty="0">
               <a:solidFill>
                 <a:schemeClr val="bg2"/>
               </a:solidFill>
@@ -20826,7 +20294,7 @@
               <a:buChar char="•"/>
             </a:pPr>
             <a:r>
-              <a:rPr lang="en-US" sz="1400" b="1" dirty="0">
+              <a:rPr lang="en-US" sz="1600" b="1" dirty="0">
                 <a:solidFill>
                   <a:schemeClr val="bg2"/>
                 </a:solidFill>
@@ -20840,7 +20308,7 @@
               <a:buFont typeface="Arial" panose="020B0604020202020204" pitchFamily="34" charset="0"/>
               <a:buChar char="•"/>
             </a:pPr>
-            <a:endParaRPr sz="1400" b="1" dirty="0">
+            <a:endParaRPr sz="1600" b="1" dirty="0">
               <a:solidFill>
                 <a:schemeClr val="bg2"/>
               </a:solidFill>
@@ -20853,7 +20321,7 @@
               <a:buChar char="•"/>
             </a:pPr>
             <a:r>
-              <a:rPr lang="en-SG" sz="1400" b="1" dirty="0">
+              <a:rPr lang="en-SG" sz="1600" b="1" dirty="0">
                 <a:solidFill>
                   <a:schemeClr val="bg2"/>
                 </a:solidFill>
@@ -20863,7 +20331,7 @@
               <a:t>C</a:t>
             </a:r>
             <a:r>
-              <a:rPr lang="en-SG" sz="1400" b="1" dirty="0">
+              <a:rPr lang="en-SG" sz="1600" b="1" dirty="0">
                 <a:solidFill>
                   <a:schemeClr val="bg2"/>
                 </a:solidFill>
@@ -20874,7 +20342,7 @@
               <a:t>yber-attacks and intrusions can compromise their availability, confidentiality, and integrity</a:t>
             </a:r>
             <a:r>
-              <a:rPr lang="en-US" sz="1400" b="1" dirty="0">
+              <a:rPr lang="en-US" sz="1600" b="1" dirty="0">
                 <a:solidFill>
                   <a:schemeClr val="bg2"/>
                 </a:solidFill>
@@ -20885,10 +20353,93 @@
               <a:t>.</a:t>
             </a:r>
             <a:r>
-              <a:rPr lang="en-US" sz="1400" b="1" dirty="0">
+              <a:rPr lang="en-US" sz="1600" b="1" dirty="0">
                 <a:solidFill>
                   <a:schemeClr val="bg2"/>
                 </a:solidFill>
+                <a:latin typeface="Proxima Nova" panose="020B0604020202020204" charset="0"/>
+              </a:rPr>
+              <a:t> </a:t>
+            </a:r>
+          </a:p>
+          <a:p>
+            <a:pPr>
+              <a:buFont typeface="Arial" panose="020B0604020202020204" pitchFamily="34" charset="0"/>
+              <a:buChar char="•"/>
+            </a:pPr>
+            <a:endParaRPr lang="en-US" sz="1600" b="1" dirty="0">
+              <a:solidFill>
+                <a:schemeClr val="bg2"/>
+              </a:solidFill>
+              <a:latin typeface="Proxima Nova" panose="020B0604020202020204" charset="0"/>
+            </a:endParaRPr>
+          </a:p>
+          <a:p>
+            <a:pPr>
+              <a:buFont typeface="Arial" panose="020B0604020202020204" pitchFamily="34" charset="0"/>
+              <a:buChar char="•"/>
+            </a:pPr>
+            <a:endParaRPr sz="1600" b="1" dirty="0">
+              <a:solidFill>
+                <a:schemeClr val="bg2"/>
+              </a:solidFill>
+              <a:latin typeface="Proxima Nova" panose="020B0604020202020204" charset="0"/>
+            </a:endParaRPr>
+          </a:p>
+          <a:p>
+            <a:pPr>
+              <a:buFont typeface="Arial" panose="020B0604020202020204" pitchFamily="34" charset="0"/>
+              <a:buChar char="•"/>
+            </a:pPr>
+            <a:r>
+              <a:rPr lang="en-SG" sz="1600" b="1" dirty="0">
+                <a:solidFill>
+                  <a:schemeClr val="bg2"/>
+                </a:solidFill>
+                <a:latin typeface="Proxima Nova" panose="020B0604020202020204" charset="0"/>
+                <a:ea typeface="Arial" panose="020B0604020202020204" pitchFamily="34" charset="0"/>
+              </a:rPr>
+              <a:t>But t</a:t>
+            </a:r>
+            <a:r>
+              <a:rPr lang="en-SG" sz="1600" b="1" dirty="0">
+                <a:solidFill>
+                  <a:schemeClr val="bg2"/>
+                </a:solidFill>
+                <a:effectLst/>
+                <a:latin typeface="Proxima Nova" panose="020B0604020202020204" charset="0"/>
+                <a:ea typeface="Arial" panose="020B0604020202020204" pitchFamily="34" charset="0"/>
+              </a:rPr>
+              <a:t>hese threats are difficult to detect </a:t>
+            </a:r>
+            <a:r>
+              <a:rPr lang="en-SG" sz="1600" b="1" i="1" u="sng" dirty="0">
+                <a:solidFill>
+                  <a:schemeClr val="bg2"/>
+                </a:solidFill>
+                <a:effectLst/>
+                <a:latin typeface="Proxima Nova" panose="020B0604020202020204" charset="0"/>
+                <a:ea typeface="Arial" panose="020B0604020202020204" pitchFamily="34" charset="0"/>
+              </a:rPr>
+              <a:t>unaided</a:t>
+            </a:r>
+            <a:r>
+              <a:rPr lang="en-SG" sz="1600" b="1" dirty="0">
+                <a:solidFill>
+                  <a:schemeClr val="bg2"/>
+                </a:solidFill>
+                <a:effectLst/>
+                <a:latin typeface="Proxima Nova" panose="020B0604020202020204" charset="0"/>
+                <a:ea typeface="Arial" panose="020B0604020202020204" pitchFamily="34" charset="0"/>
+              </a:rPr>
+              <a:t> because they display network traffic patterns almost indistinguishable from normal traffic.</a:t>
+            </a:r>
+            <a:r>
+              <a:rPr lang="en-US" sz="1600" b="1" dirty="0">
+                <a:solidFill>
+                  <a:schemeClr val="bg2"/>
+                </a:solidFill>
+                <a:effectLst/>
                 <a:latin typeface="Proxima Nova" panose="020B0604020202020204" charset="0"/>
               </a:rPr>
               <a:t> </a:t>
@@ -20911,132 +20462,37 @@
               <a:buFont typeface="Arial" panose="020B0604020202020204" pitchFamily="34" charset="0"/>
               <a:buChar char="•"/>
             </a:pPr>
+            <a:r>
+              <a:rPr lang="en-US" sz="1400" b="1" dirty="0">
+                <a:solidFill>
+                  <a:schemeClr val="bg1"/>
+                </a:solidFill>
+                <a:latin typeface="Proxima Nova" panose="020B0604020202020204" charset="0"/>
+              </a:rPr>
+              <a:t>[estimation of of losses due to network attacks: </a:t>
+            </a:r>
+            <a:r>
+              <a:rPr lang="en-US" sz="1400" b="1" dirty="0" err="1">
+                <a:solidFill>
+                  <a:schemeClr val="bg1"/>
+                </a:solidFill>
+                <a:latin typeface="Proxima Nova" panose="020B0604020202020204" charset="0"/>
+              </a:rPr>
+              <a:t>xxxx</a:t>
+            </a:r>
+            <a:r>
+              <a:rPr lang="en-US" sz="1400" b="1" dirty="0">
+                <a:solidFill>
+                  <a:schemeClr val="bg1"/>
+                </a:solidFill>
+                <a:latin typeface="Proxima Nova" panose="020B0604020202020204" charset="0"/>
+              </a:rPr>
+              <a:t>, Source xxx]</a:t>
+            </a:r>
             <a:endParaRPr sz="1400" b="1" dirty="0">
               <a:solidFill>
-                <a:schemeClr val="bg2"/>
+                <a:schemeClr val="bg1"/>
               </a:solidFill>
-              <a:latin typeface="Proxima Nova" panose="020B0604020202020204" charset="0"/>
-            </a:endParaRPr>
-          </a:p>
-          <a:p>
-            <a:pPr>
-              <a:buFont typeface="Arial" panose="020B0604020202020204" pitchFamily="34" charset="0"/>
-              <a:buChar char="•"/>
-            </a:pPr>
-            <a:r>
-              <a:rPr lang="en-SG" sz="1400" b="1" dirty="0">
-                <a:solidFill>
-                  <a:schemeClr val="bg2"/>
-                </a:solidFill>
-                <a:latin typeface="Proxima Nova" panose="020B0604020202020204" charset="0"/>
-                <a:ea typeface="Arial" panose="020B0604020202020204" pitchFamily="34" charset="0"/>
-              </a:rPr>
-              <a:t>But t</a:t>
-            </a:r>
-            <a:r>
-              <a:rPr lang="en-SG" sz="1400" b="1" dirty="0">
-                <a:solidFill>
-                  <a:schemeClr val="bg2"/>
-                </a:solidFill>
-                <a:effectLst/>
-                <a:latin typeface="Proxima Nova" panose="020B0604020202020204" charset="0"/>
-                <a:ea typeface="Arial" panose="020B0604020202020204" pitchFamily="34" charset="0"/>
-              </a:rPr>
-              <a:t>hese threats are difficult to detect </a:t>
-            </a:r>
-            <a:r>
-              <a:rPr lang="en-SG" sz="1400" b="1" i="1" u="sng" dirty="0">
-                <a:solidFill>
-                  <a:schemeClr val="bg2"/>
-                </a:solidFill>
-                <a:effectLst/>
-                <a:latin typeface="Proxima Nova" panose="020B0604020202020204" charset="0"/>
-                <a:ea typeface="Arial" panose="020B0604020202020204" pitchFamily="34" charset="0"/>
-              </a:rPr>
-              <a:t>unaided</a:t>
-            </a:r>
-            <a:r>
-              <a:rPr lang="en-SG" sz="1400" b="1" dirty="0">
-                <a:solidFill>
-                  <a:schemeClr val="bg2"/>
-                </a:solidFill>
-                <a:effectLst/>
-                <a:latin typeface="Proxima Nova" panose="020B0604020202020204" charset="0"/>
-                <a:ea typeface="Arial" panose="020B0604020202020204" pitchFamily="34" charset="0"/>
-              </a:rPr>
-              <a:t> because they display network traffic patterns almost indistinguishable from normal traffic.</a:t>
-            </a:r>
-            <a:r>
-              <a:rPr lang="en-US" sz="1400" b="1" dirty="0">
-                <a:solidFill>
-                  <a:schemeClr val="bg2"/>
-                </a:solidFill>
-                <a:effectLst/>
-                <a:latin typeface="Proxima Nova" panose="020B0604020202020204" charset="0"/>
-              </a:rPr>
-              <a:t> </a:t>
-            </a:r>
-          </a:p>
-          <a:p>
-            <a:pPr>
-              <a:buFont typeface="Arial" panose="020B0604020202020204" pitchFamily="34" charset="0"/>
-              <a:buChar char="•"/>
-            </a:pPr>
-            <a:endParaRPr lang="en-US" sz="1400" b="1" dirty="0">
-              <a:solidFill>
-                <a:schemeClr val="bg2"/>
-              </a:solidFill>
-              <a:latin typeface="Proxima Nova" panose="020B0604020202020204" charset="0"/>
-            </a:endParaRPr>
-          </a:p>
-          <a:p>
-            <a:pPr>
-              <a:buFont typeface="Arial" panose="020B0604020202020204" pitchFamily="34" charset="0"/>
-              <a:buChar char="•"/>
-            </a:pPr>
-            <a:r>
-              <a:rPr lang="en-US" sz="1400" b="1" dirty="0">
-                <a:solidFill>
-                  <a:schemeClr val="bg2"/>
-                </a:solidFill>
-                <a:highlight>
-                  <a:srgbClr val="FFFF00"/>
-                </a:highlight>
-                <a:latin typeface="Proxima Nova" panose="020B0604020202020204" charset="0"/>
-              </a:rPr>
-              <a:t>[estimation of of losses due to network attacks: </a:t>
-            </a:r>
-            <a:r>
-              <a:rPr lang="en-US" sz="1400" b="1" dirty="0" err="1">
-                <a:solidFill>
-                  <a:schemeClr val="bg2"/>
-                </a:solidFill>
-                <a:highlight>
-                  <a:srgbClr val="FFFF00"/>
-                </a:highlight>
-                <a:latin typeface="Proxima Nova" panose="020B0604020202020204" charset="0"/>
-              </a:rPr>
-              <a:t>xxxx</a:t>
-            </a:r>
-            <a:r>
-              <a:rPr lang="en-US" sz="1400" b="1" dirty="0">
-                <a:solidFill>
-                  <a:schemeClr val="bg2"/>
-                </a:solidFill>
-                <a:highlight>
-                  <a:srgbClr val="FFFF00"/>
-                </a:highlight>
-                <a:latin typeface="Proxima Nova" panose="020B0604020202020204" charset="0"/>
-              </a:rPr>
-              <a:t>, Source xxx]</a:t>
-            </a:r>
-            <a:endParaRPr sz="1400" b="1" dirty="0">
-              <a:solidFill>
-                <a:schemeClr val="bg2"/>
-              </a:solidFill>
-              <a:highlight>
-                <a:srgbClr val="FFFF00"/>
-              </a:highlight>
               <a:latin typeface="Proxima Nova" panose="020B0604020202020204" charset="0"/>
             </a:endParaRPr>
           </a:p>
@@ -23538,7 +22994,7 @@
               <a:buChar char="•"/>
             </a:pPr>
             <a:r>
-              <a:rPr lang="en-SG" sz="1400" b="1" dirty="0">
+              <a:rPr lang="en-SG" sz="1600" b="1" dirty="0">
                 <a:solidFill>
                   <a:schemeClr val="bg2"/>
                 </a:solidFill>
@@ -23548,7 +23004,7 @@
               <a:t>We propose developing a</a:t>
             </a:r>
             <a:r>
-              <a:rPr lang="en-SG" sz="1400" b="1" dirty="0">
+              <a:rPr lang="en-SG" sz="1600" b="1" dirty="0">
                 <a:solidFill>
                   <a:schemeClr val="bg2"/>
                 </a:solidFill>
@@ -23564,7 +23020,7 @@
               <a:buFont typeface="Arial" panose="020B0604020202020204" pitchFamily="34" charset="0"/>
               <a:buChar char="•"/>
             </a:pPr>
-            <a:endParaRPr lang="en-SG" sz="1400" b="1" dirty="0">
+            <a:endParaRPr lang="en-SG" sz="1600" b="1" dirty="0">
               <a:solidFill>
                 <a:schemeClr val="bg2"/>
               </a:solidFill>
@@ -23579,7 +23035,7 @@
               <a:buChar char="•"/>
             </a:pPr>
             <a:r>
-              <a:rPr lang="en-SG" sz="1400" b="1" dirty="0">
+              <a:rPr lang="en-SG" sz="1600" b="1" dirty="0">
                 <a:solidFill>
                   <a:schemeClr val="bg2"/>
                 </a:solidFill>
@@ -23601,7 +23057,7 @@
               <a:buChar char="o"/>
             </a:pPr>
             <a:r>
-              <a:rPr lang="en-SG" b="1" dirty="0">
+              <a:rPr lang="en-SG" sz="1600" b="1" dirty="0">
                 <a:solidFill>
                   <a:schemeClr val="bg2"/>
                 </a:solidFill>
@@ -23611,7 +23067,7 @@
               <a:t>alert</a:t>
             </a:r>
             <a:r>
-              <a:rPr lang="en-SG" b="1" dirty="0">
+              <a:rPr lang="en-SG" sz="1600" b="1" dirty="0">
                 <a:solidFill>
                   <a:schemeClr val="bg2"/>
                 </a:solidFill>
@@ -23622,7 +23078,7 @@
               <a:t> network administrators to take corrective action and minimize </a:t>
             </a:r>
             <a:r>
-              <a:rPr lang="en-SG" b="1" dirty="0">
+              <a:rPr lang="en-SG" sz="1600" b="1" dirty="0">
                 <a:solidFill>
                   <a:schemeClr val="bg2"/>
                 </a:solidFill>
@@ -23632,7 +23088,7 @@
               <a:t>its impact</a:t>
             </a:r>
             <a:r>
-              <a:rPr lang="en-SG" b="1" dirty="0">
+              <a:rPr lang="en-SG" sz="1600" b="1" dirty="0">
                 <a:solidFill>
                   <a:schemeClr val="bg2"/>
                 </a:solidFill>
@@ -23655,7 +23111,7 @@
               <a:buChar char="o"/>
             </a:pPr>
             <a:r>
-              <a:rPr lang="en-SG" b="1" dirty="0">
+              <a:rPr lang="en-SG" sz="1600" b="1" dirty="0">
                 <a:solidFill>
                   <a:schemeClr val="bg2"/>
                 </a:solidFill>
@@ -23675,7 +23131,7 @@
               <a:buFont typeface="Arial" panose="020B0604020202020204" pitchFamily="34" charset="0"/>
               <a:buChar char="•"/>
             </a:pPr>
-            <a:endParaRPr lang="en-US" b="1" dirty="0">
+            <a:endParaRPr lang="en-US" sz="1600" b="1" dirty="0">
               <a:solidFill>
                 <a:schemeClr val="bg2"/>
               </a:solidFill>
@@ -23688,7 +23144,7 @@
               <a:buChar char="•"/>
             </a:pPr>
             <a:r>
-              <a:rPr lang="en-US" sz="1400" b="1" dirty="0">
+              <a:rPr lang="en-US" sz="1600" b="1" dirty="0">
                 <a:solidFill>
                   <a:schemeClr val="bg2"/>
                 </a:solidFill>
@@ -23702,7 +23158,7 @@
               <a:buFont typeface="Arial" panose="020B0604020202020204" pitchFamily="34" charset="0"/>
               <a:buChar char="•"/>
             </a:pPr>
-            <a:endParaRPr lang="en-US" sz="1400" b="1" dirty="0">
+            <a:endParaRPr lang="en-US" sz="1600" b="1" dirty="0">
               <a:solidFill>
                 <a:schemeClr val="bg2"/>
               </a:solidFill>
@@ -23715,7 +23171,7 @@
               <a:buChar char="•"/>
             </a:pPr>
             <a:r>
-              <a:rPr lang="en-US" sz="1400" b="1" i="1" dirty="0">
+              <a:rPr lang="en-US" sz="1600" b="1" i="1" dirty="0">
                 <a:solidFill>
                   <a:schemeClr val="bg2"/>
                 </a:solidFill>
@@ -23724,7 +23180,7 @@
               <a:t>The intrusion detection alarm will monitor network flow (at port level) and robustly identify threats with high accuracy and provide multi-class classification results.</a:t>
             </a:r>
             <a:r>
-              <a:rPr lang="en-SG" sz="1400" b="1" dirty="0">
+              <a:rPr lang="en-SG" sz="1600" b="1" dirty="0">
                 <a:solidFill>
                   <a:schemeClr val="bg2"/>
                 </a:solidFill>
@@ -25317,7 +24773,9 @@
             <a:r>
               <a:rPr lang="en-SG" sz="1400" dirty="0">
                 <a:solidFill>
-                  <a:schemeClr val="bg2"/>
+                  <a:schemeClr val="tx1">
+                    <a:lumMod val="50000"/>
+                  </a:schemeClr>
                 </a:solidFill>
                 <a:latin typeface="Proxima Nova" panose="020B0604020202020204" charset="0"/>
                 <a:ea typeface="Arial" panose="020B0604020202020204" pitchFamily="34" charset="0"/>
@@ -25327,7 +24785,9 @@
             <a:r>
               <a:rPr lang="en-US" sz="1400" dirty="0">
                 <a:solidFill>
-                  <a:schemeClr val="bg2"/>
+                  <a:schemeClr val="tx1">
+                    <a:lumMod val="50000"/>
+                  </a:schemeClr>
                 </a:solidFill>
                 <a:latin typeface="Proxima Nova" panose="020B0604020202020204" charset="0"/>
               </a:rPr>
@@ -25336,7 +24796,9 @@
             <a:r>
               <a:rPr lang="en-SG" sz="1400" dirty="0">
                 <a:solidFill>
-                  <a:schemeClr val="bg2"/>
+                  <a:schemeClr val="tx1">
+                    <a:lumMod val="50000"/>
+                  </a:schemeClr>
                 </a:solidFill>
                 <a:latin typeface="Proxima Nova" panose="020B0604020202020204" charset="0"/>
               </a:rPr>
@@ -25345,7 +24807,9 @@
             <a:r>
               <a:rPr lang="en-SG" sz="1400" dirty="0">
                 <a:solidFill>
-                  <a:schemeClr val="bg2"/>
+                  <a:schemeClr val="tx1">
+                    <a:lumMod val="50000"/>
+                  </a:schemeClr>
                 </a:solidFill>
                 <a:latin typeface="Proxima Nova" panose="020B0604020202020204" charset="0"/>
                 <a:ea typeface="Arial" panose="020B0604020202020204" pitchFamily="34" charset="0"/>
@@ -25355,7 +24819,9 @@
             <a:r>
               <a:rPr lang="en-US" sz="1400" i="1" dirty="0">
                 <a:solidFill>
-                  <a:schemeClr val="bg2"/>
+                  <a:schemeClr val="tx1">
+                    <a:lumMod val="50000"/>
+                  </a:schemeClr>
                 </a:solidFill>
                 <a:latin typeface="Proxima Nova" panose="020B0604020202020204" charset="0"/>
                 <a:ea typeface="Arial" panose="020B0604020202020204" pitchFamily="34" charset="0"/>
@@ -25373,7 +24839,9 @@
             </a:pPr>
             <a:endParaRPr lang="en-US" sz="1400" i="1" dirty="0">
               <a:solidFill>
-                <a:schemeClr val="bg2"/>
+                <a:schemeClr val="tx1">
+                  <a:lumMod val="50000"/>
+                </a:schemeClr>
               </a:solidFill>
               <a:latin typeface="Proxima Nova" panose="020B0604020202020204" charset="0"/>
               <a:ea typeface="Arial" panose="020B0604020202020204" pitchFamily="34" charset="0"/>
@@ -25390,7 +24858,9 @@
             <a:r>
               <a:rPr lang="en-US" sz="1400" dirty="0">
                 <a:solidFill>
-                  <a:schemeClr val="bg2"/>
+                  <a:schemeClr val="tx1">
+                    <a:lumMod val="50000"/>
+                  </a:schemeClr>
                 </a:solidFill>
                 <a:latin typeface="Proxima Nova" panose="020B0604020202020204" charset="0"/>
               </a:rPr>
@@ -25407,7 +24877,9 @@
             </a:pPr>
             <a:endParaRPr lang="en-US" sz="1400" dirty="0">
               <a:solidFill>
-                <a:schemeClr val="bg2"/>
+                <a:schemeClr val="tx1">
+                  <a:lumMod val="50000"/>
+                </a:schemeClr>
               </a:solidFill>
               <a:latin typeface="Proxima Nova" panose="020B0604020202020204" charset="0"/>
             </a:endParaRPr>
@@ -25423,7 +24895,9 @@
             <a:r>
               <a:rPr lang="en-US" sz="1400" dirty="0">
                 <a:solidFill>
-                  <a:schemeClr val="bg2"/>
+                  <a:schemeClr val="tx1">
+                    <a:lumMod val="50000"/>
+                  </a:schemeClr>
                 </a:solidFill>
                 <a:latin typeface="Proxima Nova" panose="020B0604020202020204" charset="0"/>
               </a:rPr>
@@ -25440,7 +24914,9 @@
             </a:pPr>
             <a:endParaRPr lang="en-US" sz="1400" i="1" u="sng" dirty="0">
               <a:solidFill>
-                <a:schemeClr val="bg2"/>
+                <a:schemeClr val="tx1">
+                  <a:lumMod val="50000"/>
+                </a:schemeClr>
               </a:solidFill>
               <a:latin typeface="Proxima Nova" panose="020B0604020202020204" charset="0"/>
             </a:endParaRPr>
@@ -25456,7 +24932,9 @@
             <a:r>
               <a:rPr lang="en-SG" sz="1400" dirty="0">
                 <a:solidFill>
-                  <a:schemeClr val="bg2"/>
+                  <a:schemeClr val="tx1">
+                    <a:lumMod val="50000"/>
+                  </a:schemeClr>
                 </a:solidFill>
                 <a:effectLst/>
                 <a:latin typeface="Proxima Nova" panose="020B0604020202020204" charset="0"/>
@@ -25467,7 +24945,9 @@
             <a:r>
               <a:rPr lang="en-US" sz="1400" dirty="0">
                 <a:solidFill>
-                  <a:schemeClr val="bg2"/>
+                  <a:schemeClr val="tx1">
+                    <a:lumMod val="50000"/>
+                  </a:schemeClr>
                 </a:solidFill>
                 <a:latin typeface="Proxima Nova" panose="020B0604020202020204" charset="0"/>
                 <a:ea typeface="Arial" panose="020B0604020202020204" pitchFamily="34" charset="0"/>
@@ -25477,7 +24957,9 @@
             <a:r>
               <a:rPr lang="en-SG" sz="1400" dirty="0">
                 <a:solidFill>
-                  <a:schemeClr val="bg2"/>
+                  <a:schemeClr val="tx1">
+                    <a:lumMod val="50000"/>
+                  </a:schemeClr>
                 </a:solidFill>
                 <a:effectLst/>
                 <a:latin typeface="Proxima Nova" panose="020B0604020202020204" charset="0"/>
@@ -25488,7 +24970,9 @@
             <a:r>
               <a:rPr lang="en-US" sz="1400" dirty="0">
                 <a:solidFill>
-                  <a:schemeClr val="bg2"/>
+                  <a:schemeClr val="tx1">
+                    <a:lumMod val="50000"/>
+                  </a:schemeClr>
                 </a:solidFill>
                 <a:effectLst/>
                 <a:latin typeface="Proxima Nova" panose="020B0604020202020204" charset="0"/>
@@ -25506,7 +24990,9 @@
             </a:pPr>
             <a:endParaRPr lang="en-US" sz="1400" dirty="0">
               <a:solidFill>
-                <a:schemeClr val="bg2"/>
+                <a:schemeClr val="tx1">
+                  <a:lumMod val="50000"/>
+                </a:schemeClr>
               </a:solidFill>
               <a:latin typeface="Proxima Nova" panose="020B0604020202020204" charset="0"/>
             </a:endParaRPr>
@@ -25522,7 +25008,9 @@
             <a:r>
               <a:rPr lang="en-SG" sz="1400" dirty="0">
                 <a:solidFill>
-                  <a:schemeClr val="bg2"/>
+                  <a:schemeClr val="tx1">
+                    <a:lumMod val="50000"/>
+                  </a:schemeClr>
                 </a:solidFill>
                 <a:effectLst/>
                 <a:latin typeface="Proxima Nova" panose="020B0604020202020204" charset="0"/>
@@ -25533,7 +25021,9 @@
             <a:r>
               <a:rPr lang="en-SG" sz="1400" dirty="0">
                 <a:solidFill>
-                  <a:schemeClr val="bg2"/>
+                  <a:schemeClr val="tx1">
+                    <a:lumMod val="50000"/>
+                  </a:schemeClr>
                 </a:solidFill>
                 <a:latin typeface="Proxima Nova" panose="020B0604020202020204" charset="0"/>
                 <a:ea typeface="Arial" panose="020B0604020202020204" pitchFamily="34" charset="0"/>
@@ -25765,9 +25255,6 @@
                 <a:solidFill>
                   <a:srgbClr val="0070C0"/>
                 </a:solidFill>
-                <a:highlight>
-                  <a:srgbClr val="FFFF00"/>
-                </a:highlight>
               </a:rPr>
               <a:t>Information about the data (network topology)</a:t>
             </a:r>
@@ -25775,9 +25262,6 @@
               <a:solidFill>
                 <a:srgbClr val="0070C0"/>
               </a:solidFill>
-              <a:highlight>
-                <a:srgbClr val="FFFF00"/>
-              </a:highlight>
             </a:endParaRPr>
           </a:p>
         </p:txBody>
@@ -25884,601 +25368,6 @@
         </p:nvSpPr>
         <p:spPr>
           <a:xfrm>
-            <a:off x="304800" y="480369"/>
-            <a:ext cx="8520600" cy="572700"/>
-          </a:xfrm>
-          <a:prstGeom prst="rect">
-            <a:avLst/>
-          </a:prstGeom>
-          <a:noFill/>
-          <a:ln>
-            <a:noFill/>
-          </a:ln>
-        </p:spPr>
-        <p:txBody>
-          <a:bodyPr spcFirstLastPara="1" wrap="square" lIns="91425" tIns="91425" rIns="91425" bIns="91425" anchor="t" anchorCtr="0">
-            <a:noAutofit/>
-          </a:bodyPr>
-          <a:lstStyle/>
-          <a:p>
-            <a:r>
-              <a:rPr lang="en-US" dirty="0">
-                <a:solidFill>
-                  <a:srgbClr val="0070C0"/>
-                </a:solidFill>
-              </a:rPr>
-              <a:t>Information about the data (network topology)</a:t>
-            </a:r>
-            <a:endParaRPr dirty="0">
-              <a:solidFill>
-                <a:srgbClr val="0070C0"/>
-              </a:solidFill>
-            </a:endParaRPr>
-          </a:p>
-        </p:txBody>
-      </p:sp>
-      <p:sp>
-        <p:nvSpPr>
-          <p:cNvPr id="16" name="TextBox 15">
-            <a:extLst>
-              <a:ext uri="{FF2B5EF4-FFF2-40B4-BE49-F238E27FC236}">
-                <a16:creationId xmlns:a16="http://schemas.microsoft.com/office/drawing/2014/main" id="{B18409FC-D8CB-D559-67BA-C91ADDB6E591}"/>
-              </a:ext>
-            </a:extLst>
-          </p:cNvPr>
-          <p:cNvSpPr txBox="1"/>
-          <p:nvPr/>
-        </p:nvSpPr>
-        <p:spPr>
-          <a:xfrm>
-            <a:off x="1101672" y="1426708"/>
-            <a:ext cx="1117747" cy="402019"/>
-          </a:xfrm>
-          <a:prstGeom prst="rect">
-            <a:avLst/>
-          </a:prstGeom>
-          <a:noFill/>
-          <a:ln w="12700">
-            <a:solidFill>
-              <a:schemeClr val="tx1">
-                <a:lumMod val="50000"/>
-              </a:schemeClr>
-            </a:solidFill>
-          </a:ln>
-        </p:spPr>
-        <p:txBody>
-          <a:bodyPr wrap="square" rtlCol="0" anchor="ctr" anchorCtr="1">
-            <a:noAutofit/>
-          </a:bodyPr>
-          <a:lstStyle/>
-          <a:p>
-            <a:pPr algn="ctr"/>
-            <a:r>
-              <a:rPr lang="en-US" dirty="0">
-                <a:solidFill>
-                  <a:schemeClr val="bg2"/>
-                </a:solidFill>
-                <a:latin typeface="Proxima Nova" panose="020B0604020202020204" charset="0"/>
-                <a:sym typeface="Proxima Nova"/>
-              </a:rPr>
-              <a:t>Received Packets</a:t>
-            </a:r>
-          </a:p>
-        </p:txBody>
-      </p:sp>
-      <p:sp>
-        <p:nvSpPr>
-          <p:cNvPr id="17" name="TextBox 16">
-            <a:extLst>
-              <a:ext uri="{FF2B5EF4-FFF2-40B4-BE49-F238E27FC236}">
-                <a16:creationId xmlns:a16="http://schemas.microsoft.com/office/drawing/2014/main" id="{0386CAF7-69C1-FCBA-EDC4-19103BB1A4D0}"/>
-              </a:ext>
-            </a:extLst>
-          </p:cNvPr>
-          <p:cNvSpPr txBox="1"/>
-          <p:nvPr/>
-        </p:nvSpPr>
-        <p:spPr>
-          <a:xfrm>
-            <a:off x="2382416" y="1395361"/>
-            <a:ext cx="2944187" cy="427860"/>
-          </a:xfrm>
-          <a:prstGeom prst="rect">
-            <a:avLst/>
-          </a:prstGeom>
-          <a:noFill/>
-          <a:ln w="12700">
-            <a:solidFill>
-              <a:schemeClr val="tx1">
-                <a:lumMod val="50000"/>
-              </a:schemeClr>
-            </a:solidFill>
-          </a:ln>
-        </p:spPr>
-        <p:txBody>
-          <a:bodyPr wrap="square" rtlCol="0" anchor="ctr" anchorCtr="1">
-            <a:noAutofit/>
-          </a:bodyPr>
-          <a:lstStyle/>
-          <a:p>
-            <a:r>
-              <a:rPr lang="en-US" dirty="0">
-                <a:solidFill>
-                  <a:schemeClr val="bg2"/>
-                </a:solidFill>
-                <a:latin typeface="Proxima Nova" panose="020B0604020202020204" charset="0"/>
-              </a:rPr>
-              <a:t>Number of packets received by the port</a:t>
-            </a:r>
-          </a:p>
-        </p:txBody>
-      </p:sp>
-      <p:sp>
-        <p:nvSpPr>
-          <p:cNvPr id="20" name="TextBox 19">
-            <a:extLst>
-              <a:ext uri="{FF2B5EF4-FFF2-40B4-BE49-F238E27FC236}">
-                <a16:creationId xmlns:a16="http://schemas.microsoft.com/office/drawing/2014/main" id="{29CC8DCD-B6C4-1575-1A7B-26B1CDFD61B2}"/>
-              </a:ext>
-            </a:extLst>
-          </p:cNvPr>
-          <p:cNvSpPr txBox="1"/>
-          <p:nvPr/>
-        </p:nvSpPr>
-        <p:spPr>
-          <a:xfrm>
-            <a:off x="1101672" y="1898730"/>
-            <a:ext cx="1117746" cy="402019"/>
-          </a:xfrm>
-          <a:prstGeom prst="rect">
-            <a:avLst/>
-          </a:prstGeom>
-          <a:noFill/>
-          <a:ln w="12700">
-            <a:solidFill>
-              <a:schemeClr val="tx1">
-                <a:lumMod val="50000"/>
-              </a:schemeClr>
-            </a:solidFill>
-          </a:ln>
-        </p:spPr>
-        <p:txBody>
-          <a:bodyPr wrap="square" rtlCol="0" anchor="ctr" anchorCtr="1">
-            <a:noAutofit/>
-          </a:bodyPr>
-          <a:lstStyle/>
-          <a:p>
-            <a:pPr algn="ctr"/>
-            <a:r>
-              <a:rPr lang="en-US" dirty="0">
-                <a:solidFill>
-                  <a:schemeClr val="bg2"/>
-                </a:solidFill>
-                <a:latin typeface="Proxima Nova" panose="020B0604020202020204" charset="0"/>
-              </a:rPr>
-              <a:t>Received Bytes</a:t>
-            </a:r>
-          </a:p>
-        </p:txBody>
-      </p:sp>
-      <p:sp>
-        <p:nvSpPr>
-          <p:cNvPr id="21" name="TextBox 20">
-            <a:extLst>
-              <a:ext uri="{FF2B5EF4-FFF2-40B4-BE49-F238E27FC236}">
-                <a16:creationId xmlns:a16="http://schemas.microsoft.com/office/drawing/2014/main" id="{49D896CA-06D2-5714-618A-49879296EA82}"/>
-              </a:ext>
-            </a:extLst>
-          </p:cNvPr>
-          <p:cNvSpPr txBox="1"/>
-          <p:nvPr/>
-        </p:nvSpPr>
-        <p:spPr>
-          <a:xfrm>
-            <a:off x="2382416" y="1840978"/>
-            <a:ext cx="2944187" cy="416212"/>
-          </a:xfrm>
-          <a:prstGeom prst="rect">
-            <a:avLst/>
-          </a:prstGeom>
-          <a:noFill/>
-          <a:ln w="12700">
-            <a:solidFill>
-              <a:schemeClr val="tx1">
-                <a:lumMod val="50000"/>
-              </a:schemeClr>
-            </a:solidFill>
-          </a:ln>
-        </p:spPr>
-        <p:txBody>
-          <a:bodyPr wrap="square" rtlCol="0" anchor="ctr" anchorCtr="1">
-            <a:noAutofit/>
-          </a:bodyPr>
-          <a:lstStyle/>
-          <a:p>
-            <a:r>
-              <a:rPr lang="en-US" dirty="0">
-                <a:solidFill>
-                  <a:schemeClr val="bg2"/>
-                </a:solidFill>
-                <a:latin typeface="Proxima Nova" panose="020B0604020202020204" charset="0"/>
-              </a:rPr>
-              <a:t>Number of bytes received by the port</a:t>
-            </a:r>
-          </a:p>
-        </p:txBody>
-      </p:sp>
-      <p:sp>
-        <p:nvSpPr>
-          <p:cNvPr id="22" name="TextBox 21">
-            <a:extLst>
-              <a:ext uri="{FF2B5EF4-FFF2-40B4-BE49-F238E27FC236}">
-                <a16:creationId xmlns:a16="http://schemas.microsoft.com/office/drawing/2014/main" id="{6F09ADAF-64C8-6858-1A8A-CA40B45C8EE1}"/>
-              </a:ext>
-            </a:extLst>
-          </p:cNvPr>
-          <p:cNvSpPr txBox="1"/>
-          <p:nvPr/>
-        </p:nvSpPr>
-        <p:spPr>
-          <a:xfrm>
-            <a:off x="1107460" y="2389920"/>
-            <a:ext cx="1111959" cy="402019"/>
-          </a:xfrm>
-          <a:prstGeom prst="rect">
-            <a:avLst/>
-          </a:prstGeom>
-          <a:noFill/>
-          <a:ln w="12700">
-            <a:solidFill>
-              <a:schemeClr val="tx1">
-                <a:lumMod val="50000"/>
-              </a:schemeClr>
-            </a:solidFill>
-          </a:ln>
-        </p:spPr>
-        <p:txBody>
-          <a:bodyPr wrap="square" rtlCol="0" anchor="ctr" anchorCtr="1">
-            <a:noAutofit/>
-          </a:bodyPr>
-          <a:lstStyle/>
-          <a:p>
-            <a:r>
-              <a:rPr lang="en-US" dirty="0">
-                <a:solidFill>
-                  <a:schemeClr val="bg2"/>
-                </a:solidFill>
-                <a:latin typeface="Proxima Nova" panose="020B0604020202020204" charset="0"/>
-              </a:rPr>
-              <a:t>Sent Packets</a:t>
-            </a:r>
-          </a:p>
-        </p:txBody>
-      </p:sp>
-      <p:sp>
-        <p:nvSpPr>
-          <p:cNvPr id="23" name="TextBox 22">
-            <a:extLst>
-              <a:ext uri="{FF2B5EF4-FFF2-40B4-BE49-F238E27FC236}">
-                <a16:creationId xmlns:a16="http://schemas.microsoft.com/office/drawing/2014/main" id="{F9E7C5E5-7B14-33CA-C209-707F2EFC79EB}"/>
-              </a:ext>
-            </a:extLst>
-          </p:cNvPr>
-          <p:cNvSpPr txBox="1"/>
-          <p:nvPr/>
-        </p:nvSpPr>
-        <p:spPr>
-          <a:xfrm>
-            <a:off x="2414940" y="2395572"/>
-            <a:ext cx="2911663" cy="377190"/>
-          </a:xfrm>
-          <a:prstGeom prst="rect">
-            <a:avLst/>
-          </a:prstGeom>
-          <a:noFill/>
-          <a:ln w="12700">
-            <a:solidFill>
-              <a:schemeClr val="tx1">
-                <a:lumMod val="50000"/>
-              </a:schemeClr>
-            </a:solidFill>
-          </a:ln>
-        </p:spPr>
-        <p:txBody>
-          <a:bodyPr wrap="square" rtlCol="0" anchor="ctr" anchorCtr="1">
-            <a:noAutofit/>
-          </a:bodyPr>
-          <a:lstStyle/>
-          <a:p>
-            <a:r>
-              <a:rPr lang="en-US" dirty="0">
-                <a:solidFill>
-                  <a:schemeClr val="bg2"/>
-                </a:solidFill>
-                <a:latin typeface="Proxima Nova" panose="020B0604020202020204" charset="0"/>
-              </a:rPr>
-              <a:t>Number of packets sent by the port</a:t>
-            </a:r>
-          </a:p>
-        </p:txBody>
-      </p:sp>
-      <p:sp>
-        <p:nvSpPr>
-          <p:cNvPr id="24" name="TextBox 23">
-            <a:extLst>
-              <a:ext uri="{FF2B5EF4-FFF2-40B4-BE49-F238E27FC236}">
-                <a16:creationId xmlns:a16="http://schemas.microsoft.com/office/drawing/2014/main" id="{24D8D6AC-8146-E4D3-5B8A-3C5C9E9DD5DE}"/>
-              </a:ext>
-            </a:extLst>
-          </p:cNvPr>
-          <p:cNvSpPr txBox="1"/>
-          <p:nvPr/>
-        </p:nvSpPr>
-        <p:spPr>
-          <a:xfrm>
-            <a:off x="1107459" y="2861942"/>
-            <a:ext cx="1111959" cy="402018"/>
-          </a:xfrm>
-          <a:prstGeom prst="rect">
-            <a:avLst/>
-          </a:prstGeom>
-          <a:noFill/>
-          <a:ln w="12700">
-            <a:solidFill>
-              <a:schemeClr val="tx1">
-                <a:lumMod val="50000"/>
-              </a:schemeClr>
-            </a:solidFill>
-          </a:ln>
-        </p:spPr>
-        <p:txBody>
-          <a:bodyPr wrap="square" rtlCol="0" anchor="ctr" anchorCtr="1">
-            <a:noAutofit/>
-          </a:bodyPr>
-          <a:lstStyle/>
-          <a:p>
-            <a:r>
-              <a:rPr lang="en-US" dirty="0">
-                <a:solidFill>
-                  <a:schemeClr val="bg2"/>
-                </a:solidFill>
-                <a:latin typeface="Proxima Nova" panose="020B0604020202020204" charset="0"/>
-              </a:rPr>
-              <a:t>Sent Bytes</a:t>
-            </a:r>
-          </a:p>
-        </p:txBody>
-      </p:sp>
-      <p:sp>
-        <p:nvSpPr>
-          <p:cNvPr id="25" name="TextBox 24">
-            <a:extLst>
-              <a:ext uri="{FF2B5EF4-FFF2-40B4-BE49-F238E27FC236}">
-                <a16:creationId xmlns:a16="http://schemas.microsoft.com/office/drawing/2014/main" id="{60D3F7E1-E731-6C36-08FF-5518F17E4176}"/>
-              </a:ext>
-            </a:extLst>
-          </p:cNvPr>
-          <p:cNvSpPr txBox="1"/>
-          <p:nvPr/>
-        </p:nvSpPr>
-        <p:spPr>
-          <a:xfrm>
-            <a:off x="2382416" y="2909062"/>
-            <a:ext cx="2944187" cy="366638"/>
-          </a:xfrm>
-          <a:prstGeom prst="rect">
-            <a:avLst/>
-          </a:prstGeom>
-          <a:noFill/>
-          <a:ln w="12700">
-            <a:solidFill>
-              <a:schemeClr val="tx1">
-                <a:lumMod val="50000"/>
-              </a:schemeClr>
-            </a:solidFill>
-          </a:ln>
-        </p:spPr>
-        <p:txBody>
-          <a:bodyPr wrap="square" rtlCol="0" anchor="ctr" anchorCtr="1">
-            <a:noAutofit/>
-          </a:bodyPr>
-          <a:lstStyle/>
-          <a:p>
-            <a:r>
-              <a:rPr lang="en-US" dirty="0">
-                <a:solidFill>
-                  <a:schemeClr val="bg2"/>
-                </a:solidFill>
-                <a:latin typeface="Proxima Nova" panose="020B0604020202020204" charset="0"/>
-              </a:rPr>
-              <a:t>Number of bytes sent</a:t>
-            </a:r>
-          </a:p>
-        </p:txBody>
-      </p:sp>
-      <p:sp>
-        <p:nvSpPr>
-          <p:cNvPr id="26" name="TextBox 25">
-            <a:extLst>
-              <a:ext uri="{FF2B5EF4-FFF2-40B4-BE49-F238E27FC236}">
-                <a16:creationId xmlns:a16="http://schemas.microsoft.com/office/drawing/2014/main" id="{275D762E-94BB-FC98-E57C-3B8BF500A94A}"/>
-              </a:ext>
-            </a:extLst>
-          </p:cNvPr>
-          <p:cNvSpPr txBox="1"/>
-          <p:nvPr/>
-        </p:nvSpPr>
-        <p:spPr>
-          <a:xfrm>
-            <a:off x="1101673" y="3415371"/>
-            <a:ext cx="1111960" cy="402018"/>
-          </a:xfrm>
-          <a:prstGeom prst="rect">
-            <a:avLst/>
-          </a:prstGeom>
-          <a:noFill/>
-          <a:ln w="12700">
-            <a:solidFill>
-              <a:schemeClr val="tx1">
-                <a:lumMod val="50000"/>
-              </a:schemeClr>
-            </a:solidFill>
-          </a:ln>
-        </p:spPr>
-        <p:txBody>
-          <a:bodyPr wrap="square" rtlCol="0" anchor="ctr" anchorCtr="1">
-            <a:noAutofit/>
-          </a:bodyPr>
-          <a:lstStyle/>
-          <a:p>
-            <a:r>
-              <a:rPr lang="en-US" dirty="0">
-                <a:solidFill>
-                  <a:schemeClr val="bg2"/>
-                </a:solidFill>
-                <a:latin typeface="Proxima Nova" panose="020B0604020202020204" charset="0"/>
-              </a:rPr>
-              <a:t>Port alive Duration</a:t>
-            </a:r>
-          </a:p>
-        </p:txBody>
-      </p:sp>
-      <p:sp>
-        <p:nvSpPr>
-          <p:cNvPr id="27" name="TextBox 26">
-            <a:extLst>
-              <a:ext uri="{FF2B5EF4-FFF2-40B4-BE49-F238E27FC236}">
-                <a16:creationId xmlns:a16="http://schemas.microsoft.com/office/drawing/2014/main" id="{D0D0563C-FE29-7D20-84DE-E746A01014D1}"/>
-              </a:ext>
-            </a:extLst>
-          </p:cNvPr>
-          <p:cNvSpPr txBox="1"/>
-          <p:nvPr/>
-        </p:nvSpPr>
-        <p:spPr>
-          <a:xfrm>
-            <a:off x="2394284" y="3424634"/>
-            <a:ext cx="2932320" cy="402018"/>
-          </a:xfrm>
-          <a:prstGeom prst="rect">
-            <a:avLst/>
-          </a:prstGeom>
-          <a:noFill/>
-          <a:ln w="12700">
-            <a:solidFill>
-              <a:schemeClr val="tx1">
-                <a:lumMod val="50000"/>
-              </a:schemeClr>
-            </a:solidFill>
-          </a:ln>
-        </p:spPr>
-        <p:txBody>
-          <a:bodyPr wrap="square" rtlCol="0" anchor="ctr" anchorCtr="1">
-            <a:noAutofit/>
-          </a:bodyPr>
-          <a:lstStyle/>
-          <a:p>
-            <a:r>
-              <a:rPr lang="en-US" dirty="0">
-                <a:solidFill>
-                  <a:schemeClr val="bg2"/>
-                </a:solidFill>
-                <a:latin typeface="Proxima Nova" panose="020B0604020202020204" charset="0"/>
-              </a:rPr>
-              <a:t>The time port has been alive in seconds</a:t>
-            </a:r>
-          </a:p>
-        </p:txBody>
-      </p:sp>
-      <p:sp>
-        <p:nvSpPr>
-          <p:cNvPr id="28" name="TextBox 27">
-            <a:extLst>
-              <a:ext uri="{FF2B5EF4-FFF2-40B4-BE49-F238E27FC236}">
-                <a16:creationId xmlns:a16="http://schemas.microsoft.com/office/drawing/2014/main" id="{F2B6A6F5-279C-736A-31F9-579483CE3D01}"/>
-              </a:ext>
-            </a:extLst>
-          </p:cNvPr>
-          <p:cNvSpPr txBox="1"/>
-          <p:nvPr/>
-        </p:nvSpPr>
-        <p:spPr>
-          <a:xfrm rot="16200000">
-            <a:off x="-515302" y="2379196"/>
-            <a:ext cx="2399945" cy="494968"/>
-          </a:xfrm>
-          <a:prstGeom prst="rect">
-            <a:avLst/>
-          </a:prstGeom>
-          <a:noFill/>
-          <a:ln w="12700">
-            <a:solidFill>
-              <a:schemeClr val="tx1">
-                <a:lumMod val="50000"/>
-              </a:schemeClr>
-            </a:solidFill>
-          </a:ln>
-        </p:spPr>
-        <p:txBody>
-          <a:bodyPr wrap="square" rtlCol="0" anchor="ctr" anchorCtr="1">
-            <a:noAutofit/>
-          </a:bodyPr>
-          <a:lstStyle/>
-          <a:p>
-            <a:r>
-              <a:rPr lang="en-US" dirty="0">
-                <a:solidFill>
-                  <a:schemeClr val="bg2"/>
-                </a:solidFill>
-                <a:latin typeface="Proxima Nova" panose="020B0604020202020204" charset="0"/>
-              </a:rPr>
-              <a:t>Port statistics collected for every port on every switch</a:t>
-            </a:r>
-          </a:p>
-        </p:txBody>
-      </p:sp>
-    </p:spTree>
-    <p:extLst>
-      <p:ext uri="{BB962C8B-B14F-4D97-AF65-F5344CB8AC3E}">
-        <p14:creationId xmlns:p14="http://schemas.microsoft.com/office/powerpoint/2010/main" val="150243563"/>
-      </p:ext>
-    </p:extLst>
-  </p:cSld>
-  <p:clrMapOvr>
-    <a:masterClrMapping/>
-  </p:clrMapOvr>
-</p:sld>
-</file>
-
-<file path=ppt/slides/slide9.xml><?xml version="1.0" encoding="utf-8"?>
-<p:sld xmlns:a="http://schemas.openxmlformats.org/drawingml/2006/main" xmlns:r="http://schemas.openxmlformats.org/officeDocument/2006/relationships" xmlns:p="http://schemas.openxmlformats.org/presentationml/2006/main">
-  <p:cSld>
-    <p:spTree>
-      <p:nvGrpSpPr>
-        <p:cNvPr id="1" name="Shape 126"/>
-        <p:cNvGrpSpPr/>
-        <p:nvPr/>
-      </p:nvGrpSpPr>
-      <p:grpSpPr>
-        <a:xfrm>
-          <a:off x="0" y="0"/>
-          <a:ext cx="0" cy="0"/>
-          <a:chOff x="0" y="0"/>
-          <a:chExt cx="0" cy="0"/>
-        </a:xfrm>
-      </p:grpSpPr>
-      <p:sp>
-        <p:nvSpPr>
-          <p:cNvPr id="127" name="Google Shape;127;g133c1f20611_0_15"/>
-          <p:cNvSpPr txBox="1">
-            <a:spLocks noGrp="1"/>
-          </p:cNvSpPr>
-          <p:nvPr>
-            <p:ph type="title"/>
-          </p:nvPr>
-        </p:nvSpPr>
-        <p:spPr>
-          <a:xfrm>
             <a:off x="311700" y="445025"/>
             <a:ext cx="8520600" cy="572700"/>
           </a:xfrm>
@@ -26557,118 +25446,143 @@
             <a:endParaRPr lang="en-US" sz="1200" dirty="0"/>
           </a:p>
           <a:p>
-            <a:pPr marL="457200" lvl="0" indent="-349250" algn="l" rtl="0">
-              <a:lnSpc>
-                <a:spcPct val="115000"/>
-              </a:lnSpc>
-              <a:spcBef>
-                <a:spcPts val="0"/>
-              </a:spcBef>
-              <a:spcAft>
-                <a:spcPts val="0"/>
-              </a:spcAft>
-              <a:buSzPts val="1900"/>
+            <a:pPr lvl="0">
               <a:buFont typeface="Arial" panose="020B0604020202020204" pitchFamily="34" charset="0"/>
               <a:buChar char="•"/>
             </a:pPr>
             <a:r>
-              <a:rPr lang="en-US" sz="1200" b="1" dirty="0"/>
-              <a:t>We tested linear regression models.</a:t>
-            </a:r>
-          </a:p>
-          <a:p>
-            <a:pPr marL="457200" lvl="0" indent="-349250" algn="l" rtl="0">
-              <a:lnSpc>
-                <a:spcPct val="115000"/>
-              </a:lnSpc>
-              <a:spcBef>
-                <a:spcPts val="0"/>
-              </a:spcBef>
-              <a:spcAft>
-                <a:spcPts val="0"/>
-              </a:spcAft>
-              <a:buSzPts val="1900"/>
+              <a:rPr lang="en-US" sz="1600" b="1" dirty="0">
+                <a:solidFill>
+                  <a:schemeClr val="bg2"/>
+                </a:solidFill>
+                <a:latin typeface="Proxima Nova" panose="020B0604020202020204" charset="0"/>
+              </a:rPr>
+              <a:t>We initially tested linear regression models.</a:t>
+            </a:r>
+          </a:p>
+          <a:p>
+            <a:pPr>
               <a:buFont typeface="Arial" panose="020B0604020202020204" pitchFamily="34" charset="0"/>
               <a:buChar char="•"/>
             </a:pPr>
-            <a:endParaRPr lang="en-US" sz="1200" b="1" dirty="0"/>
-          </a:p>
-          <a:p>
-            <a:pPr marL="457200" lvl="0" indent="-349250" algn="l" rtl="0">
-              <a:lnSpc>
-                <a:spcPct val="115000"/>
-              </a:lnSpc>
-              <a:spcBef>
-                <a:spcPts val="0"/>
-              </a:spcBef>
-              <a:spcAft>
-                <a:spcPts val="0"/>
-              </a:spcAft>
-              <a:buSzPts val="1900"/>
+            <a:endParaRPr lang="en-US" sz="1600" b="1" dirty="0">
+              <a:solidFill>
+                <a:schemeClr val="bg2"/>
+              </a:solidFill>
+              <a:latin typeface="Proxima Nova" panose="020B0604020202020204" charset="0"/>
+            </a:endParaRPr>
+          </a:p>
+          <a:p>
+            <a:pPr>
               <a:buFont typeface="Arial" panose="020B0604020202020204" pitchFamily="34" charset="0"/>
               <a:buChar char="•"/>
             </a:pPr>
             <a:r>
-              <a:rPr lang="en-US" sz="1200" b="1" dirty="0"/>
-              <a:t>According to the NID literature, random forest models are the more widely used. </a:t>
-            </a:r>
-          </a:p>
-          <a:p>
-            <a:pPr marL="457200" indent="-349250">
+              <a:rPr lang="en-US" sz="1600" b="1" dirty="0">
+                <a:solidFill>
+                  <a:schemeClr val="bg2"/>
+                </a:solidFill>
+                <a:latin typeface="Proxima Nova" panose="020B0604020202020204" charset="0"/>
+              </a:rPr>
+              <a:t>We used a Tree-based Pipeline Optimization Tool (TPOT), a Python Automated Machine Learning tool, for model selection and parameter optimization.</a:t>
+            </a:r>
+          </a:p>
+          <a:p>
+            <a:pPr>
               <a:buFont typeface="Arial" panose="020B0604020202020204" pitchFamily="34" charset="0"/>
               <a:buChar char="•"/>
             </a:pPr>
-            <a:endParaRPr lang="en-US" sz="1200" b="1" dirty="0"/>
-          </a:p>
-          <a:p>
-            <a:pPr marL="457200" indent="-349250">
+            <a:endParaRPr lang="en-US" sz="1600" b="1" dirty="0">
+              <a:solidFill>
+                <a:schemeClr val="bg2"/>
+              </a:solidFill>
+              <a:latin typeface="Proxima Nova" panose="020B0604020202020204" charset="0"/>
+            </a:endParaRPr>
+          </a:p>
+          <a:p>
+            <a:pPr>
               <a:buFont typeface="Arial" panose="020B0604020202020204" pitchFamily="34" charset="0"/>
               <a:buChar char="•"/>
             </a:pPr>
             <a:r>
-              <a:rPr lang="en-US" sz="1200" b="1" dirty="0"/>
-              <a:t>We used a Tree-based Pipeline Optimization Tool (TPOT), a Python Automated Machine Learning tool, for model selection and parameter optimization.</a:t>
-            </a:r>
-          </a:p>
-          <a:p>
-            <a:pPr marL="457200" indent="-349250">
+              <a:rPr lang="en-US" sz="1600" b="1" dirty="0">
+                <a:solidFill>
+                  <a:schemeClr val="bg2"/>
+                </a:solidFill>
+                <a:latin typeface="Proxima Nova" panose="020B0604020202020204" charset="0"/>
+              </a:rPr>
+              <a:t>We selected and used an </a:t>
+            </a:r>
+            <a:r>
+              <a:rPr lang="en-US" sz="1600" b="1" dirty="0" err="1">
+                <a:solidFill>
+                  <a:schemeClr val="bg2"/>
+                </a:solidFill>
+                <a:latin typeface="Proxima Nova" panose="020B0604020202020204" charset="0"/>
+              </a:rPr>
+              <a:t>XGBoostClassifier</a:t>
+            </a:r>
+            <a:r>
+              <a:rPr lang="en-US" sz="1600" b="1" dirty="0">
+                <a:solidFill>
+                  <a:schemeClr val="bg2"/>
+                </a:solidFill>
+                <a:latin typeface="Proxima Nova" panose="020B0604020202020204" charset="0"/>
+              </a:rPr>
+              <a:t> for the multi-label classification project.</a:t>
+            </a:r>
+          </a:p>
+          <a:p>
+            <a:pPr>
               <a:buFont typeface="Arial" panose="020B0604020202020204" pitchFamily="34" charset="0"/>
               <a:buChar char="•"/>
             </a:pPr>
-            <a:endParaRPr lang="en-US" sz="1200" b="1" dirty="0"/>
-          </a:p>
-          <a:p>
-            <a:pPr marL="457200" indent="-349250">
+            <a:endParaRPr lang="en-US" sz="1600" b="1" dirty="0">
+              <a:solidFill>
+                <a:schemeClr val="bg2"/>
+              </a:solidFill>
+              <a:latin typeface="Proxima Nova" panose="020B0604020202020204" charset="0"/>
+            </a:endParaRPr>
+          </a:p>
+          <a:p>
+            <a:pPr>
               <a:buFont typeface="Arial" panose="020B0604020202020204" pitchFamily="34" charset="0"/>
               <a:buChar char="•"/>
             </a:pPr>
             <a:r>
-              <a:rPr lang="en-US" sz="1200" b="1" dirty="0"/>
-              <a:t>We selected and used an </a:t>
-            </a:r>
-            <a:r>
-              <a:rPr lang="en-US" sz="1200" b="1" dirty="0" err="1"/>
-              <a:t>XGBoostClassifier</a:t>
-            </a:r>
-            <a:r>
-              <a:rPr lang="en-US" sz="1200" b="1" dirty="0"/>
-              <a:t> for the multi-label classification project.</a:t>
-            </a:r>
-          </a:p>
-          <a:p>
-            <a:pPr marL="457200" indent="-349250">
+              <a:rPr lang="en-US" sz="1600" b="1" dirty="0">
+                <a:solidFill>
+                  <a:schemeClr val="bg2"/>
+                </a:solidFill>
+                <a:latin typeface="Proxima Nova" panose="020B0604020202020204" charset="0"/>
+              </a:rPr>
+              <a:t>According to the NID literature, random forest models are the more widely used. </a:t>
+            </a:r>
+          </a:p>
+          <a:p>
+            <a:pPr>
               <a:buFont typeface="Arial" panose="020B0604020202020204" pitchFamily="34" charset="0"/>
               <a:buChar char="•"/>
             </a:pPr>
-            <a:endParaRPr lang="en-US" sz="1200" b="1" dirty="0"/>
-          </a:p>
-          <a:p>
-            <a:pPr marL="457200" indent="-349250">
+            <a:endParaRPr lang="en-US" sz="1600" b="1" dirty="0">
+              <a:solidFill>
+                <a:schemeClr val="bg2"/>
+              </a:solidFill>
+              <a:latin typeface="Proxima Nova" panose="020B0604020202020204" charset="0"/>
+            </a:endParaRPr>
+          </a:p>
+          <a:p>
+            <a:pPr>
               <a:buFont typeface="Arial" panose="020B0604020202020204" pitchFamily="34" charset="0"/>
               <a:buChar char="•"/>
             </a:pPr>
             <a:r>
-              <a:rPr lang="en-US" sz="1200" b="1" dirty="0"/>
+              <a:rPr lang="en-US" sz="1600" b="1" dirty="0">
+                <a:solidFill>
+                  <a:schemeClr val="bg2"/>
+                </a:solidFill>
+                <a:latin typeface="Proxima Nova" panose="020B0604020202020204" charset="0"/>
+              </a:rPr>
               <a:t>XGBC is s a decision tree ensembled learning algorithm similar to random forest.</a:t>
             </a:r>
           </a:p>
@@ -26678,6 +25592,1051 @@
     <p:extLst>
       <p:ext uri="{BB962C8B-B14F-4D97-AF65-F5344CB8AC3E}">
         <p14:creationId xmlns:p14="http://schemas.microsoft.com/office/powerpoint/2010/main" val="505000749"/>
+      </p:ext>
+    </p:extLst>
+  </p:cSld>
+  <p:clrMapOvr>
+    <a:masterClrMapping/>
+  </p:clrMapOvr>
+</p:sld>
+</file>
+
+<file path=ppt/slides/slide9.xml><?xml version="1.0" encoding="utf-8"?>
+<p:sld xmlns:a="http://schemas.openxmlformats.org/drawingml/2006/main" xmlns:r="http://schemas.openxmlformats.org/officeDocument/2006/relationships" xmlns:p="http://schemas.openxmlformats.org/presentationml/2006/main">
+  <p:cSld>
+    <p:spTree>
+      <p:nvGrpSpPr>
+        <p:cNvPr id="1" name="Shape 139"/>
+        <p:cNvGrpSpPr/>
+        <p:nvPr/>
+      </p:nvGrpSpPr>
+      <p:grpSpPr>
+        <a:xfrm>
+          <a:off x="0" y="0"/>
+          <a:ext cx="0" cy="0"/>
+          <a:chOff x="0" y="0"/>
+          <a:chExt cx="0" cy="0"/>
+        </a:xfrm>
+      </p:grpSpPr>
+      <p:sp>
+        <p:nvSpPr>
+          <p:cNvPr id="6" name="TextBox 5">
+            <a:extLst>
+              <a:ext uri="{FF2B5EF4-FFF2-40B4-BE49-F238E27FC236}">
+                <a16:creationId xmlns:a16="http://schemas.microsoft.com/office/drawing/2014/main" id="{DE815755-CA9D-91D9-819C-5788FE5CBF2C}"/>
+              </a:ext>
+            </a:extLst>
+          </p:cNvPr>
+          <p:cNvSpPr txBox="1"/>
+          <p:nvPr/>
+        </p:nvSpPr>
+        <p:spPr>
+          <a:xfrm>
+            <a:off x="1146025" y="1309760"/>
+            <a:ext cx="6851950" cy="461665"/>
+          </a:xfrm>
+          <a:prstGeom prst="rect">
+            <a:avLst/>
+          </a:prstGeom>
+          <a:noFill/>
+        </p:spPr>
+        <p:txBody>
+          <a:bodyPr wrap="square" rtlCol="0">
+            <a:spAutoFit/>
+          </a:bodyPr>
+          <a:lstStyle/>
+          <a:p>
+            <a:r>
+              <a:rPr lang="en-US" sz="1200" dirty="0"/>
+              <a:t>Throughout the project we utilized the power of </a:t>
+            </a:r>
+            <a:r>
+              <a:rPr lang="en-US" sz="1200" dirty="0" err="1"/>
+              <a:t>Github</a:t>
+            </a:r>
+            <a:r>
+              <a:rPr lang="en-US" sz="1200" dirty="0"/>
+              <a:t> for version control and collaboration among team members.</a:t>
+            </a:r>
+          </a:p>
+        </p:txBody>
+      </p:sp>
+      <p:sp>
+        <p:nvSpPr>
+          <p:cNvPr id="7" name="TextBox 6">
+            <a:extLst>
+              <a:ext uri="{FF2B5EF4-FFF2-40B4-BE49-F238E27FC236}">
+                <a16:creationId xmlns:a16="http://schemas.microsoft.com/office/drawing/2014/main" id="{AE314D5B-799C-808F-D760-9F5DDFF70ECF}"/>
+              </a:ext>
+            </a:extLst>
+          </p:cNvPr>
+          <p:cNvSpPr txBox="1"/>
+          <p:nvPr/>
+        </p:nvSpPr>
+        <p:spPr>
+          <a:xfrm>
+            <a:off x="4800361" y="3721953"/>
+            <a:ext cx="1738896" cy="830997"/>
+          </a:xfrm>
+          <a:prstGeom prst="rect">
+            <a:avLst/>
+          </a:prstGeom>
+          <a:noFill/>
+          <a:ln w="12700">
+            <a:solidFill>
+              <a:schemeClr val="tx1">
+                <a:lumMod val="50000"/>
+              </a:schemeClr>
+            </a:solidFill>
+          </a:ln>
+        </p:spPr>
+        <p:txBody>
+          <a:bodyPr wrap="square" rtlCol="0" anchor="ctr" anchorCtr="1">
+            <a:spAutoFit/>
+          </a:bodyPr>
+          <a:lstStyle/>
+          <a:p>
+            <a:pPr algn="ctr"/>
+            <a:r>
+              <a:rPr lang="en-US" sz="1200" dirty="0"/>
+              <a:t>Took advantage of TPOT capabilities to select and fine tune a ML model.</a:t>
+            </a:r>
+          </a:p>
+        </p:txBody>
+      </p:sp>
+      <p:pic>
+        <p:nvPicPr>
+          <p:cNvPr id="1028" name="Picture 4">
+            <a:extLst>
+              <a:ext uri="{FF2B5EF4-FFF2-40B4-BE49-F238E27FC236}">
+                <a16:creationId xmlns:a16="http://schemas.microsoft.com/office/drawing/2014/main" id="{147E41FD-EBE5-7E00-D3FF-F60711E5266D}"/>
+              </a:ext>
+            </a:extLst>
+          </p:cNvPr>
+          <p:cNvPicPr>
+            <a:picLocks noChangeAspect="1" noChangeArrowheads="1"/>
+          </p:cNvPicPr>
+          <p:nvPr/>
+        </p:nvPicPr>
+        <p:blipFill>
+          <a:blip r:embed="rId3">
+            <a:extLst>
+              <a:ext uri="{28A0092B-C50C-407E-A947-70E740481C1C}">
+                <a14:useLocalDpi xmlns:a14="http://schemas.microsoft.com/office/drawing/2010/main" val="0"/>
+              </a:ext>
+            </a:extLst>
+          </a:blip>
+          <a:srcRect/>
+          <a:stretch>
+            <a:fillRect/>
+          </a:stretch>
+        </p:blipFill>
+        <p:spPr bwMode="auto">
+          <a:xfrm>
+            <a:off x="987678" y="2055640"/>
+            <a:ext cx="463509" cy="537249"/>
+          </a:xfrm>
+          <a:prstGeom prst="rect">
+            <a:avLst/>
+          </a:prstGeom>
+          <a:noFill/>
+          <a:extLst>
+            <a:ext uri="{909E8E84-426E-40DD-AFC4-6F175D3DCCD1}">
+              <a14:hiddenFill xmlns:a14="http://schemas.microsoft.com/office/drawing/2010/main">
+                <a:solidFill>
+                  <a:srgbClr val="FFFFFF"/>
+                </a:solidFill>
+              </a14:hiddenFill>
+            </a:ext>
+          </a:extLst>
+        </p:spPr>
+      </p:pic>
+      <p:pic>
+        <p:nvPicPr>
+          <p:cNvPr id="1030" name="Picture 6" descr="Python Logo">
+            <a:extLst>
+              <a:ext uri="{FF2B5EF4-FFF2-40B4-BE49-F238E27FC236}">
+                <a16:creationId xmlns:a16="http://schemas.microsoft.com/office/drawing/2014/main" id="{43B13BD7-F7A6-FAF3-B027-8EC3FF398DFC}"/>
+              </a:ext>
+            </a:extLst>
+          </p:cNvPr>
+          <p:cNvPicPr>
+            <a:picLocks noChangeAspect="1" noChangeArrowheads="1"/>
+          </p:cNvPicPr>
+          <p:nvPr/>
+        </p:nvPicPr>
+        <p:blipFill>
+          <a:blip r:embed="rId4">
+            <a:extLst>
+              <a:ext uri="{28A0092B-C50C-407E-A947-70E740481C1C}">
+                <a14:useLocalDpi xmlns:a14="http://schemas.microsoft.com/office/drawing/2010/main" val="0"/>
+              </a:ext>
+            </a:extLst>
+          </a:blip>
+          <a:srcRect/>
+          <a:stretch>
+            <a:fillRect/>
+          </a:stretch>
+        </p:blipFill>
+        <p:spPr bwMode="auto">
+          <a:xfrm>
+            <a:off x="755924" y="2611230"/>
+            <a:ext cx="463509" cy="461657"/>
+          </a:xfrm>
+          <a:prstGeom prst="rect">
+            <a:avLst/>
+          </a:prstGeom>
+          <a:noFill/>
+          <a:extLst>
+            <a:ext uri="{909E8E84-426E-40DD-AFC4-6F175D3DCCD1}">
+              <a14:hiddenFill xmlns:a14="http://schemas.microsoft.com/office/drawing/2010/main">
+                <a:solidFill>
+                  <a:srgbClr val="FFFFFF"/>
+                </a:solidFill>
+              </a14:hiddenFill>
+            </a:ext>
+          </a:extLst>
+        </p:spPr>
+      </p:pic>
+      <p:pic>
+        <p:nvPicPr>
+          <p:cNvPr id="1032" name="Picture 8" descr="NumPy">
+            <a:extLst>
+              <a:ext uri="{FF2B5EF4-FFF2-40B4-BE49-F238E27FC236}">
+                <a16:creationId xmlns:a16="http://schemas.microsoft.com/office/drawing/2014/main" id="{C57F3D60-0812-35E4-7320-3F8E8B89E30B}"/>
+              </a:ext>
+            </a:extLst>
+          </p:cNvPr>
+          <p:cNvPicPr>
+            <a:picLocks noChangeAspect="1" noChangeArrowheads="1"/>
+          </p:cNvPicPr>
+          <p:nvPr/>
+        </p:nvPicPr>
+        <p:blipFill>
+          <a:blip r:embed="rId5">
+            <a:extLst>
+              <a:ext uri="{28A0092B-C50C-407E-A947-70E740481C1C}">
+                <a14:useLocalDpi xmlns:a14="http://schemas.microsoft.com/office/drawing/2010/main" val="0"/>
+              </a:ext>
+            </a:extLst>
+          </a:blip>
+          <a:srcRect/>
+          <a:stretch>
+            <a:fillRect/>
+          </a:stretch>
+        </p:blipFill>
+        <p:spPr bwMode="auto">
+          <a:xfrm>
+            <a:off x="1207852" y="2539115"/>
+            <a:ext cx="572102" cy="572102"/>
+          </a:xfrm>
+          <a:prstGeom prst="rect">
+            <a:avLst/>
+          </a:prstGeom>
+          <a:noFill/>
+          <a:extLst>
+            <a:ext uri="{909E8E84-426E-40DD-AFC4-6F175D3DCCD1}">
+              <a14:hiddenFill xmlns:a14="http://schemas.microsoft.com/office/drawing/2010/main">
+                <a:solidFill>
+                  <a:srgbClr val="FFFFFF"/>
+                </a:solidFill>
+              </a14:hiddenFill>
+            </a:ext>
+          </a:extLst>
+        </p:spPr>
+      </p:pic>
+      <p:pic>
+        <p:nvPicPr>
+          <p:cNvPr id="1046" name="Picture 22" descr="pandas - Python Data Analysis Library">
+            <a:extLst>
+              <a:ext uri="{FF2B5EF4-FFF2-40B4-BE49-F238E27FC236}">
+                <a16:creationId xmlns:a16="http://schemas.microsoft.com/office/drawing/2014/main" id="{35089554-DA4E-CF68-DD5B-0E07C50213E3}"/>
+              </a:ext>
+            </a:extLst>
+          </p:cNvPr>
+          <p:cNvPicPr>
+            <a:picLocks noChangeAspect="1" noChangeArrowheads="1"/>
+          </p:cNvPicPr>
+          <p:nvPr/>
+        </p:nvPicPr>
+        <p:blipFill>
+          <a:blip r:embed="rId6">
+            <a:extLst>
+              <a:ext uri="{28A0092B-C50C-407E-A947-70E740481C1C}">
+                <a14:useLocalDpi xmlns:a14="http://schemas.microsoft.com/office/drawing/2010/main" val="0"/>
+              </a:ext>
+            </a:extLst>
+          </a:blip>
+          <a:srcRect/>
+          <a:stretch>
+            <a:fillRect/>
+          </a:stretch>
+        </p:blipFill>
+        <p:spPr bwMode="auto">
+          <a:xfrm>
+            <a:off x="1207852" y="3129114"/>
+            <a:ext cx="596594" cy="422308"/>
+          </a:xfrm>
+          <a:prstGeom prst="rect">
+            <a:avLst/>
+          </a:prstGeom>
+          <a:noFill/>
+          <a:extLst>
+            <a:ext uri="{909E8E84-426E-40DD-AFC4-6F175D3DCCD1}">
+              <a14:hiddenFill xmlns:a14="http://schemas.microsoft.com/office/drawing/2010/main">
+                <a:solidFill>
+                  <a:srgbClr val="FFFFFF"/>
+                </a:solidFill>
+              </a14:hiddenFill>
+            </a:ext>
+          </a:extLst>
+        </p:spPr>
+      </p:pic>
+      <p:pic>
+        <p:nvPicPr>
+          <p:cNvPr id="1048" name="Picture 24">
+            <a:extLst>
+              <a:ext uri="{FF2B5EF4-FFF2-40B4-BE49-F238E27FC236}">
+                <a16:creationId xmlns:a16="http://schemas.microsoft.com/office/drawing/2014/main" id="{FBFF9A48-2A52-62BD-5BC0-2DA0E6B91F6A}"/>
+              </a:ext>
+            </a:extLst>
+          </p:cNvPr>
+          <p:cNvPicPr>
+            <a:picLocks noChangeAspect="1" noChangeArrowheads="1"/>
+          </p:cNvPicPr>
+          <p:nvPr/>
+        </p:nvPicPr>
+        <p:blipFill>
+          <a:blip r:embed="rId7">
+            <a:extLst>
+              <a:ext uri="{28A0092B-C50C-407E-A947-70E740481C1C}">
+                <a14:useLocalDpi xmlns:a14="http://schemas.microsoft.com/office/drawing/2010/main" val="0"/>
+              </a:ext>
+            </a:extLst>
+          </a:blip>
+          <a:srcRect/>
+          <a:stretch>
+            <a:fillRect/>
+          </a:stretch>
+        </p:blipFill>
+        <p:spPr bwMode="auto">
+          <a:xfrm>
+            <a:off x="2890085" y="2451101"/>
+            <a:ext cx="832594" cy="448242"/>
+          </a:xfrm>
+          <a:prstGeom prst="rect">
+            <a:avLst/>
+          </a:prstGeom>
+          <a:noFill/>
+          <a:extLst>
+            <a:ext uri="{909E8E84-426E-40DD-AFC4-6F175D3DCCD1}">
+              <a14:hiddenFill xmlns:a14="http://schemas.microsoft.com/office/drawing/2010/main">
+                <a:solidFill>
+                  <a:srgbClr val="FFFFFF"/>
+                </a:solidFill>
+              </a14:hiddenFill>
+            </a:ext>
+          </a:extLst>
+        </p:spPr>
+      </p:pic>
+      <p:pic>
+        <p:nvPicPr>
+          <p:cNvPr id="1058" name="Picture 34" descr="Discussion of seaborn logo · Issue #2243 · mwaskom/seaborn · GitHub">
+            <a:extLst>
+              <a:ext uri="{FF2B5EF4-FFF2-40B4-BE49-F238E27FC236}">
+                <a16:creationId xmlns:a16="http://schemas.microsoft.com/office/drawing/2014/main" id="{44E62E3D-BF9B-5DC6-141D-21B439D7DFFE}"/>
+              </a:ext>
+            </a:extLst>
+          </p:cNvPr>
+          <p:cNvPicPr>
+            <a:picLocks noChangeAspect="1" noChangeArrowheads="1"/>
+          </p:cNvPicPr>
+          <p:nvPr/>
+        </p:nvPicPr>
+        <p:blipFill>
+          <a:blip r:embed="rId8">
+            <a:extLst>
+              <a:ext uri="{28A0092B-C50C-407E-A947-70E740481C1C}">
+                <a14:useLocalDpi xmlns:a14="http://schemas.microsoft.com/office/drawing/2010/main" val="0"/>
+              </a:ext>
+            </a:extLst>
+          </a:blip>
+          <a:srcRect/>
+          <a:stretch>
+            <a:fillRect/>
+          </a:stretch>
+        </p:blipFill>
+        <p:spPr bwMode="auto">
+          <a:xfrm>
+            <a:off x="684257" y="3112600"/>
+            <a:ext cx="590550" cy="590550"/>
+          </a:xfrm>
+          <a:prstGeom prst="rect">
+            <a:avLst/>
+          </a:prstGeom>
+          <a:noFill/>
+          <a:extLst>
+            <a:ext uri="{909E8E84-426E-40DD-AFC4-6F175D3DCCD1}">
+              <a14:hiddenFill xmlns:a14="http://schemas.microsoft.com/office/drawing/2010/main">
+                <a:solidFill>
+                  <a:srgbClr val="FFFFFF"/>
+                </a:solidFill>
+              </a14:hiddenFill>
+            </a:ext>
+          </a:extLst>
+        </p:spPr>
+      </p:pic>
+      <p:pic>
+        <p:nvPicPr>
+          <p:cNvPr id="1060" name="Picture 36" descr="TPOT Logo - AutoML">
+            <a:extLst>
+              <a:ext uri="{FF2B5EF4-FFF2-40B4-BE49-F238E27FC236}">
+                <a16:creationId xmlns:a16="http://schemas.microsoft.com/office/drawing/2014/main" id="{5462DFEA-7F66-29B7-E264-4E357870C8FF}"/>
+              </a:ext>
+            </a:extLst>
+          </p:cNvPr>
+          <p:cNvPicPr>
+            <a:picLocks noChangeAspect="1" noChangeArrowheads="1"/>
+          </p:cNvPicPr>
+          <p:nvPr/>
+        </p:nvPicPr>
+        <p:blipFill>
+          <a:blip r:embed="rId9">
+            <a:extLst>
+              <a:ext uri="{28A0092B-C50C-407E-A947-70E740481C1C}">
+                <a14:useLocalDpi xmlns:a14="http://schemas.microsoft.com/office/drawing/2010/main" val="0"/>
+              </a:ext>
+            </a:extLst>
+          </a:blip>
+          <a:srcRect/>
+          <a:stretch>
+            <a:fillRect/>
+          </a:stretch>
+        </p:blipFill>
+        <p:spPr bwMode="auto">
+          <a:xfrm>
+            <a:off x="5161577" y="2384403"/>
+            <a:ext cx="736179" cy="645352"/>
+          </a:xfrm>
+          <a:prstGeom prst="rect">
+            <a:avLst/>
+          </a:prstGeom>
+          <a:noFill/>
+          <a:extLst>
+            <a:ext uri="{909E8E84-426E-40DD-AFC4-6F175D3DCCD1}">
+              <a14:hiddenFill xmlns:a14="http://schemas.microsoft.com/office/drawing/2010/main">
+                <a:solidFill>
+                  <a:srgbClr val="FFFFFF"/>
+                </a:solidFill>
+              </a14:hiddenFill>
+            </a:ext>
+          </a:extLst>
+        </p:spPr>
+      </p:pic>
+      <p:pic>
+        <p:nvPicPr>
+          <p:cNvPr id="1062" name="Picture 38" descr="RAPIDS + XGBoost | RAPIDS">
+            <a:extLst>
+              <a:ext uri="{FF2B5EF4-FFF2-40B4-BE49-F238E27FC236}">
+                <a16:creationId xmlns:a16="http://schemas.microsoft.com/office/drawing/2014/main" id="{E9A6EB5B-3D06-6F90-AC28-A26D67F5862A}"/>
+              </a:ext>
+            </a:extLst>
+          </p:cNvPr>
+          <p:cNvPicPr>
+            <a:picLocks noChangeAspect="1" noChangeArrowheads="1"/>
+          </p:cNvPicPr>
+          <p:nvPr/>
+        </p:nvPicPr>
+        <p:blipFill>
+          <a:blip r:embed="rId10">
+            <a:extLst>
+              <a:ext uri="{28A0092B-C50C-407E-A947-70E740481C1C}">
+                <a14:useLocalDpi xmlns:a14="http://schemas.microsoft.com/office/drawing/2010/main" val="0"/>
+              </a:ext>
+            </a:extLst>
+          </a:blip>
+          <a:srcRect/>
+          <a:stretch>
+            <a:fillRect/>
+          </a:stretch>
+        </p:blipFill>
+        <p:spPr bwMode="auto">
+          <a:xfrm>
+            <a:off x="7363656" y="2322441"/>
+            <a:ext cx="1144983" cy="858737"/>
+          </a:xfrm>
+          <a:prstGeom prst="rect">
+            <a:avLst/>
+          </a:prstGeom>
+          <a:noFill/>
+          <a:extLst>
+            <a:ext uri="{909E8E84-426E-40DD-AFC4-6F175D3DCCD1}">
+              <a14:hiddenFill xmlns:a14="http://schemas.microsoft.com/office/drawing/2010/main">
+                <a:solidFill>
+                  <a:srgbClr val="FFFFFF"/>
+                </a:solidFill>
+              </a14:hiddenFill>
+            </a:ext>
+          </a:extLst>
+        </p:spPr>
+      </p:pic>
+      <p:sp>
+        <p:nvSpPr>
+          <p:cNvPr id="14" name="Title 13">
+            <a:extLst>
+              <a:ext uri="{FF2B5EF4-FFF2-40B4-BE49-F238E27FC236}">
+                <a16:creationId xmlns:a16="http://schemas.microsoft.com/office/drawing/2014/main" id="{EE8AECEE-5342-EA15-A5E0-B8538B966704}"/>
+              </a:ext>
+            </a:extLst>
+          </p:cNvPr>
+          <p:cNvSpPr>
+            <a:spLocks noGrp="1"/>
+          </p:cNvSpPr>
+          <p:nvPr>
+            <p:ph type="title"/>
+          </p:nvPr>
+        </p:nvSpPr>
+        <p:spPr/>
+        <p:txBody>
+          <a:bodyPr/>
+          <a:lstStyle/>
+          <a:p>
+            <a:r>
+              <a:rPr lang="en-US" dirty="0">
+                <a:solidFill>
+                  <a:srgbClr val="0070C0"/>
+                </a:solidFill>
+              </a:rPr>
+              <a:t>MLE Stack / EDA - Data Engineering - ML</a:t>
+            </a:r>
+          </a:p>
+        </p:txBody>
+      </p:sp>
+      <p:pic>
+        <p:nvPicPr>
+          <p:cNvPr id="1064" name="Picture 40" descr="GitHub Logos and Usage · GitHub">
+            <a:extLst>
+              <a:ext uri="{FF2B5EF4-FFF2-40B4-BE49-F238E27FC236}">
+                <a16:creationId xmlns:a16="http://schemas.microsoft.com/office/drawing/2014/main" id="{713E3ED5-9912-E634-B17A-43261AA5031A}"/>
+              </a:ext>
+            </a:extLst>
+          </p:cNvPr>
+          <p:cNvPicPr>
+            <a:picLocks noChangeAspect="1" noChangeArrowheads="1"/>
+          </p:cNvPicPr>
+          <p:nvPr/>
+        </p:nvPicPr>
+        <p:blipFill>
+          <a:blip r:embed="rId11">
+            <a:extLst>
+              <a:ext uri="{28A0092B-C50C-407E-A947-70E740481C1C}">
+                <a14:useLocalDpi xmlns:a14="http://schemas.microsoft.com/office/drawing/2010/main" val="0"/>
+              </a:ext>
+            </a:extLst>
+          </a:blip>
+          <a:srcRect/>
+          <a:stretch>
+            <a:fillRect/>
+          </a:stretch>
+        </p:blipFill>
+        <p:spPr bwMode="auto">
+          <a:xfrm>
+            <a:off x="398205" y="1279145"/>
+            <a:ext cx="572103" cy="572103"/>
+          </a:xfrm>
+          <a:prstGeom prst="rect">
+            <a:avLst/>
+          </a:prstGeom>
+          <a:noFill/>
+          <a:extLst>
+            <a:ext uri="{909E8E84-426E-40DD-AFC4-6F175D3DCCD1}">
+              <a14:hiddenFill xmlns:a14="http://schemas.microsoft.com/office/drawing/2010/main">
+                <a:solidFill>
+                  <a:srgbClr val="FFFFFF"/>
+                </a:solidFill>
+              </a14:hiddenFill>
+            </a:ext>
+          </a:extLst>
+        </p:spPr>
+      </p:pic>
+      <p:pic>
+        <p:nvPicPr>
+          <p:cNvPr id="16" name="Picture 40" descr="GitHub Logos and Usage · GitHub">
+            <a:extLst>
+              <a:ext uri="{FF2B5EF4-FFF2-40B4-BE49-F238E27FC236}">
+                <a16:creationId xmlns:a16="http://schemas.microsoft.com/office/drawing/2014/main" id="{0BD7E616-4B79-F6B0-95CC-5EE4C21BF9F4}"/>
+              </a:ext>
+            </a:extLst>
+          </p:cNvPr>
+          <p:cNvPicPr>
+            <a:picLocks noChangeAspect="1" noChangeArrowheads="1"/>
+          </p:cNvPicPr>
+          <p:nvPr/>
+        </p:nvPicPr>
+        <p:blipFill>
+          <a:blip r:embed="rId11">
+            <a:extLst>
+              <a:ext uri="{28A0092B-C50C-407E-A947-70E740481C1C}">
+                <a14:useLocalDpi xmlns:a14="http://schemas.microsoft.com/office/drawing/2010/main" val="0"/>
+              </a:ext>
+            </a:extLst>
+          </a:blip>
+          <a:srcRect/>
+          <a:stretch>
+            <a:fillRect/>
+          </a:stretch>
+        </p:blipFill>
+        <p:spPr bwMode="auto">
+          <a:xfrm>
+            <a:off x="8173692" y="1237788"/>
+            <a:ext cx="572103" cy="572103"/>
+          </a:xfrm>
+          <a:prstGeom prst="rect">
+            <a:avLst/>
+          </a:prstGeom>
+          <a:noFill/>
+          <a:extLst>
+            <a:ext uri="{909E8E84-426E-40DD-AFC4-6F175D3DCCD1}">
+              <a14:hiddenFill xmlns:a14="http://schemas.microsoft.com/office/drawing/2010/main">
+                <a:solidFill>
+                  <a:srgbClr val="FFFFFF"/>
+                </a:solidFill>
+              </a14:hiddenFill>
+            </a:ext>
+          </a:extLst>
+        </p:spPr>
+      </p:pic>
+      <p:sp>
+        <p:nvSpPr>
+          <p:cNvPr id="17" name="Rounded Rectangle 16">
+            <a:extLst>
+              <a:ext uri="{FF2B5EF4-FFF2-40B4-BE49-F238E27FC236}">
+                <a16:creationId xmlns:a16="http://schemas.microsoft.com/office/drawing/2014/main" id="{8D2D27FE-AFFF-5FC3-77A5-6325DC83C0FC}"/>
+              </a:ext>
+            </a:extLst>
+          </p:cNvPr>
+          <p:cNvSpPr/>
+          <p:nvPr/>
+        </p:nvSpPr>
+        <p:spPr>
+          <a:xfrm>
+            <a:off x="398205" y="1237788"/>
+            <a:ext cx="8347590" cy="613460"/>
+          </a:xfrm>
+          <a:prstGeom prst="roundRect">
+            <a:avLst/>
+          </a:prstGeom>
+          <a:noFill/>
+          <a:ln w="12700">
+            <a:solidFill>
+              <a:schemeClr val="tx1">
+                <a:lumMod val="50000"/>
+              </a:schemeClr>
+            </a:solidFill>
+          </a:ln>
+        </p:spPr>
+        <p:style>
+          <a:lnRef idx="2">
+            <a:schemeClr val="accent1">
+              <a:shade val="50000"/>
+            </a:schemeClr>
+          </a:lnRef>
+          <a:fillRef idx="1">
+            <a:schemeClr val="accent1"/>
+          </a:fillRef>
+          <a:effectRef idx="0">
+            <a:schemeClr val="accent1"/>
+          </a:effectRef>
+          <a:fontRef idx="minor">
+            <a:schemeClr val="lt1"/>
+          </a:fontRef>
+        </p:style>
+        <p:txBody>
+          <a:bodyPr rtlCol="0" anchor="ctr"/>
+          <a:lstStyle/>
+          <a:p>
+            <a:pPr algn="ctr"/>
+            <a:endParaRPr lang="en-US"/>
+          </a:p>
+        </p:txBody>
+      </p:sp>
+      <p:sp>
+        <p:nvSpPr>
+          <p:cNvPr id="18" name="Right Arrow 17">
+            <a:extLst>
+              <a:ext uri="{FF2B5EF4-FFF2-40B4-BE49-F238E27FC236}">
+                <a16:creationId xmlns:a16="http://schemas.microsoft.com/office/drawing/2014/main" id="{29C513BC-D591-7670-5AC9-45E49EB38807}"/>
+              </a:ext>
+            </a:extLst>
+          </p:cNvPr>
+          <p:cNvSpPr/>
+          <p:nvPr/>
+        </p:nvSpPr>
+        <p:spPr>
+          <a:xfrm>
+            <a:off x="1982490" y="2568574"/>
+            <a:ext cx="720958" cy="302004"/>
+          </a:xfrm>
+          <a:prstGeom prst="rightArrow">
+            <a:avLst>
+              <a:gd name="adj1" fmla="val 16826"/>
+              <a:gd name="adj2" fmla="val 50000"/>
+            </a:avLst>
+          </a:prstGeom>
+          <a:solidFill>
+            <a:srgbClr val="0070C0"/>
+          </a:solidFill>
+          <a:ln>
+            <a:solidFill>
+              <a:srgbClr val="0070C0"/>
+            </a:solidFill>
+          </a:ln>
+        </p:spPr>
+        <p:style>
+          <a:lnRef idx="2">
+            <a:schemeClr val="accent1">
+              <a:shade val="50000"/>
+            </a:schemeClr>
+          </a:lnRef>
+          <a:fillRef idx="1">
+            <a:schemeClr val="accent1"/>
+          </a:fillRef>
+          <a:effectRef idx="0">
+            <a:schemeClr val="accent1"/>
+          </a:effectRef>
+          <a:fontRef idx="minor">
+            <a:schemeClr val="lt1"/>
+          </a:fontRef>
+        </p:style>
+        <p:txBody>
+          <a:bodyPr rtlCol="0" anchor="ctr"/>
+          <a:lstStyle/>
+          <a:p>
+            <a:pPr algn="ctr"/>
+            <a:endParaRPr lang="en-US"/>
+          </a:p>
+        </p:txBody>
+      </p:sp>
+      <p:sp>
+        <p:nvSpPr>
+          <p:cNvPr id="19" name="Right Arrow 18">
+            <a:extLst>
+              <a:ext uri="{FF2B5EF4-FFF2-40B4-BE49-F238E27FC236}">
+                <a16:creationId xmlns:a16="http://schemas.microsoft.com/office/drawing/2014/main" id="{34601F49-0868-2EF4-5039-241A3628DD83}"/>
+              </a:ext>
+            </a:extLst>
+          </p:cNvPr>
+          <p:cNvSpPr/>
+          <p:nvPr/>
+        </p:nvSpPr>
+        <p:spPr>
+          <a:xfrm>
+            <a:off x="4079403" y="2600808"/>
+            <a:ext cx="720958" cy="302004"/>
+          </a:xfrm>
+          <a:prstGeom prst="rightArrow">
+            <a:avLst>
+              <a:gd name="adj1" fmla="val 16826"/>
+              <a:gd name="adj2" fmla="val 50000"/>
+            </a:avLst>
+          </a:prstGeom>
+          <a:solidFill>
+            <a:srgbClr val="0070C0"/>
+          </a:solidFill>
+          <a:ln>
+            <a:solidFill>
+              <a:srgbClr val="0070C0"/>
+            </a:solidFill>
+          </a:ln>
+        </p:spPr>
+        <p:style>
+          <a:lnRef idx="2">
+            <a:schemeClr val="accent1">
+              <a:shade val="50000"/>
+            </a:schemeClr>
+          </a:lnRef>
+          <a:fillRef idx="1">
+            <a:schemeClr val="accent1"/>
+          </a:fillRef>
+          <a:effectRef idx="0">
+            <a:schemeClr val="accent1"/>
+          </a:effectRef>
+          <a:fontRef idx="minor">
+            <a:schemeClr val="lt1"/>
+          </a:fontRef>
+        </p:style>
+        <p:txBody>
+          <a:bodyPr rtlCol="0" anchor="ctr"/>
+          <a:lstStyle/>
+          <a:p>
+            <a:pPr algn="ctr"/>
+            <a:endParaRPr lang="en-US"/>
+          </a:p>
+        </p:txBody>
+      </p:sp>
+      <p:sp>
+        <p:nvSpPr>
+          <p:cNvPr id="20" name="Right Arrow 19">
+            <a:extLst>
+              <a:ext uri="{FF2B5EF4-FFF2-40B4-BE49-F238E27FC236}">
+                <a16:creationId xmlns:a16="http://schemas.microsoft.com/office/drawing/2014/main" id="{EA42870C-15B2-D928-DCEF-7E637B8B4984}"/>
+              </a:ext>
+            </a:extLst>
+          </p:cNvPr>
+          <p:cNvSpPr/>
+          <p:nvPr/>
+        </p:nvSpPr>
+        <p:spPr>
+          <a:xfrm>
+            <a:off x="6282106" y="2611230"/>
+            <a:ext cx="720958" cy="302004"/>
+          </a:xfrm>
+          <a:prstGeom prst="rightArrow">
+            <a:avLst>
+              <a:gd name="adj1" fmla="val 16826"/>
+              <a:gd name="adj2" fmla="val 50000"/>
+            </a:avLst>
+          </a:prstGeom>
+          <a:solidFill>
+            <a:srgbClr val="0070C0"/>
+          </a:solidFill>
+          <a:ln>
+            <a:solidFill>
+              <a:srgbClr val="0070C0"/>
+            </a:solidFill>
+          </a:ln>
+        </p:spPr>
+        <p:style>
+          <a:lnRef idx="2">
+            <a:schemeClr val="accent1">
+              <a:shade val="50000"/>
+            </a:schemeClr>
+          </a:lnRef>
+          <a:fillRef idx="1">
+            <a:schemeClr val="accent1"/>
+          </a:fillRef>
+          <a:effectRef idx="0">
+            <a:schemeClr val="accent1"/>
+          </a:effectRef>
+          <a:fontRef idx="minor">
+            <a:schemeClr val="lt1"/>
+          </a:fontRef>
+        </p:style>
+        <p:txBody>
+          <a:bodyPr rtlCol="0" anchor="ctr"/>
+          <a:lstStyle/>
+          <a:p>
+            <a:pPr algn="ctr"/>
+            <a:endParaRPr lang="en-US"/>
+          </a:p>
+        </p:txBody>
+      </p:sp>
+      <p:sp>
+        <p:nvSpPr>
+          <p:cNvPr id="21" name="TextBox 20">
+            <a:extLst>
+              <a:ext uri="{FF2B5EF4-FFF2-40B4-BE49-F238E27FC236}">
+                <a16:creationId xmlns:a16="http://schemas.microsoft.com/office/drawing/2014/main" id="{C48C25C9-8360-A3DD-7547-2D849974FE56}"/>
+              </a:ext>
+            </a:extLst>
+          </p:cNvPr>
+          <p:cNvSpPr txBox="1"/>
+          <p:nvPr/>
+        </p:nvSpPr>
+        <p:spPr>
+          <a:xfrm>
+            <a:off x="2653817" y="3721953"/>
+            <a:ext cx="1738896" cy="830997"/>
+          </a:xfrm>
+          <a:prstGeom prst="rect">
+            <a:avLst/>
+          </a:prstGeom>
+          <a:noFill/>
+          <a:ln w="12700">
+            <a:solidFill>
+              <a:schemeClr val="tx1">
+                <a:lumMod val="50000"/>
+              </a:schemeClr>
+            </a:solidFill>
+          </a:ln>
+        </p:spPr>
+        <p:txBody>
+          <a:bodyPr wrap="square" rtlCol="0" anchor="ctr" anchorCtr="1">
+            <a:noAutofit/>
+          </a:bodyPr>
+          <a:lstStyle/>
+          <a:p>
+            <a:pPr algn="ctr"/>
+            <a:r>
+              <a:rPr lang="en-US" sz="1200" dirty="0"/>
+              <a:t>Pipeline</a:t>
+            </a:r>
+          </a:p>
+          <a:p>
+            <a:pPr algn="ctr"/>
+            <a:r>
+              <a:rPr lang="en-US" sz="1200" dirty="0"/>
+              <a:t>Data preprocessing</a:t>
+            </a:r>
+          </a:p>
+          <a:p>
+            <a:pPr algn="ctr"/>
+            <a:r>
+              <a:rPr lang="en-US" sz="1200" dirty="0"/>
+              <a:t>Model selection – </a:t>
+            </a:r>
+            <a:r>
+              <a:rPr lang="en-US" sz="1200" dirty="0" err="1"/>
+              <a:t>lgr</a:t>
+            </a:r>
+            <a:endParaRPr lang="en-US" sz="1200" dirty="0"/>
+          </a:p>
+          <a:p>
+            <a:pPr algn="ctr"/>
+            <a:r>
+              <a:rPr lang="en-US" sz="1200" dirty="0"/>
+              <a:t>Metrics</a:t>
+            </a:r>
+          </a:p>
+        </p:txBody>
+      </p:sp>
+      <p:sp>
+        <p:nvSpPr>
+          <p:cNvPr id="22" name="TextBox 21">
+            <a:extLst>
+              <a:ext uri="{FF2B5EF4-FFF2-40B4-BE49-F238E27FC236}">
+                <a16:creationId xmlns:a16="http://schemas.microsoft.com/office/drawing/2014/main" id="{20579A39-E6A3-131B-ADE3-677171D8B3F4}"/>
+              </a:ext>
+            </a:extLst>
+          </p:cNvPr>
+          <p:cNvSpPr txBox="1"/>
+          <p:nvPr/>
+        </p:nvSpPr>
+        <p:spPr>
+          <a:xfrm>
+            <a:off x="405359" y="3721953"/>
+            <a:ext cx="1738896" cy="830997"/>
+          </a:xfrm>
+          <a:prstGeom prst="rect">
+            <a:avLst/>
+          </a:prstGeom>
+          <a:noFill/>
+          <a:ln w="12700">
+            <a:solidFill>
+              <a:schemeClr val="tx1">
+                <a:lumMod val="50000"/>
+              </a:schemeClr>
+            </a:solidFill>
+          </a:ln>
+        </p:spPr>
+        <p:txBody>
+          <a:bodyPr wrap="square" rtlCol="0" anchor="ctr" anchorCtr="1">
+            <a:noAutofit/>
+          </a:bodyPr>
+          <a:lstStyle/>
+          <a:p>
+            <a:pPr algn="ctr"/>
+            <a:r>
+              <a:rPr lang="en-US" sz="1200" dirty="0"/>
+              <a:t>EDA</a:t>
+            </a:r>
+          </a:p>
+          <a:p>
+            <a:pPr algn="ctr"/>
+            <a:r>
+              <a:rPr lang="en-US" sz="1200" dirty="0"/>
+              <a:t>Experimentation</a:t>
+            </a:r>
+          </a:p>
+          <a:p>
+            <a:pPr algn="ctr"/>
+            <a:r>
+              <a:rPr lang="en-US" sz="1200" dirty="0"/>
+              <a:t>Data Engineering</a:t>
+            </a:r>
+          </a:p>
+          <a:p>
+            <a:pPr algn="ctr"/>
+            <a:r>
+              <a:rPr lang="en-US" sz="1200" dirty="0"/>
+              <a:t>Feature selection</a:t>
+            </a:r>
+          </a:p>
+        </p:txBody>
+      </p:sp>
+      <p:sp>
+        <p:nvSpPr>
+          <p:cNvPr id="23" name="TextBox 22">
+            <a:extLst>
+              <a:ext uri="{FF2B5EF4-FFF2-40B4-BE49-F238E27FC236}">
+                <a16:creationId xmlns:a16="http://schemas.microsoft.com/office/drawing/2014/main" id="{A6B9BD35-E202-5B64-CA02-CDA4090BA0BC}"/>
+              </a:ext>
+            </a:extLst>
+          </p:cNvPr>
+          <p:cNvSpPr txBox="1"/>
+          <p:nvPr/>
+        </p:nvSpPr>
+        <p:spPr>
+          <a:xfrm>
+            <a:off x="7006899" y="3721953"/>
+            <a:ext cx="1738896" cy="830997"/>
+          </a:xfrm>
+          <a:prstGeom prst="rect">
+            <a:avLst/>
+          </a:prstGeom>
+          <a:noFill/>
+          <a:ln w="12700">
+            <a:solidFill>
+              <a:schemeClr val="tx1">
+                <a:lumMod val="50000"/>
+              </a:schemeClr>
+            </a:solidFill>
+          </a:ln>
+        </p:spPr>
+        <p:txBody>
+          <a:bodyPr wrap="square" rtlCol="0" anchor="ctr" anchorCtr="1">
+            <a:spAutoFit/>
+          </a:bodyPr>
+          <a:lstStyle>
+            <a:defPPr marR="0" lvl="0" algn="l" rtl="0">
+              <a:lnSpc>
+                <a:spcPct val="100000"/>
+              </a:lnSpc>
+              <a:spcBef>
+                <a:spcPts val="0"/>
+              </a:spcBef>
+              <a:spcAft>
+                <a:spcPts val="0"/>
+              </a:spcAft>
+            </a:defPPr>
+            <a:lvl1pPr algn="ctr">
+              <a:defRPr sz="1200"/>
+            </a:lvl1pPr>
+          </a:lstStyle>
+          <a:p>
+            <a:r>
+              <a:rPr lang="en-US" dirty="0"/>
+              <a:t>Extreme Gradient Boost</a:t>
+            </a:r>
+          </a:p>
+          <a:p>
+            <a:r>
+              <a:rPr lang="en-US" dirty="0"/>
+              <a:t>parallel tree boosting</a:t>
+            </a:r>
+          </a:p>
+          <a:p>
+            <a:r>
+              <a:rPr lang="en-US" dirty="0"/>
+              <a:t>ML classification lib</a:t>
+            </a:r>
+          </a:p>
+        </p:txBody>
+      </p:sp>
+    </p:spTree>
+    <p:extLst>
+      <p:ext uri="{BB962C8B-B14F-4D97-AF65-F5344CB8AC3E}">
+        <p14:creationId xmlns:p14="http://schemas.microsoft.com/office/powerpoint/2010/main" val="536615293"/>
       </p:ext>
     </p:extLst>
   </p:cSld>
